--- a/تحليل بيانات الحج والعمرة/تصاريح تطبيق نُسُك/تقرير عدد تصاريح تطبيق نُسُك ١٤٤٤هـ.pptx
+++ b/تحليل بيانات الحج والعمرة/تصاريح تطبيق نُسُك/تقرير عدد تصاريح تطبيق نُسُك ١٤٤٤هـ.pptx
@@ -10,6 +10,7 @@
     <p:sldId id="258" r:id="rId4"/>
     <p:sldId id="259" r:id="rId5"/>
     <p:sldId id="260" r:id="rId6"/>
+    <p:sldId id="261" r:id="rId7"/>
   </p:sldIdLst>
   <p:sldSz cx="12192000" cy="6858000"/>
   <p:notesSz cx="6858000" cy="9144000"/>
@@ -4689,7 +4690,7 @@
           <a:p>
             <a:fld id="{2395C5C9-164C-46B3-A87E-7660D39D3106}" type="datetime2">
               <a:rPr lang="en-US" smtClean="0"/>
-              <a:t>Friday, September 22, 2023</a:t>
+              <a:t>Monday, September 25, 2023</a:t>
             </a:fld>
             <a:endParaRPr lang="en-US" dirty="0"/>
           </a:p>
@@ -4892,7 +4893,7 @@
           <a:p>
             <a:fld id="{5B75179A-1E2B-41AB-B400-4F1B4022FAEE}" type="datetime2">
               <a:rPr lang="en-US" smtClean="0"/>
-              <a:t>Friday, September 22, 2023</a:t>
+              <a:t>Monday, September 25, 2023</a:t>
             </a:fld>
             <a:endParaRPr lang="en-US"/>
           </a:p>
@@ -5105,7 +5106,7 @@
           <a:p>
             <a:fld id="{05681D0F-6595-4F14-8EF3-954CD87C797B}" type="datetime2">
               <a:rPr lang="en-US" smtClean="0"/>
-              <a:t>Friday, September 22, 2023</a:t>
+              <a:t>Monday, September 25, 2023</a:t>
             </a:fld>
             <a:endParaRPr lang="en-US"/>
           </a:p>
@@ -5307,7 +5308,7 @@
           <a:p>
             <a:fld id="{4DDCFF8A-AAF8-4A12-8A91-9CA0EAF6CBB9}" type="datetime2">
               <a:rPr lang="en-US" smtClean="0"/>
-              <a:t>Friday, September 22, 2023</a:t>
+              <a:t>Monday, September 25, 2023</a:t>
             </a:fld>
             <a:endParaRPr lang="en-US" dirty="0"/>
           </a:p>
@@ -5586,7 +5587,7 @@
           <a:p>
             <a:fld id="{ABCC25C3-021A-4B0B-8F70-0C181FE1CF45}" type="datetime2">
               <a:rPr lang="en-US" smtClean="0"/>
-              <a:t>Friday, September 22, 2023</a:t>
+              <a:t>Monday, September 25, 2023</a:t>
             </a:fld>
             <a:endParaRPr lang="en-US"/>
           </a:p>
@@ -5846,7 +5847,7 @@
           <a:p>
             <a:fld id="{0C23D88D-8CEC-4ED9-A53B-5596187D9A16}" type="datetime2">
               <a:rPr lang="en-US" smtClean="0"/>
-              <a:t>Friday, September 22, 2023</a:t>
+              <a:t>Monday, September 25, 2023</a:t>
             </a:fld>
             <a:endParaRPr lang="en-US"/>
           </a:p>
@@ -6262,7 +6263,7 @@
           <a:p>
             <a:fld id="{D2CCD382-DFDA-4722-A27A-59C21AD112F2}" type="datetime2">
               <a:rPr lang="en-US" smtClean="0"/>
-              <a:t>Friday, September 22, 2023</a:t>
+              <a:t>Monday, September 25, 2023</a:t>
             </a:fld>
             <a:endParaRPr lang="en-US"/>
           </a:p>
@@ -6407,7 +6408,7 @@
           <a:p>
             <a:fld id="{22F2A30D-1C09-413F-AAB1-38F366000715}" type="datetime2">
               <a:rPr lang="en-US" smtClean="0"/>
-              <a:t>Friday, September 22, 2023</a:t>
+              <a:t>Monday, September 25, 2023</a:t>
             </a:fld>
             <a:endParaRPr lang="en-US"/>
           </a:p>
@@ -6529,7 +6530,7 @@
           <a:p>
             <a:fld id="{6DB82B9C-D65E-4F64-95C3-B10F3B00F0D9}" type="datetime2">
               <a:rPr lang="en-US" smtClean="0"/>
-              <a:t>Friday, September 22, 2023</a:t>
+              <a:t>Monday, September 25, 2023</a:t>
             </a:fld>
             <a:endParaRPr lang="en-US"/>
           </a:p>
@@ -6852,7 +6853,7 @@
           <a:p>
             <a:fld id="{B7F5FDCC-6AAC-4A08-B9E0-3793AB5E64C3}" type="datetime2">
               <a:rPr lang="en-US" smtClean="0"/>
-              <a:t>Friday, September 22, 2023</a:t>
+              <a:t>Monday, September 25, 2023</a:t>
             </a:fld>
             <a:endParaRPr lang="en-US"/>
           </a:p>
@@ -7140,7 +7141,7 @@
           <a:p>
             <a:fld id="{349FE94D-439C-40F1-900E-BC07940E3988}" type="datetime2">
               <a:rPr lang="en-US" smtClean="0"/>
-              <a:t>Friday, September 22, 2023</a:t>
+              <a:t>Monday, September 25, 2023</a:t>
             </a:fld>
             <a:endParaRPr lang="en-US"/>
           </a:p>
@@ -7424,7 +7425,7 @@
           <a:p>
             <a:fld id="{8DEA2CF1-0EB2-4673-802D-3371233E4A77}" type="datetime2">
               <a:rPr lang="en-US" smtClean="0"/>
-              <a:t>Friday, September 22, 2023</a:t>
+              <a:t>Monday, September 25, 2023</a:t>
             </a:fld>
             <a:endParaRPr lang="en-US" dirty="0"/>
           </a:p>
@@ -8303,7 +8304,7 @@
             </a:pPr>
             <a:r>
               <a:rPr lang="ar-SA" sz="3200" dirty="0"/>
-              <a:t>ماهي نسبة تصاريح العمرة من تطبيق نُسُك لعام ١٤٤هـ؟</a:t>
+              <a:t>ماهي نسبة تصاريح العمرة من تطبيق نُسُك لعام ١٤٤٤هـ؟</a:t>
             </a:r>
           </a:p>
         </p:txBody>
@@ -10178,6 +10179,98 @@
     <p:extLst>
       <p:ext uri="{BB962C8B-B14F-4D97-AF65-F5344CB8AC3E}">
         <p14:creationId xmlns:p14="http://schemas.microsoft.com/office/powerpoint/2010/main" val="3398042880"/>
+      </p:ext>
+    </p:extLst>
+  </p:cSld>
+  <p:clrMapOvr>
+    <a:masterClrMapping/>
+  </p:clrMapOvr>
+</p:sld>
+</file>
+
+<file path=ppt/slides/slide6.xml><?xml version="1.0" encoding="utf-8"?>
+<p:sld xmlns:a="http://schemas.openxmlformats.org/drawingml/2006/main" xmlns:r="http://schemas.openxmlformats.org/officeDocument/2006/relationships" xmlns:p="http://schemas.openxmlformats.org/presentationml/2006/main">
+  <p:cSld>
+    <p:spTree>
+      <p:nvGrpSpPr>
+        <p:cNvPr id="1" name=""/>
+        <p:cNvGrpSpPr/>
+        <p:nvPr/>
+      </p:nvGrpSpPr>
+      <p:grpSpPr>
+        <a:xfrm>
+          <a:off x="0" y="0"/>
+          <a:ext cx="0" cy="0"/>
+          <a:chOff x="0" y="0"/>
+          <a:chExt cx="0" cy="0"/>
+        </a:xfrm>
+      </p:grpSpPr>
+      <p:sp>
+        <p:nvSpPr>
+          <p:cNvPr id="2" name="عنوان 1">
+            <a:extLst>
+              <a:ext uri="{FF2B5EF4-FFF2-40B4-BE49-F238E27FC236}">
+                <a16:creationId xmlns:a16="http://schemas.microsoft.com/office/drawing/2014/main" id="{D89AF376-0BD9-D139-7416-3CF078E35D81}"/>
+              </a:ext>
+            </a:extLst>
+          </p:cNvPr>
+          <p:cNvSpPr>
+            <a:spLocks noGrp="1"/>
+          </p:cNvSpPr>
+          <p:nvPr>
+            <p:ph type="title"/>
+          </p:nvPr>
+        </p:nvSpPr>
+        <p:spPr/>
+        <p:txBody>
+          <a:bodyPr/>
+          <a:lstStyle/>
+          <a:p>
+            <a:pPr algn="r" defTabSz="914400" rtl="1" eaLnBrk="1" latinLnBrk="0" hangingPunct="1">
+              <a:lnSpc>
+                <a:spcPct val="100000"/>
+              </a:lnSpc>
+              <a:spcBef>
+                <a:spcPct val="0"/>
+              </a:spcBef>
+              <a:buNone/>
+            </a:pPr>
+            <a:r>
+              <a:rPr lang="ar-SA" dirty="0"/>
+              <a:t>ما هو أعلى عدد تصاريح عمرة وأقل عدد تصاريح عمرة لعام ١٤٤٤هـ؟ </a:t>
+            </a:r>
+          </a:p>
+        </p:txBody>
+      </p:sp>
+      <p:sp>
+        <p:nvSpPr>
+          <p:cNvPr id="3" name="عنصر نائب للمحتوى 2">
+            <a:extLst>
+              <a:ext uri="{FF2B5EF4-FFF2-40B4-BE49-F238E27FC236}">
+                <a16:creationId xmlns:a16="http://schemas.microsoft.com/office/drawing/2014/main" id="{B8B9D104-35B4-21D9-F0D4-DC8C37AC6BBA}"/>
+              </a:ext>
+            </a:extLst>
+          </p:cNvPr>
+          <p:cNvSpPr>
+            <a:spLocks noGrp="1"/>
+          </p:cNvSpPr>
+          <p:nvPr>
+            <p:ph idx="1"/>
+          </p:nvPr>
+        </p:nvSpPr>
+        <p:spPr/>
+        <p:txBody>
+          <a:bodyPr/>
+          <a:lstStyle/>
+          <a:p>
+            <a:endParaRPr lang="ar-SA"/>
+          </a:p>
+        </p:txBody>
+      </p:sp>
+    </p:spTree>
+    <p:extLst>
+      <p:ext uri="{BB962C8B-B14F-4D97-AF65-F5344CB8AC3E}">
+        <p14:creationId xmlns:p14="http://schemas.microsoft.com/office/powerpoint/2010/main" val="3396394277"/>
       </p:ext>
     </p:extLst>
   </p:cSld>

--- a/تحليل بيانات الحج والعمرة/تصاريح تطبيق نُسُك/تقرير عدد تصاريح تطبيق نُسُك ١٤٤٤هـ.pptx
+++ b/تحليل بيانات الحج والعمرة/تصاريح تطبيق نُسُك/تقرير عدد تصاريح تطبيق نُسُك ١٤٤٤هـ.pptx
@@ -6,11 +6,17 @@
   </p:sldMasterIdLst>
   <p:sldIdLst>
     <p:sldId id="256" r:id="rId2"/>
-    <p:sldId id="257" r:id="rId3"/>
-    <p:sldId id="258" r:id="rId4"/>
-    <p:sldId id="259" r:id="rId5"/>
-    <p:sldId id="260" r:id="rId6"/>
-    <p:sldId id="261" r:id="rId7"/>
+    <p:sldId id="262" r:id="rId3"/>
+    <p:sldId id="257" r:id="rId4"/>
+    <p:sldId id="258" r:id="rId5"/>
+    <p:sldId id="259" r:id="rId6"/>
+    <p:sldId id="260" r:id="rId7"/>
+    <p:sldId id="261" r:id="rId8"/>
+    <p:sldId id="263" r:id="rId9"/>
+    <p:sldId id="264" r:id="rId10"/>
+    <p:sldId id="265" r:id="rId11"/>
+    <p:sldId id="266" r:id="rId12"/>
+    <p:sldId id="268" r:id="rId13"/>
   </p:sldIdLst>
   <p:sldSz cx="12192000" cy="6858000"/>
   <p:notesSz cx="6858000" cy="9144000"/>
@@ -747,6 +753,31 @@
   </c:pivotSource>
   <c:chart>
     <c:title>
+      <c:tx>
+        <c:rich>
+          <a:bodyPr rot="0" spcFirstLastPara="1" vertOverflow="ellipsis" vert="horz" wrap="square" anchor="ctr" anchorCtr="1"/>
+          <a:lstStyle/>
+          <a:p>
+            <a:pPr>
+              <a:defRPr sz="1400" b="0" i="0" u="none" strike="noStrike" kern="1200" spc="0" baseline="0">
+                <a:solidFill>
+                  <a:schemeClr val="tx1">
+                    <a:lumMod val="65000"/>
+                    <a:lumOff val="35000"/>
+                  </a:schemeClr>
+                </a:solidFill>
+                <a:latin typeface="+mn-lt"/>
+                <a:ea typeface="+mn-ea"/>
+                <a:cs typeface="+mn-cs"/>
+              </a:defRPr>
+            </a:pPr>
+            <a:r>
+              <a:rPr lang="ar-SA" dirty="0"/>
+              <a:t>نسبة وعدد تصاريح العمرة للرجال والنساء</a:t>
+            </a:r>
+          </a:p>
+        </c:rich>
+      </c:tx>
       <c:overlay val="0"/>
       <c:spPr>
         <a:noFill/>
@@ -1304,14 +1335,14 @@
               </a:defRPr>
             </a:pPr>
             <a:r>
-              <a:rPr lang="ar-SA"/>
+              <a:rPr lang="ar-SA" dirty="0"/>
               <a:t>إجمالي</a:t>
             </a:r>
             <a:r>
-              <a:rPr lang="ar-SA" baseline="0"/>
+              <a:rPr lang="ar-SA" baseline="0" dirty="0"/>
               <a:t> عدد تصاريح العمرة لكل شهر لعام ١٤٤٤هـ</a:t>
             </a:r>
-            <a:endParaRPr lang="ar-SA"/>
+            <a:endParaRPr lang="ar-SA" dirty="0"/>
           </a:p>
         </c:rich>
       </c:tx>
@@ -2471,6 +2502,2304 @@
 </c:chartSpace>
 </file>
 
+<file path=ppt/charts/chart5.xml><?xml version="1.0" encoding="utf-8"?>
+<c:chartSpace xmlns:c="http://schemas.openxmlformats.org/drawingml/2006/chart" xmlns:a="http://schemas.openxmlformats.org/drawingml/2006/main" xmlns:r="http://schemas.openxmlformats.org/officeDocument/2006/relationships" xmlns:c16r2="http://schemas.microsoft.com/office/drawing/2015/06/chart">
+  <c:date1904 val="0"/>
+  <c:lang val="ar-SA"/>
+  <c:roundedCorners val="0"/>
+  <mc:AlternateContent xmlns:mc="http://schemas.openxmlformats.org/markup-compatibility/2006">
+    <mc:Choice xmlns:c14="http://schemas.microsoft.com/office/drawing/2007/8/2/chart" Requires="c14">
+      <c14:style val="105"/>
+    </mc:Choice>
+    <mc:Fallback>
+      <c:style val="5"/>
+    </mc:Fallback>
+  </mc:AlternateContent>
+  <c:pivotSource>
+    <c:name>[عدد تصاريح تطبيق نُسُك ١٤٤٤هـ.xlsx]تصاريح الروضة!PivotTable9</c:name>
+    <c:fmtId val="3"/>
+  </c:pivotSource>
+  <c:chart>
+    <c:title>
+      <c:tx>
+        <c:rich>
+          <a:bodyPr rot="0" spcFirstLastPara="1" vertOverflow="ellipsis" vert="horz" wrap="square" anchor="ctr" anchorCtr="1"/>
+          <a:lstStyle/>
+          <a:p>
+            <a:pPr marL="0" marR="0" lvl="0" indent="0" algn="ctr" defTabSz="914400" rtl="1" eaLnBrk="1" fontAlgn="auto" latinLnBrk="0" hangingPunct="1">
+              <a:lnSpc>
+                <a:spcPct val="100000"/>
+              </a:lnSpc>
+              <a:spcBef>
+                <a:spcPts val="0"/>
+              </a:spcBef>
+              <a:spcAft>
+                <a:spcPts val="0"/>
+              </a:spcAft>
+              <a:buClrTx/>
+              <a:buSzTx/>
+              <a:buFontTx/>
+              <a:buNone/>
+              <a:tabLst/>
+              <a:defRPr sz="1400" b="0" i="0" u="none" strike="noStrike" kern="1200" spc="0" baseline="0">
+                <a:solidFill>
+                  <a:sysClr val="windowText" lastClr="000000">
+                    <a:lumMod val="65000"/>
+                    <a:lumOff val="35000"/>
+                  </a:sysClr>
+                </a:solidFill>
+                <a:latin typeface="+mn-lt"/>
+                <a:ea typeface="+mn-ea"/>
+                <a:cs typeface="+mn-cs"/>
+              </a:defRPr>
+            </a:pPr>
+            <a:r>
+              <a:rPr lang="ar-SA" dirty="0">
+                <a:solidFill>
+                  <a:schemeClr val="tx1"/>
+                </a:solidFill>
+              </a:rPr>
+              <a:t>نسبة وعدد تصاريح زيارة الروضة للرجال والنساء</a:t>
+            </a:r>
+          </a:p>
+          <a:p>
+            <a:pPr marL="0" marR="0" lvl="0" indent="0" algn="ctr" defTabSz="914400" rtl="1" eaLnBrk="1" fontAlgn="auto" latinLnBrk="0" hangingPunct="1">
+              <a:lnSpc>
+                <a:spcPct val="100000"/>
+              </a:lnSpc>
+              <a:spcBef>
+                <a:spcPts val="0"/>
+              </a:spcBef>
+              <a:spcAft>
+                <a:spcPts val="0"/>
+              </a:spcAft>
+              <a:buClrTx/>
+              <a:buSzTx/>
+              <a:buFontTx/>
+              <a:buNone/>
+              <a:tabLst/>
+              <a:defRPr>
+                <a:solidFill>
+                  <a:sysClr val="windowText" lastClr="000000">
+                    <a:lumMod val="65000"/>
+                    <a:lumOff val="35000"/>
+                  </a:sysClr>
+                </a:solidFill>
+              </a:defRPr>
+            </a:pPr>
+            <a:endParaRPr lang="ar-SA" dirty="0"/>
+          </a:p>
+        </c:rich>
+      </c:tx>
+      <c:overlay val="0"/>
+      <c:spPr>
+        <a:noFill/>
+        <a:ln>
+          <a:noFill/>
+        </a:ln>
+        <a:effectLst/>
+      </c:spPr>
+      <c:txPr>
+        <a:bodyPr rot="0" spcFirstLastPara="1" vertOverflow="ellipsis" vert="horz" wrap="square" anchor="ctr" anchorCtr="1"/>
+        <a:lstStyle/>
+        <a:p>
+          <a:pPr marL="0" marR="0" lvl="0" indent="0" algn="ctr" defTabSz="914400" rtl="1" eaLnBrk="1" fontAlgn="auto" latinLnBrk="0" hangingPunct="1">
+            <a:lnSpc>
+              <a:spcPct val="100000"/>
+            </a:lnSpc>
+            <a:spcBef>
+              <a:spcPts val="0"/>
+            </a:spcBef>
+            <a:spcAft>
+              <a:spcPts val="0"/>
+            </a:spcAft>
+            <a:buClrTx/>
+            <a:buSzTx/>
+            <a:buFontTx/>
+            <a:buNone/>
+            <a:tabLst/>
+            <a:defRPr sz="1400" b="0" i="0" u="none" strike="noStrike" kern="1200" spc="0" baseline="0">
+              <a:solidFill>
+                <a:sysClr val="windowText" lastClr="000000">
+                  <a:lumMod val="65000"/>
+                  <a:lumOff val="35000"/>
+                </a:sysClr>
+              </a:solidFill>
+              <a:latin typeface="+mn-lt"/>
+              <a:ea typeface="+mn-ea"/>
+              <a:cs typeface="+mn-cs"/>
+            </a:defRPr>
+          </a:pPr>
+          <a:endParaRPr lang="ar-SA"/>
+        </a:p>
+      </c:txPr>
+    </c:title>
+    <c:autoTitleDeleted val="0"/>
+    <c:pivotFmts>
+      <c:pivotFmt>
+        <c:idx val="0"/>
+        <c:spPr>
+          <a:solidFill>
+            <a:schemeClr val="accent3"/>
+          </a:solidFill>
+          <a:ln w="19050">
+            <a:solidFill>
+              <a:schemeClr val="lt1"/>
+            </a:solidFill>
+          </a:ln>
+          <a:effectLst/>
+        </c:spPr>
+        <c:marker>
+          <c:symbol val="none"/>
+        </c:marker>
+        <c:dLbl>
+          <c:idx val="0"/>
+          <c:spPr>
+            <a:noFill/>
+            <a:ln>
+              <a:noFill/>
+            </a:ln>
+            <a:effectLst/>
+          </c:spPr>
+          <c:txPr>
+            <a:bodyPr rot="0" spcFirstLastPara="1" vertOverflow="ellipsis" vert="horz" wrap="square" lIns="38100" tIns="19050" rIns="38100" bIns="19050" anchor="ctr" anchorCtr="1">
+              <a:spAutoFit/>
+            </a:bodyPr>
+            <a:lstStyle/>
+            <a:p>
+              <a:pPr>
+                <a:defRPr sz="800" b="0" i="0" u="none" strike="noStrike" kern="1200" baseline="0">
+                  <a:solidFill>
+                    <a:schemeClr val="tx1">
+                      <a:lumMod val="75000"/>
+                      <a:lumOff val="25000"/>
+                    </a:schemeClr>
+                  </a:solidFill>
+                  <a:latin typeface="+mn-lt"/>
+                  <a:ea typeface="+mn-ea"/>
+                  <a:cs typeface="+mn-cs"/>
+                </a:defRPr>
+              </a:pPr>
+              <a:endParaRPr lang="ar-SA"/>
+            </a:p>
+          </c:txPr>
+          <c:showLegendKey val="0"/>
+          <c:showVal val="0"/>
+          <c:showCatName val="0"/>
+          <c:showSerName val="0"/>
+          <c:showPercent val="1"/>
+          <c:showBubbleSize val="0"/>
+          <c:separator>
+</c:separator>
+          <c:extLst>
+            <c:ext xmlns:c15="http://schemas.microsoft.com/office/drawing/2012/chart" uri="{CE6537A1-D6FC-4f65-9D91-7224C49458BB}"/>
+          </c:extLst>
+        </c:dLbl>
+      </c:pivotFmt>
+      <c:pivotFmt>
+        <c:idx val="1"/>
+        <c:spPr>
+          <a:solidFill>
+            <a:schemeClr val="accent3"/>
+          </a:solidFill>
+          <a:ln w="19050">
+            <a:solidFill>
+              <a:schemeClr val="lt1"/>
+            </a:solidFill>
+          </a:ln>
+          <a:effectLst/>
+        </c:spPr>
+        <c:dLbl>
+          <c:idx val="0"/>
+          <c:spPr>
+            <a:noFill/>
+            <a:ln>
+              <a:noFill/>
+            </a:ln>
+            <a:effectLst/>
+          </c:spPr>
+          <c:txPr>
+            <a:bodyPr rot="0" spcFirstLastPara="1" vertOverflow="ellipsis" vert="horz" wrap="square" lIns="38100" tIns="19050" rIns="38100" bIns="19050" anchor="ctr" anchorCtr="1">
+              <a:spAutoFit/>
+            </a:bodyPr>
+            <a:lstStyle/>
+            <a:p>
+              <a:pPr>
+                <a:defRPr sz="800" b="0" i="0" u="none" strike="noStrike" kern="1200" baseline="0">
+                  <a:solidFill>
+                    <a:schemeClr val="tx1">
+                      <a:lumMod val="75000"/>
+                      <a:lumOff val="25000"/>
+                    </a:schemeClr>
+                  </a:solidFill>
+                  <a:latin typeface="+mn-lt"/>
+                  <a:ea typeface="+mn-ea"/>
+                  <a:cs typeface="+mn-cs"/>
+                </a:defRPr>
+              </a:pPr>
+              <a:endParaRPr lang="ar-SA"/>
+            </a:p>
+          </c:txPr>
+          <c:showLegendKey val="0"/>
+          <c:showVal val="1"/>
+          <c:showCatName val="0"/>
+          <c:showSerName val="0"/>
+          <c:showPercent val="1"/>
+          <c:showBubbleSize val="0"/>
+          <c:separator>
+</c:separator>
+          <c:extLst>
+            <c:ext xmlns:c15="http://schemas.microsoft.com/office/drawing/2012/chart" uri="{CE6537A1-D6FC-4f65-9D91-7224C49458BB}"/>
+          </c:extLst>
+        </c:dLbl>
+      </c:pivotFmt>
+      <c:pivotFmt>
+        <c:idx val="2"/>
+        <c:spPr>
+          <a:solidFill>
+            <a:schemeClr val="accent3"/>
+          </a:solidFill>
+          <a:ln w="19050">
+            <a:solidFill>
+              <a:schemeClr val="lt1"/>
+            </a:solidFill>
+          </a:ln>
+          <a:effectLst/>
+        </c:spPr>
+        <c:dLbl>
+          <c:idx val="0"/>
+          <c:spPr>
+            <a:noFill/>
+            <a:ln>
+              <a:noFill/>
+            </a:ln>
+            <a:effectLst/>
+          </c:spPr>
+          <c:txPr>
+            <a:bodyPr rot="0" spcFirstLastPara="1" vertOverflow="ellipsis" vert="horz" wrap="square" lIns="38100" tIns="19050" rIns="38100" bIns="19050" anchor="ctr" anchorCtr="1">
+              <a:spAutoFit/>
+            </a:bodyPr>
+            <a:lstStyle/>
+            <a:p>
+              <a:pPr>
+                <a:defRPr sz="800" b="0" i="0" u="none" strike="noStrike" kern="1200" baseline="0">
+                  <a:solidFill>
+                    <a:schemeClr val="tx1">
+                      <a:lumMod val="75000"/>
+                      <a:lumOff val="25000"/>
+                    </a:schemeClr>
+                  </a:solidFill>
+                  <a:latin typeface="+mn-lt"/>
+                  <a:ea typeface="+mn-ea"/>
+                  <a:cs typeface="+mn-cs"/>
+                </a:defRPr>
+              </a:pPr>
+              <a:endParaRPr lang="ar-SA"/>
+            </a:p>
+          </c:txPr>
+          <c:showLegendKey val="0"/>
+          <c:showVal val="1"/>
+          <c:showCatName val="0"/>
+          <c:showSerName val="0"/>
+          <c:showPercent val="1"/>
+          <c:showBubbleSize val="0"/>
+          <c:separator>
+</c:separator>
+          <c:extLst>
+            <c:ext xmlns:c15="http://schemas.microsoft.com/office/drawing/2012/chart" uri="{CE6537A1-D6FC-4f65-9D91-7224C49458BB}"/>
+          </c:extLst>
+        </c:dLbl>
+      </c:pivotFmt>
+      <c:pivotFmt>
+        <c:idx val="3"/>
+        <c:spPr>
+          <a:solidFill>
+            <a:schemeClr val="accent3"/>
+          </a:solidFill>
+          <a:ln w="19050">
+            <a:solidFill>
+              <a:schemeClr val="lt1"/>
+            </a:solidFill>
+          </a:ln>
+          <a:effectLst/>
+        </c:spPr>
+        <c:marker>
+          <c:symbol val="none"/>
+        </c:marker>
+        <c:dLbl>
+          <c:idx val="0"/>
+          <c:spPr>
+            <a:noFill/>
+            <a:ln>
+              <a:noFill/>
+            </a:ln>
+            <a:effectLst/>
+          </c:spPr>
+          <c:txPr>
+            <a:bodyPr rot="0" spcFirstLastPara="1" vertOverflow="ellipsis" vert="horz" wrap="square" lIns="38100" tIns="19050" rIns="38100" bIns="19050" anchor="ctr" anchorCtr="1">
+              <a:spAutoFit/>
+            </a:bodyPr>
+            <a:lstStyle/>
+            <a:p>
+              <a:pPr>
+                <a:defRPr sz="800" b="0" i="0" u="none" strike="noStrike" kern="1200" baseline="0">
+                  <a:solidFill>
+                    <a:schemeClr val="tx1">
+                      <a:lumMod val="75000"/>
+                      <a:lumOff val="25000"/>
+                    </a:schemeClr>
+                  </a:solidFill>
+                  <a:latin typeface="+mn-lt"/>
+                  <a:ea typeface="+mn-ea"/>
+                  <a:cs typeface="+mn-cs"/>
+                </a:defRPr>
+              </a:pPr>
+              <a:endParaRPr lang="ar-SA"/>
+            </a:p>
+          </c:txPr>
+          <c:showLegendKey val="0"/>
+          <c:showVal val="0"/>
+          <c:showCatName val="0"/>
+          <c:showSerName val="0"/>
+          <c:showPercent val="1"/>
+          <c:showBubbleSize val="0"/>
+          <c:separator>
+</c:separator>
+          <c:extLst>
+            <c:ext xmlns:c15="http://schemas.microsoft.com/office/drawing/2012/chart" uri="{CE6537A1-D6FC-4f65-9D91-7224C49458BB}"/>
+          </c:extLst>
+        </c:dLbl>
+      </c:pivotFmt>
+      <c:pivotFmt>
+        <c:idx val="4"/>
+        <c:spPr>
+          <a:solidFill>
+            <a:schemeClr val="accent3"/>
+          </a:solidFill>
+          <a:ln w="19050">
+            <a:solidFill>
+              <a:schemeClr val="lt1"/>
+            </a:solidFill>
+          </a:ln>
+          <a:effectLst/>
+        </c:spPr>
+        <c:dLbl>
+          <c:idx val="0"/>
+          <c:spPr>
+            <a:noFill/>
+            <a:ln>
+              <a:noFill/>
+            </a:ln>
+            <a:effectLst/>
+          </c:spPr>
+          <c:txPr>
+            <a:bodyPr rot="0" spcFirstLastPara="1" vertOverflow="ellipsis" vert="horz" wrap="square" lIns="38100" tIns="19050" rIns="38100" bIns="19050" anchor="ctr" anchorCtr="1">
+              <a:spAutoFit/>
+            </a:bodyPr>
+            <a:lstStyle/>
+            <a:p>
+              <a:pPr>
+                <a:defRPr sz="800" b="0" i="0" u="none" strike="noStrike" kern="1200" baseline="0">
+                  <a:solidFill>
+                    <a:schemeClr val="tx1">
+                      <a:lumMod val="75000"/>
+                      <a:lumOff val="25000"/>
+                    </a:schemeClr>
+                  </a:solidFill>
+                  <a:latin typeface="+mn-lt"/>
+                  <a:ea typeface="+mn-ea"/>
+                  <a:cs typeface="+mn-cs"/>
+                </a:defRPr>
+              </a:pPr>
+              <a:endParaRPr lang="ar-SA"/>
+            </a:p>
+          </c:txPr>
+          <c:showLegendKey val="0"/>
+          <c:showVal val="1"/>
+          <c:showCatName val="0"/>
+          <c:showSerName val="0"/>
+          <c:showPercent val="1"/>
+          <c:showBubbleSize val="0"/>
+          <c:separator>
+</c:separator>
+          <c:extLst>
+            <c:ext xmlns:c15="http://schemas.microsoft.com/office/drawing/2012/chart" uri="{CE6537A1-D6FC-4f65-9D91-7224C49458BB}"/>
+          </c:extLst>
+        </c:dLbl>
+      </c:pivotFmt>
+      <c:pivotFmt>
+        <c:idx val="5"/>
+        <c:spPr>
+          <a:solidFill>
+            <a:schemeClr val="accent3"/>
+          </a:solidFill>
+          <a:ln w="19050">
+            <a:solidFill>
+              <a:schemeClr val="lt1"/>
+            </a:solidFill>
+          </a:ln>
+          <a:effectLst/>
+        </c:spPr>
+        <c:dLbl>
+          <c:idx val="0"/>
+          <c:spPr>
+            <a:noFill/>
+            <a:ln>
+              <a:noFill/>
+            </a:ln>
+            <a:effectLst/>
+          </c:spPr>
+          <c:txPr>
+            <a:bodyPr rot="0" spcFirstLastPara="1" vertOverflow="ellipsis" vert="horz" wrap="square" lIns="38100" tIns="19050" rIns="38100" bIns="19050" anchor="ctr" anchorCtr="1">
+              <a:spAutoFit/>
+            </a:bodyPr>
+            <a:lstStyle/>
+            <a:p>
+              <a:pPr>
+                <a:defRPr sz="800" b="0" i="0" u="none" strike="noStrike" kern="1200" baseline="0">
+                  <a:solidFill>
+                    <a:schemeClr val="tx1">
+                      <a:lumMod val="75000"/>
+                      <a:lumOff val="25000"/>
+                    </a:schemeClr>
+                  </a:solidFill>
+                  <a:latin typeface="+mn-lt"/>
+                  <a:ea typeface="+mn-ea"/>
+                  <a:cs typeface="+mn-cs"/>
+                </a:defRPr>
+              </a:pPr>
+              <a:endParaRPr lang="ar-SA"/>
+            </a:p>
+          </c:txPr>
+          <c:showLegendKey val="0"/>
+          <c:showVal val="1"/>
+          <c:showCatName val="0"/>
+          <c:showSerName val="0"/>
+          <c:showPercent val="1"/>
+          <c:showBubbleSize val="0"/>
+          <c:separator>
+</c:separator>
+          <c:extLst>
+            <c:ext xmlns:c15="http://schemas.microsoft.com/office/drawing/2012/chart" uri="{CE6537A1-D6FC-4f65-9D91-7224C49458BB}"/>
+          </c:extLst>
+        </c:dLbl>
+      </c:pivotFmt>
+      <c:pivotFmt>
+        <c:idx val="6"/>
+        <c:spPr>
+          <a:solidFill>
+            <a:schemeClr val="accent3"/>
+          </a:solidFill>
+          <a:ln w="19050">
+            <a:solidFill>
+              <a:schemeClr val="lt1"/>
+            </a:solidFill>
+          </a:ln>
+          <a:effectLst/>
+        </c:spPr>
+        <c:marker>
+          <c:symbol val="none"/>
+        </c:marker>
+        <c:dLbl>
+          <c:idx val="0"/>
+          <c:spPr>
+            <a:noFill/>
+            <a:ln>
+              <a:noFill/>
+            </a:ln>
+            <a:effectLst/>
+          </c:spPr>
+          <c:txPr>
+            <a:bodyPr rot="0" spcFirstLastPara="1" vertOverflow="ellipsis" vert="horz" wrap="square" lIns="38100" tIns="19050" rIns="38100" bIns="19050" anchor="ctr" anchorCtr="1">
+              <a:spAutoFit/>
+            </a:bodyPr>
+            <a:lstStyle/>
+            <a:p>
+              <a:pPr>
+                <a:defRPr sz="800" b="0" i="0" u="none" strike="noStrike" kern="1200" baseline="0">
+                  <a:solidFill>
+                    <a:schemeClr val="tx1">
+                      <a:lumMod val="75000"/>
+                      <a:lumOff val="25000"/>
+                    </a:schemeClr>
+                  </a:solidFill>
+                  <a:latin typeface="+mn-lt"/>
+                  <a:ea typeface="+mn-ea"/>
+                  <a:cs typeface="+mn-cs"/>
+                </a:defRPr>
+              </a:pPr>
+              <a:endParaRPr lang="ar-SA"/>
+            </a:p>
+          </c:txPr>
+          <c:showLegendKey val="0"/>
+          <c:showVal val="0"/>
+          <c:showCatName val="0"/>
+          <c:showSerName val="0"/>
+          <c:showPercent val="1"/>
+          <c:showBubbleSize val="0"/>
+          <c:separator>
+</c:separator>
+          <c:extLst>
+            <c:ext xmlns:c15="http://schemas.microsoft.com/office/drawing/2012/chart" uri="{CE6537A1-D6FC-4f65-9D91-7224C49458BB}"/>
+          </c:extLst>
+        </c:dLbl>
+      </c:pivotFmt>
+      <c:pivotFmt>
+        <c:idx val="7"/>
+        <c:spPr>
+          <a:solidFill>
+            <a:schemeClr val="accent3"/>
+          </a:solidFill>
+          <a:ln w="19050">
+            <a:solidFill>
+              <a:schemeClr val="lt1"/>
+            </a:solidFill>
+          </a:ln>
+          <a:effectLst/>
+        </c:spPr>
+        <c:dLbl>
+          <c:idx val="0"/>
+          <c:spPr>
+            <a:noFill/>
+            <a:ln>
+              <a:noFill/>
+            </a:ln>
+            <a:effectLst/>
+          </c:spPr>
+          <c:txPr>
+            <a:bodyPr rot="0" spcFirstLastPara="1" vertOverflow="ellipsis" vert="horz" wrap="square" lIns="38100" tIns="19050" rIns="38100" bIns="19050" anchor="ctr" anchorCtr="1">
+              <a:spAutoFit/>
+            </a:bodyPr>
+            <a:lstStyle/>
+            <a:p>
+              <a:pPr>
+                <a:defRPr sz="800" b="0" i="0" u="none" strike="noStrike" kern="1200" baseline="0">
+                  <a:solidFill>
+                    <a:schemeClr val="tx1">
+                      <a:lumMod val="75000"/>
+                      <a:lumOff val="25000"/>
+                    </a:schemeClr>
+                  </a:solidFill>
+                  <a:latin typeface="+mn-lt"/>
+                  <a:ea typeface="+mn-ea"/>
+                  <a:cs typeface="+mn-cs"/>
+                </a:defRPr>
+              </a:pPr>
+              <a:endParaRPr lang="ar-SA"/>
+            </a:p>
+          </c:txPr>
+          <c:showLegendKey val="0"/>
+          <c:showVal val="1"/>
+          <c:showCatName val="0"/>
+          <c:showSerName val="0"/>
+          <c:showPercent val="1"/>
+          <c:showBubbleSize val="0"/>
+          <c:separator>
+</c:separator>
+          <c:extLst>
+            <c:ext xmlns:c15="http://schemas.microsoft.com/office/drawing/2012/chart" uri="{CE6537A1-D6FC-4f65-9D91-7224C49458BB}"/>
+          </c:extLst>
+        </c:dLbl>
+      </c:pivotFmt>
+      <c:pivotFmt>
+        <c:idx val="8"/>
+        <c:spPr>
+          <a:solidFill>
+            <a:schemeClr val="accent3"/>
+          </a:solidFill>
+          <a:ln w="19050">
+            <a:solidFill>
+              <a:schemeClr val="lt1"/>
+            </a:solidFill>
+          </a:ln>
+          <a:effectLst/>
+        </c:spPr>
+        <c:dLbl>
+          <c:idx val="0"/>
+          <c:spPr>
+            <a:noFill/>
+            <a:ln>
+              <a:noFill/>
+            </a:ln>
+            <a:effectLst/>
+          </c:spPr>
+          <c:txPr>
+            <a:bodyPr rot="0" spcFirstLastPara="1" vertOverflow="ellipsis" vert="horz" wrap="square" lIns="38100" tIns="19050" rIns="38100" bIns="19050" anchor="ctr" anchorCtr="1">
+              <a:spAutoFit/>
+            </a:bodyPr>
+            <a:lstStyle/>
+            <a:p>
+              <a:pPr>
+                <a:defRPr sz="800" b="0" i="0" u="none" strike="noStrike" kern="1200" baseline="0">
+                  <a:solidFill>
+                    <a:schemeClr val="tx1">
+                      <a:lumMod val="75000"/>
+                      <a:lumOff val="25000"/>
+                    </a:schemeClr>
+                  </a:solidFill>
+                  <a:latin typeface="+mn-lt"/>
+                  <a:ea typeface="+mn-ea"/>
+                  <a:cs typeface="+mn-cs"/>
+                </a:defRPr>
+              </a:pPr>
+              <a:endParaRPr lang="ar-SA"/>
+            </a:p>
+          </c:txPr>
+          <c:showLegendKey val="0"/>
+          <c:showVal val="1"/>
+          <c:showCatName val="0"/>
+          <c:showSerName val="0"/>
+          <c:showPercent val="1"/>
+          <c:showBubbleSize val="0"/>
+          <c:separator>
+</c:separator>
+          <c:extLst>
+            <c:ext xmlns:c15="http://schemas.microsoft.com/office/drawing/2012/chart" uri="{CE6537A1-D6FC-4f65-9D91-7224C49458BB}"/>
+          </c:extLst>
+        </c:dLbl>
+      </c:pivotFmt>
+    </c:pivotFmts>
+    <c:plotArea>
+      <c:layout/>
+      <c:doughnutChart>
+        <c:varyColors val="1"/>
+        <c:ser>
+          <c:idx val="0"/>
+          <c:order val="0"/>
+          <c:tx>
+            <c:strRef>
+              <c:f>'تصاريح الروضة'!$B$3</c:f>
+              <c:strCache>
+                <c:ptCount val="1"/>
+                <c:pt idx="0">
+                  <c:v>الإجمالي</c:v>
+                </c:pt>
+              </c:strCache>
+            </c:strRef>
+          </c:tx>
+          <c:dPt>
+            <c:idx val="0"/>
+            <c:bubble3D val="0"/>
+            <c:spPr>
+              <a:solidFill>
+                <a:schemeClr val="accent3">
+                  <a:shade val="76000"/>
+                </a:schemeClr>
+              </a:solidFill>
+              <a:ln w="19050">
+                <a:noFill/>
+              </a:ln>
+              <a:effectLst/>
+            </c:spPr>
+            <c:extLst>
+              <c:ext xmlns:c16="http://schemas.microsoft.com/office/drawing/2014/chart" uri="{C3380CC4-5D6E-409C-BE32-E72D297353CC}">
+                <c16:uniqueId val="{00000001-B58A-3142-A9D8-CE86202997B1}"/>
+              </c:ext>
+            </c:extLst>
+          </c:dPt>
+          <c:dPt>
+            <c:idx val="1"/>
+            <c:bubble3D val="0"/>
+            <c:spPr>
+              <a:solidFill>
+                <a:schemeClr val="accent3">
+                  <a:tint val="77000"/>
+                </a:schemeClr>
+              </a:solidFill>
+              <a:ln w="19050">
+                <a:noFill/>
+              </a:ln>
+              <a:effectLst/>
+            </c:spPr>
+            <c:extLst>
+              <c:ext xmlns:c16="http://schemas.microsoft.com/office/drawing/2014/chart" uri="{C3380CC4-5D6E-409C-BE32-E72D297353CC}">
+                <c16:uniqueId val="{00000003-B58A-3142-A9D8-CE86202997B1}"/>
+              </c:ext>
+            </c:extLst>
+          </c:dPt>
+          <c:dLbls>
+            <c:dLbl>
+              <c:idx val="0"/>
+              <c:showLegendKey val="0"/>
+              <c:showVal val="1"/>
+              <c:showCatName val="0"/>
+              <c:showSerName val="0"/>
+              <c:showPercent val="1"/>
+              <c:showBubbleSize val="0"/>
+              <c:separator>
+</c:separator>
+              <c:extLst>
+                <c:ext xmlns:c15="http://schemas.microsoft.com/office/drawing/2012/chart" uri="{CE6537A1-D6FC-4f65-9D91-7224C49458BB}"/>
+                <c:ext xmlns:c16="http://schemas.microsoft.com/office/drawing/2014/chart" uri="{C3380CC4-5D6E-409C-BE32-E72D297353CC}">
+                  <c16:uniqueId val="{00000001-B58A-3142-A9D8-CE86202997B1}"/>
+                </c:ext>
+              </c:extLst>
+            </c:dLbl>
+            <c:dLbl>
+              <c:idx val="1"/>
+              <c:showLegendKey val="0"/>
+              <c:showVal val="1"/>
+              <c:showCatName val="0"/>
+              <c:showSerName val="0"/>
+              <c:showPercent val="1"/>
+              <c:showBubbleSize val="0"/>
+              <c:separator>
+</c:separator>
+              <c:extLst>
+                <c:ext xmlns:c15="http://schemas.microsoft.com/office/drawing/2012/chart" uri="{CE6537A1-D6FC-4f65-9D91-7224C49458BB}"/>
+                <c:ext xmlns:c16="http://schemas.microsoft.com/office/drawing/2014/chart" uri="{C3380CC4-5D6E-409C-BE32-E72D297353CC}">
+                  <c16:uniqueId val="{00000003-B58A-3142-A9D8-CE86202997B1}"/>
+                </c:ext>
+              </c:extLst>
+            </c:dLbl>
+            <c:spPr>
+              <a:noFill/>
+              <a:ln>
+                <a:noFill/>
+              </a:ln>
+              <a:effectLst/>
+            </c:spPr>
+            <c:txPr>
+              <a:bodyPr rot="0" spcFirstLastPara="1" vertOverflow="ellipsis" vert="horz" wrap="square" lIns="38100" tIns="19050" rIns="38100" bIns="19050" anchor="ctr" anchorCtr="1">
+                <a:spAutoFit/>
+              </a:bodyPr>
+              <a:lstStyle/>
+              <a:p>
+                <a:pPr>
+                  <a:defRPr sz="800" b="0" i="0" u="none" strike="noStrike" kern="1200" baseline="0">
+                    <a:solidFill>
+                      <a:schemeClr val="tx1">
+                        <a:lumMod val="75000"/>
+                        <a:lumOff val="25000"/>
+                      </a:schemeClr>
+                    </a:solidFill>
+                    <a:latin typeface="+mn-lt"/>
+                    <a:ea typeface="+mn-ea"/>
+                    <a:cs typeface="+mn-cs"/>
+                  </a:defRPr>
+                </a:pPr>
+                <a:endParaRPr lang="ar-SA"/>
+              </a:p>
+            </c:txPr>
+            <c:showLegendKey val="0"/>
+            <c:showVal val="0"/>
+            <c:showCatName val="0"/>
+            <c:showSerName val="0"/>
+            <c:showPercent val="1"/>
+            <c:showBubbleSize val="0"/>
+            <c:separator>
+</c:separator>
+            <c:showLeaderLines val="1"/>
+            <c:leaderLines>
+              <c:spPr>
+                <a:ln w="9525" cap="flat" cmpd="sng" algn="ctr">
+                  <a:solidFill>
+                    <a:schemeClr val="tx1">
+                      <a:lumMod val="35000"/>
+                      <a:lumOff val="65000"/>
+                    </a:schemeClr>
+                  </a:solidFill>
+                  <a:round/>
+                </a:ln>
+                <a:effectLst/>
+              </c:spPr>
+            </c:leaderLines>
+            <c:extLst>
+              <c:ext xmlns:c15="http://schemas.microsoft.com/office/drawing/2012/chart" uri="{CE6537A1-D6FC-4f65-9D91-7224C49458BB}"/>
+            </c:extLst>
+          </c:dLbls>
+          <c:cat>
+            <c:strRef>
+              <c:f>'تصاريح الروضة'!$A$4:$A$6</c:f>
+              <c:strCache>
+                <c:ptCount val="2"/>
+                <c:pt idx="0">
+                  <c:v>أنثى</c:v>
+                </c:pt>
+                <c:pt idx="1">
+                  <c:v>ذكر</c:v>
+                </c:pt>
+              </c:strCache>
+            </c:strRef>
+          </c:cat>
+          <c:val>
+            <c:numRef>
+              <c:f>'تصاريح الروضة'!$B$4:$B$6</c:f>
+              <c:numCache>
+                <c:formatCode>_-* #,##0_-;\-* #,##0_-;_-* "-"??_-;_-@_-</c:formatCode>
+                <c:ptCount val="2"/>
+                <c:pt idx="0">
+                  <c:v>4928307</c:v>
+                </c:pt>
+                <c:pt idx="1">
+                  <c:v>4965861</c:v>
+                </c:pt>
+              </c:numCache>
+            </c:numRef>
+          </c:val>
+          <c:extLst>
+            <c:ext xmlns:c16="http://schemas.microsoft.com/office/drawing/2014/chart" uri="{C3380CC4-5D6E-409C-BE32-E72D297353CC}">
+              <c16:uniqueId val="{00000004-B58A-3142-A9D8-CE86202997B1}"/>
+            </c:ext>
+          </c:extLst>
+        </c:ser>
+        <c:dLbls>
+          <c:showLegendKey val="0"/>
+          <c:showVal val="0"/>
+          <c:showCatName val="0"/>
+          <c:showSerName val="0"/>
+          <c:showPercent val="0"/>
+          <c:showBubbleSize val="0"/>
+          <c:showLeaderLines val="1"/>
+        </c:dLbls>
+        <c:firstSliceAng val="360"/>
+        <c:holeSize val="47"/>
+      </c:doughnutChart>
+      <c:spPr>
+        <a:noFill/>
+        <a:ln>
+          <a:noFill/>
+        </a:ln>
+        <a:effectLst/>
+      </c:spPr>
+    </c:plotArea>
+    <c:legend>
+      <c:legendPos val="l"/>
+      <c:overlay val="0"/>
+      <c:spPr>
+        <a:noFill/>
+        <a:ln>
+          <a:noFill/>
+        </a:ln>
+        <a:effectLst/>
+      </c:spPr>
+      <c:txPr>
+        <a:bodyPr rot="0" spcFirstLastPara="1" vertOverflow="ellipsis" vert="horz" wrap="square" anchor="ctr" anchorCtr="1"/>
+        <a:lstStyle/>
+        <a:p>
+          <a:pPr>
+            <a:defRPr sz="900" b="0" i="0" u="none" strike="noStrike" kern="1200" baseline="0">
+              <a:solidFill>
+                <a:schemeClr val="tx1">
+                  <a:lumMod val="65000"/>
+                  <a:lumOff val="35000"/>
+                </a:schemeClr>
+              </a:solidFill>
+              <a:latin typeface="+mn-lt"/>
+              <a:ea typeface="+mn-ea"/>
+              <a:cs typeface="+mn-cs"/>
+            </a:defRPr>
+          </a:pPr>
+          <a:endParaRPr lang="ar-SA"/>
+        </a:p>
+      </c:txPr>
+    </c:legend>
+    <c:plotVisOnly val="1"/>
+    <c:dispBlanksAs val="gap"/>
+    <c:extLst>
+      <c:ext xmlns:c16r3="http://schemas.microsoft.com/office/drawing/2017/03/chart" uri="{56B9EC1D-385E-4148-901F-78D8002777C0}">
+        <c16r3:dataDisplayOptions16>
+          <c16r3:dispNaAsBlank val="1"/>
+        </c16r3:dataDisplayOptions16>
+      </c:ext>
+    </c:extLst>
+    <c:showDLblsOverMax val="0"/>
+  </c:chart>
+  <c:spPr>
+    <a:noFill/>
+    <a:ln>
+      <a:noFill/>
+    </a:ln>
+    <a:effectLst/>
+  </c:spPr>
+  <c:txPr>
+    <a:bodyPr/>
+    <a:lstStyle/>
+    <a:p>
+      <a:pPr>
+        <a:defRPr/>
+      </a:pPr>
+      <a:endParaRPr lang="ar-SA"/>
+    </a:p>
+  </c:txPr>
+  <c:externalData r:id="rId3">
+    <c:autoUpdate val="0"/>
+  </c:externalData>
+  <c:extLst>
+    <c:ext xmlns:c14="http://schemas.microsoft.com/office/drawing/2007/8/2/chart" uri="{781A3756-C4B2-4CAC-9D66-4F8BD8637D16}">
+      <c14:pivotOptions>
+        <c14:dropZoneFilter val="1"/>
+        <c14:dropZoneCategories val="1"/>
+        <c14:dropZoneData val="1"/>
+        <c14:dropZoneSeries val="1"/>
+        <c14:dropZonesVisible val="1"/>
+      </c14:pivotOptions>
+    </c:ext>
+    <c:ext xmlns:c16="http://schemas.microsoft.com/office/drawing/2014/chart" uri="{E28EC0CA-F0BB-4C9C-879D-F8772B89E7AC}">
+      <c16:pivotOptions16>
+        <c16:showExpandCollapseFieldButtons val="1"/>
+      </c16:pivotOptions16>
+    </c:ext>
+  </c:extLst>
+</c:chartSpace>
+</file>
+
+<file path=ppt/charts/chart6.xml><?xml version="1.0" encoding="utf-8"?>
+<c:chartSpace xmlns:c="http://schemas.openxmlformats.org/drawingml/2006/chart" xmlns:a="http://schemas.openxmlformats.org/drawingml/2006/main" xmlns:r="http://schemas.openxmlformats.org/officeDocument/2006/relationships" xmlns:c16r2="http://schemas.microsoft.com/office/drawing/2015/06/chart">
+  <c:date1904 val="0"/>
+  <c:lang val="ar-SA"/>
+  <c:roundedCorners val="0"/>
+  <mc:AlternateContent xmlns:mc="http://schemas.openxmlformats.org/markup-compatibility/2006">
+    <mc:Choice xmlns:c14="http://schemas.microsoft.com/office/drawing/2007/8/2/chart" Requires="c14">
+      <c14:style val="105"/>
+    </mc:Choice>
+    <mc:Fallback>
+      <c:style val="5"/>
+    </mc:Fallback>
+  </mc:AlternateContent>
+  <c:pivotSource>
+    <c:name>[عدد تصاريح تطبيق نُسُك ١٤٤٤هـ.xlsx]تصاريح الروضة!PivotTable10</c:name>
+    <c:fmtId val="3"/>
+  </c:pivotSource>
+  <c:chart>
+    <c:title>
+      <c:tx>
+        <c:rich>
+          <a:bodyPr rot="0" spcFirstLastPara="1" vertOverflow="ellipsis" vert="horz" wrap="square" anchor="ctr" anchorCtr="1"/>
+          <a:lstStyle/>
+          <a:p>
+            <a:pPr marL="0" marR="0" lvl="0" indent="0" algn="ctr" defTabSz="914400" rtl="1" eaLnBrk="1" fontAlgn="auto" latinLnBrk="0" hangingPunct="1">
+              <a:lnSpc>
+                <a:spcPct val="100000"/>
+              </a:lnSpc>
+              <a:spcBef>
+                <a:spcPts val="0"/>
+              </a:spcBef>
+              <a:spcAft>
+                <a:spcPts val="0"/>
+              </a:spcAft>
+              <a:buClrTx/>
+              <a:buSzTx/>
+              <a:buFontTx/>
+              <a:buNone/>
+              <a:tabLst/>
+              <a:defRPr sz="1400" b="0" i="0" u="none" strike="noStrike" kern="1200" spc="0" baseline="0">
+                <a:solidFill>
+                  <a:schemeClr val="tx1"/>
+                </a:solidFill>
+                <a:latin typeface="+mn-lt"/>
+                <a:ea typeface="+mn-ea"/>
+                <a:cs typeface="+mn-cs"/>
+              </a:defRPr>
+            </a:pPr>
+            <a:r>
+              <a:rPr lang="ar-SA" dirty="0">
+                <a:solidFill>
+                  <a:schemeClr val="tx1"/>
+                </a:solidFill>
+              </a:rPr>
+              <a:t>إجمالي عدد تصاريح زيارة الروضة الشريفة</a:t>
+            </a:r>
+            <a:r>
+              <a:rPr lang="ar-SA" baseline="0" dirty="0">
+                <a:solidFill>
+                  <a:schemeClr val="tx1"/>
+                </a:solidFill>
+              </a:rPr>
+              <a:t> - للرجال - </a:t>
+            </a:r>
+            <a:r>
+              <a:rPr lang="ar-SA" dirty="0">
+                <a:solidFill>
+                  <a:schemeClr val="tx1"/>
+                </a:solidFill>
+              </a:rPr>
+              <a:t> لكل شهر لعام ١٤٤٤هـ </a:t>
+            </a:r>
+          </a:p>
+          <a:p>
+            <a:pPr marL="0" marR="0" lvl="0" indent="0" algn="ctr" defTabSz="914400" rtl="1" eaLnBrk="1" fontAlgn="auto" latinLnBrk="0" hangingPunct="1">
+              <a:lnSpc>
+                <a:spcPct val="100000"/>
+              </a:lnSpc>
+              <a:spcBef>
+                <a:spcPts val="0"/>
+              </a:spcBef>
+              <a:spcAft>
+                <a:spcPts val="0"/>
+              </a:spcAft>
+              <a:buClrTx/>
+              <a:buSzTx/>
+              <a:buFontTx/>
+              <a:buNone/>
+              <a:tabLst/>
+              <a:defRPr>
+                <a:solidFill>
+                  <a:schemeClr val="tx1"/>
+                </a:solidFill>
+              </a:defRPr>
+            </a:pPr>
+            <a:endParaRPr lang="ar-SA" dirty="0">
+              <a:solidFill>
+                <a:schemeClr val="tx1"/>
+              </a:solidFill>
+            </a:endParaRPr>
+          </a:p>
+        </c:rich>
+      </c:tx>
+      <c:overlay val="0"/>
+      <c:spPr>
+        <a:noFill/>
+        <a:ln>
+          <a:noFill/>
+        </a:ln>
+        <a:effectLst/>
+      </c:spPr>
+      <c:txPr>
+        <a:bodyPr rot="0" spcFirstLastPara="1" vertOverflow="ellipsis" vert="horz" wrap="square" anchor="ctr" anchorCtr="1"/>
+        <a:lstStyle/>
+        <a:p>
+          <a:pPr marL="0" marR="0" lvl="0" indent="0" algn="ctr" defTabSz="914400" rtl="1" eaLnBrk="1" fontAlgn="auto" latinLnBrk="0" hangingPunct="1">
+            <a:lnSpc>
+              <a:spcPct val="100000"/>
+            </a:lnSpc>
+            <a:spcBef>
+              <a:spcPts val="0"/>
+            </a:spcBef>
+            <a:spcAft>
+              <a:spcPts val="0"/>
+            </a:spcAft>
+            <a:buClrTx/>
+            <a:buSzTx/>
+            <a:buFontTx/>
+            <a:buNone/>
+            <a:tabLst/>
+            <a:defRPr sz="1400" b="0" i="0" u="none" strike="noStrike" kern="1200" spc="0" baseline="0">
+              <a:solidFill>
+                <a:schemeClr val="tx1"/>
+              </a:solidFill>
+              <a:latin typeface="+mn-lt"/>
+              <a:ea typeface="+mn-ea"/>
+              <a:cs typeface="+mn-cs"/>
+            </a:defRPr>
+          </a:pPr>
+          <a:endParaRPr lang="ar-SA"/>
+        </a:p>
+      </c:txPr>
+    </c:title>
+    <c:autoTitleDeleted val="0"/>
+    <c:pivotFmts>
+      <c:pivotFmt>
+        <c:idx val="0"/>
+        <c:spPr>
+          <a:solidFill>
+            <a:schemeClr val="accent3"/>
+          </a:solidFill>
+          <a:ln>
+            <a:noFill/>
+          </a:ln>
+          <a:effectLst/>
+        </c:spPr>
+        <c:marker>
+          <c:symbol val="none"/>
+        </c:marker>
+        <c:dLbl>
+          <c:idx val="0"/>
+          <c:spPr>
+            <a:noFill/>
+            <a:ln>
+              <a:noFill/>
+            </a:ln>
+            <a:effectLst/>
+          </c:spPr>
+          <c:txPr>
+            <a:bodyPr rot="0" spcFirstLastPara="1" vertOverflow="ellipsis" vert="horz" wrap="square" lIns="38100" tIns="19050" rIns="38100" bIns="19050" anchor="ctr" anchorCtr="1">
+              <a:spAutoFit/>
+            </a:bodyPr>
+            <a:lstStyle/>
+            <a:p>
+              <a:pPr>
+                <a:defRPr sz="900" b="0" i="0" u="none" strike="noStrike" kern="1200" baseline="0">
+                  <a:solidFill>
+                    <a:schemeClr val="tx1">
+                      <a:lumMod val="75000"/>
+                      <a:lumOff val="25000"/>
+                    </a:schemeClr>
+                  </a:solidFill>
+                  <a:latin typeface="+mn-lt"/>
+                  <a:ea typeface="+mn-ea"/>
+                  <a:cs typeface="+mn-cs"/>
+                </a:defRPr>
+              </a:pPr>
+              <a:endParaRPr lang="ar-SA"/>
+            </a:p>
+          </c:txPr>
+          <c:showLegendKey val="0"/>
+          <c:showVal val="0"/>
+          <c:showCatName val="0"/>
+          <c:showSerName val="0"/>
+          <c:showPercent val="0"/>
+          <c:showBubbleSize val="0"/>
+          <c:extLst>
+            <c:ext xmlns:c15="http://schemas.microsoft.com/office/drawing/2012/chart" uri="{CE6537A1-D6FC-4f65-9D91-7224C49458BB}"/>
+          </c:extLst>
+        </c:dLbl>
+      </c:pivotFmt>
+      <c:pivotFmt>
+        <c:idx val="1"/>
+        <c:spPr>
+          <a:solidFill>
+            <a:schemeClr val="accent3"/>
+          </a:solidFill>
+          <a:ln>
+            <a:noFill/>
+          </a:ln>
+          <a:effectLst/>
+        </c:spPr>
+        <c:marker>
+          <c:symbol val="none"/>
+        </c:marker>
+        <c:dLbl>
+          <c:idx val="0"/>
+          <c:spPr>
+            <a:noFill/>
+            <a:ln>
+              <a:noFill/>
+            </a:ln>
+            <a:effectLst/>
+          </c:spPr>
+          <c:txPr>
+            <a:bodyPr rot="0" spcFirstLastPara="1" vertOverflow="ellipsis" vert="horz" wrap="square" lIns="38100" tIns="19050" rIns="38100" bIns="19050" anchor="ctr" anchorCtr="1">
+              <a:spAutoFit/>
+            </a:bodyPr>
+            <a:lstStyle/>
+            <a:p>
+              <a:pPr>
+                <a:defRPr sz="900" b="0" i="0" u="none" strike="noStrike" kern="1200" baseline="0">
+                  <a:solidFill>
+                    <a:schemeClr val="tx1">
+                      <a:lumMod val="75000"/>
+                      <a:lumOff val="25000"/>
+                    </a:schemeClr>
+                  </a:solidFill>
+                  <a:latin typeface="+mn-lt"/>
+                  <a:ea typeface="+mn-ea"/>
+                  <a:cs typeface="+mn-cs"/>
+                </a:defRPr>
+              </a:pPr>
+              <a:endParaRPr lang="ar-SA"/>
+            </a:p>
+          </c:txPr>
+          <c:showLegendKey val="0"/>
+          <c:showVal val="0"/>
+          <c:showCatName val="0"/>
+          <c:showSerName val="0"/>
+          <c:showPercent val="0"/>
+          <c:showBubbleSize val="0"/>
+          <c:extLst>
+            <c:ext xmlns:c15="http://schemas.microsoft.com/office/drawing/2012/chart" uri="{CE6537A1-D6FC-4f65-9D91-7224C49458BB}"/>
+          </c:extLst>
+        </c:dLbl>
+      </c:pivotFmt>
+      <c:pivotFmt>
+        <c:idx val="2"/>
+        <c:spPr>
+          <a:solidFill>
+            <a:schemeClr val="accent3"/>
+          </a:solidFill>
+          <a:ln>
+            <a:noFill/>
+          </a:ln>
+          <a:effectLst/>
+        </c:spPr>
+        <c:marker>
+          <c:symbol val="none"/>
+        </c:marker>
+        <c:dLbl>
+          <c:idx val="0"/>
+          <c:spPr>
+            <a:noFill/>
+            <a:ln>
+              <a:noFill/>
+            </a:ln>
+            <a:effectLst/>
+          </c:spPr>
+          <c:txPr>
+            <a:bodyPr rot="0" spcFirstLastPara="1" vertOverflow="ellipsis" vert="horz" wrap="square" lIns="38100" tIns="19050" rIns="38100" bIns="19050" anchor="ctr" anchorCtr="1">
+              <a:spAutoFit/>
+            </a:bodyPr>
+            <a:lstStyle/>
+            <a:p>
+              <a:pPr>
+                <a:defRPr sz="900" b="0" i="0" u="none" strike="noStrike" kern="1200" baseline="0">
+                  <a:solidFill>
+                    <a:schemeClr val="tx1">
+                      <a:lumMod val="75000"/>
+                      <a:lumOff val="25000"/>
+                    </a:schemeClr>
+                  </a:solidFill>
+                  <a:latin typeface="+mn-lt"/>
+                  <a:ea typeface="+mn-ea"/>
+                  <a:cs typeface="+mn-cs"/>
+                </a:defRPr>
+              </a:pPr>
+              <a:endParaRPr lang="ar-SA"/>
+            </a:p>
+          </c:txPr>
+          <c:showLegendKey val="0"/>
+          <c:showVal val="0"/>
+          <c:showCatName val="0"/>
+          <c:showSerName val="0"/>
+          <c:showPercent val="0"/>
+          <c:showBubbleSize val="0"/>
+          <c:extLst>
+            <c:ext xmlns:c15="http://schemas.microsoft.com/office/drawing/2012/chart" uri="{CE6537A1-D6FC-4f65-9D91-7224C49458BB}"/>
+          </c:extLst>
+        </c:dLbl>
+      </c:pivotFmt>
+    </c:pivotFmts>
+    <c:plotArea>
+      <c:layout/>
+      <c:barChart>
+        <c:barDir val="col"/>
+        <c:grouping val="clustered"/>
+        <c:varyColors val="0"/>
+        <c:ser>
+          <c:idx val="0"/>
+          <c:order val="0"/>
+          <c:tx>
+            <c:strRef>
+              <c:f>'تصاريح الروضة'!$B$23</c:f>
+              <c:strCache>
+                <c:ptCount val="1"/>
+                <c:pt idx="0">
+                  <c:v>الإجمالي</c:v>
+                </c:pt>
+              </c:strCache>
+            </c:strRef>
+          </c:tx>
+          <c:spPr>
+            <a:solidFill>
+              <a:schemeClr val="accent3"/>
+            </a:solidFill>
+            <a:ln>
+              <a:noFill/>
+            </a:ln>
+            <a:effectLst/>
+          </c:spPr>
+          <c:invertIfNegative val="0"/>
+          <c:cat>
+            <c:strRef>
+              <c:f>'تصاريح الروضة'!$A$24:$A$36</c:f>
+              <c:strCache>
+                <c:ptCount val="12"/>
+                <c:pt idx="0">
+                  <c:v>1</c:v>
+                </c:pt>
+                <c:pt idx="1">
+                  <c:v>2</c:v>
+                </c:pt>
+                <c:pt idx="2">
+                  <c:v>3</c:v>
+                </c:pt>
+                <c:pt idx="3">
+                  <c:v>4</c:v>
+                </c:pt>
+                <c:pt idx="4">
+                  <c:v>5</c:v>
+                </c:pt>
+                <c:pt idx="5">
+                  <c:v>6</c:v>
+                </c:pt>
+                <c:pt idx="6">
+                  <c:v>7</c:v>
+                </c:pt>
+                <c:pt idx="7">
+                  <c:v>8</c:v>
+                </c:pt>
+                <c:pt idx="8">
+                  <c:v>9</c:v>
+                </c:pt>
+                <c:pt idx="9">
+                  <c:v>10</c:v>
+                </c:pt>
+                <c:pt idx="10">
+                  <c:v>11</c:v>
+                </c:pt>
+                <c:pt idx="11">
+                  <c:v>12</c:v>
+                </c:pt>
+              </c:strCache>
+            </c:strRef>
+          </c:cat>
+          <c:val>
+            <c:numRef>
+              <c:f>'تصاريح الروضة'!$B$24:$B$36</c:f>
+              <c:numCache>
+                <c:formatCode>General</c:formatCode>
+                <c:ptCount val="12"/>
+                <c:pt idx="0">
+                  <c:v>272942</c:v>
+                </c:pt>
+                <c:pt idx="1">
+                  <c:v>325763</c:v>
+                </c:pt>
+                <c:pt idx="2">
+                  <c:v>360720</c:v>
+                </c:pt>
+                <c:pt idx="3">
+                  <c:v>423031</c:v>
+                </c:pt>
+                <c:pt idx="4">
+                  <c:v>461892</c:v>
+                </c:pt>
+                <c:pt idx="5">
+                  <c:v>454186</c:v>
+                </c:pt>
+                <c:pt idx="6">
+                  <c:v>458413</c:v>
+                </c:pt>
+                <c:pt idx="7">
+                  <c:v>493973</c:v>
+                </c:pt>
+                <c:pt idx="8">
+                  <c:v>427961</c:v>
+                </c:pt>
+                <c:pt idx="9">
+                  <c:v>419219</c:v>
+                </c:pt>
+                <c:pt idx="10">
+                  <c:v>431590</c:v>
+                </c:pt>
+                <c:pt idx="11">
+                  <c:v>434347</c:v>
+                </c:pt>
+              </c:numCache>
+            </c:numRef>
+          </c:val>
+          <c:extLst>
+            <c:ext xmlns:c16="http://schemas.microsoft.com/office/drawing/2014/chart" uri="{C3380CC4-5D6E-409C-BE32-E72D297353CC}">
+              <c16:uniqueId val="{00000000-2CF8-494C-AFFA-264337D100DA}"/>
+            </c:ext>
+          </c:extLst>
+        </c:ser>
+        <c:dLbls>
+          <c:showLegendKey val="0"/>
+          <c:showVal val="0"/>
+          <c:showCatName val="0"/>
+          <c:showSerName val="0"/>
+          <c:showPercent val="0"/>
+          <c:showBubbleSize val="0"/>
+        </c:dLbls>
+        <c:gapWidth val="219"/>
+        <c:overlap val="-27"/>
+        <c:axId val="1014712176"/>
+        <c:axId val="780829744"/>
+      </c:barChart>
+      <c:catAx>
+        <c:axId val="1014712176"/>
+        <c:scaling>
+          <c:orientation val="maxMin"/>
+        </c:scaling>
+        <c:delete val="0"/>
+        <c:axPos val="b"/>
+        <c:title>
+          <c:tx>
+            <c:rich>
+              <a:bodyPr rot="0" spcFirstLastPara="1" vertOverflow="ellipsis" vert="horz" wrap="square" anchor="ctr" anchorCtr="1"/>
+              <a:lstStyle/>
+              <a:p>
+                <a:pPr>
+                  <a:defRPr sz="1000" b="0" i="0" u="none" strike="noStrike" kern="1200" baseline="0">
+                    <a:solidFill>
+                      <a:schemeClr val="tx1">
+                        <a:lumMod val="65000"/>
+                        <a:lumOff val="35000"/>
+                      </a:schemeClr>
+                    </a:solidFill>
+                    <a:latin typeface="+mn-lt"/>
+                    <a:ea typeface="+mn-ea"/>
+                    <a:cs typeface="+mn-cs"/>
+                  </a:defRPr>
+                </a:pPr>
+                <a:r>
+                  <a:rPr lang="ar-SA"/>
+                  <a:t>الشهور الهجرية</a:t>
+                </a:r>
+              </a:p>
+            </c:rich>
+          </c:tx>
+          <c:overlay val="0"/>
+          <c:spPr>
+            <a:noFill/>
+            <a:ln>
+              <a:noFill/>
+            </a:ln>
+            <a:effectLst/>
+          </c:spPr>
+          <c:txPr>
+            <a:bodyPr rot="0" spcFirstLastPara="1" vertOverflow="ellipsis" vert="horz" wrap="square" anchor="ctr" anchorCtr="1"/>
+            <a:lstStyle/>
+            <a:p>
+              <a:pPr>
+                <a:defRPr sz="1000" b="0" i="0" u="none" strike="noStrike" kern="1200" baseline="0">
+                  <a:solidFill>
+                    <a:schemeClr val="tx1">
+                      <a:lumMod val="65000"/>
+                      <a:lumOff val="35000"/>
+                    </a:schemeClr>
+                  </a:solidFill>
+                  <a:latin typeface="+mn-lt"/>
+                  <a:ea typeface="+mn-ea"/>
+                  <a:cs typeface="+mn-cs"/>
+                </a:defRPr>
+              </a:pPr>
+              <a:endParaRPr lang="ar-SA"/>
+            </a:p>
+          </c:txPr>
+        </c:title>
+        <c:numFmt formatCode="General" sourceLinked="1"/>
+        <c:majorTickMark val="none"/>
+        <c:minorTickMark val="none"/>
+        <c:tickLblPos val="nextTo"/>
+        <c:spPr>
+          <a:noFill/>
+          <a:ln w="9525" cap="flat" cmpd="sng" algn="ctr">
+            <a:solidFill>
+              <a:schemeClr val="tx1">
+                <a:lumMod val="15000"/>
+                <a:lumOff val="85000"/>
+              </a:schemeClr>
+            </a:solidFill>
+            <a:round/>
+          </a:ln>
+          <a:effectLst/>
+        </c:spPr>
+        <c:txPr>
+          <a:bodyPr rot="-60000000" spcFirstLastPara="1" vertOverflow="ellipsis" vert="horz" wrap="square" anchor="ctr" anchorCtr="1"/>
+          <a:lstStyle/>
+          <a:p>
+            <a:pPr>
+              <a:defRPr sz="900" b="0" i="0" u="none" strike="noStrike" kern="1200" baseline="0">
+                <a:solidFill>
+                  <a:schemeClr val="tx1">
+                    <a:lumMod val="65000"/>
+                    <a:lumOff val="35000"/>
+                  </a:schemeClr>
+                </a:solidFill>
+                <a:latin typeface="+mn-lt"/>
+                <a:ea typeface="+mn-ea"/>
+                <a:cs typeface="+mn-cs"/>
+              </a:defRPr>
+            </a:pPr>
+            <a:endParaRPr lang="ar-SA"/>
+          </a:p>
+        </c:txPr>
+        <c:crossAx val="780829744"/>
+        <c:crosses val="autoZero"/>
+        <c:auto val="1"/>
+        <c:lblAlgn val="ctr"/>
+        <c:lblOffset val="100"/>
+        <c:noMultiLvlLbl val="0"/>
+      </c:catAx>
+      <c:valAx>
+        <c:axId val="780829744"/>
+        <c:scaling>
+          <c:orientation val="minMax"/>
+        </c:scaling>
+        <c:delete val="0"/>
+        <c:axPos val="r"/>
+        <c:title>
+          <c:tx>
+            <c:rich>
+              <a:bodyPr rot="-5400000" spcFirstLastPara="1" vertOverflow="ellipsis" vert="horz" wrap="square" anchor="ctr" anchorCtr="1"/>
+              <a:lstStyle/>
+              <a:p>
+                <a:pPr>
+                  <a:defRPr sz="1000" b="0" i="0" u="none" strike="noStrike" kern="1200" baseline="0">
+                    <a:solidFill>
+                      <a:schemeClr val="tx1">
+                        <a:lumMod val="65000"/>
+                        <a:lumOff val="35000"/>
+                      </a:schemeClr>
+                    </a:solidFill>
+                    <a:latin typeface="+mn-lt"/>
+                    <a:ea typeface="+mn-ea"/>
+                    <a:cs typeface="+mn-cs"/>
+                  </a:defRPr>
+                </a:pPr>
+                <a:r>
+                  <a:rPr lang="ar-SA"/>
+                  <a:t>عدد تصاريح الروضة للرجال</a:t>
+                </a:r>
+              </a:p>
+            </c:rich>
+          </c:tx>
+          <c:overlay val="0"/>
+          <c:spPr>
+            <a:noFill/>
+            <a:ln>
+              <a:noFill/>
+            </a:ln>
+            <a:effectLst/>
+          </c:spPr>
+          <c:txPr>
+            <a:bodyPr rot="-5400000" spcFirstLastPara="1" vertOverflow="ellipsis" vert="horz" wrap="square" anchor="ctr" anchorCtr="1"/>
+            <a:lstStyle/>
+            <a:p>
+              <a:pPr>
+                <a:defRPr sz="1000" b="0" i="0" u="none" strike="noStrike" kern="1200" baseline="0">
+                  <a:solidFill>
+                    <a:schemeClr val="tx1">
+                      <a:lumMod val="65000"/>
+                      <a:lumOff val="35000"/>
+                    </a:schemeClr>
+                  </a:solidFill>
+                  <a:latin typeface="+mn-lt"/>
+                  <a:ea typeface="+mn-ea"/>
+                  <a:cs typeface="+mn-cs"/>
+                </a:defRPr>
+              </a:pPr>
+              <a:endParaRPr lang="ar-SA"/>
+            </a:p>
+          </c:txPr>
+        </c:title>
+        <c:numFmt formatCode="General" sourceLinked="1"/>
+        <c:majorTickMark val="none"/>
+        <c:minorTickMark val="none"/>
+        <c:tickLblPos val="nextTo"/>
+        <c:spPr>
+          <a:noFill/>
+          <a:ln>
+            <a:noFill/>
+          </a:ln>
+          <a:effectLst/>
+        </c:spPr>
+        <c:txPr>
+          <a:bodyPr rot="-60000000" spcFirstLastPara="1" vertOverflow="ellipsis" vert="horz" wrap="square" anchor="ctr" anchorCtr="1"/>
+          <a:lstStyle/>
+          <a:p>
+            <a:pPr>
+              <a:defRPr sz="900" b="0" i="0" u="none" strike="noStrike" kern="1200" baseline="0">
+                <a:solidFill>
+                  <a:schemeClr val="tx1">
+                    <a:lumMod val="65000"/>
+                    <a:lumOff val="35000"/>
+                  </a:schemeClr>
+                </a:solidFill>
+                <a:latin typeface="+mn-lt"/>
+                <a:ea typeface="+mn-ea"/>
+                <a:cs typeface="+mn-cs"/>
+              </a:defRPr>
+            </a:pPr>
+            <a:endParaRPr lang="ar-SA"/>
+          </a:p>
+        </c:txPr>
+        <c:crossAx val="1014712176"/>
+        <c:crosses val="autoZero"/>
+        <c:crossBetween val="between"/>
+      </c:valAx>
+      <c:spPr>
+        <a:noFill/>
+        <a:ln>
+          <a:noFill/>
+        </a:ln>
+        <a:effectLst/>
+      </c:spPr>
+    </c:plotArea>
+    <c:plotVisOnly val="1"/>
+    <c:dispBlanksAs val="gap"/>
+    <c:extLst>
+      <c:ext xmlns:c16r3="http://schemas.microsoft.com/office/drawing/2017/03/chart" uri="{56B9EC1D-385E-4148-901F-78D8002777C0}">
+        <c16r3:dataDisplayOptions16>
+          <c16r3:dispNaAsBlank val="1"/>
+        </c16r3:dataDisplayOptions16>
+      </c:ext>
+    </c:extLst>
+    <c:showDLblsOverMax val="0"/>
+  </c:chart>
+  <c:spPr>
+    <a:noFill/>
+    <a:ln>
+      <a:noFill/>
+    </a:ln>
+    <a:effectLst/>
+  </c:spPr>
+  <c:txPr>
+    <a:bodyPr/>
+    <a:lstStyle/>
+    <a:p>
+      <a:pPr>
+        <a:defRPr/>
+      </a:pPr>
+      <a:endParaRPr lang="ar-SA"/>
+    </a:p>
+  </c:txPr>
+  <c:externalData r:id="rId3">
+    <c:autoUpdate val="0"/>
+  </c:externalData>
+  <c:extLst>
+    <c:ext xmlns:c14="http://schemas.microsoft.com/office/drawing/2007/8/2/chart" uri="{781A3756-C4B2-4CAC-9D66-4F8BD8637D16}">
+      <c14:pivotOptions>
+        <c14:dropZoneFilter val="1"/>
+        <c14:dropZoneCategories val="1"/>
+        <c14:dropZoneData val="1"/>
+        <c14:dropZonesVisible val="1"/>
+      </c14:pivotOptions>
+    </c:ext>
+    <c:ext xmlns:c16="http://schemas.microsoft.com/office/drawing/2014/chart" uri="{E28EC0CA-F0BB-4C9C-879D-F8772B89E7AC}">
+      <c16:pivotOptions16>
+        <c16:showExpandCollapseFieldButtons val="1"/>
+      </c16:pivotOptions16>
+    </c:ext>
+  </c:extLst>
+</c:chartSpace>
+</file>
+
+<file path=ppt/charts/chart7.xml><?xml version="1.0" encoding="utf-8"?>
+<c:chartSpace xmlns:c="http://schemas.openxmlformats.org/drawingml/2006/chart" xmlns:a="http://schemas.openxmlformats.org/drawingml/2006/main" xmlns:r="http://schemas.openxmlformats.org/officeDocument/2006/relationships" xmlns:c16r2="http://schemas.microsoft.com/office/drawing/2015/06/chart">
+  <c:date1904 val="0"/>
+  <c:lang val="ar-SA"/>
+  <c:roundedCorners val="0"/>
+  <mc:AlternateContent xmlns:mc="http://schemas.openxmlformats.org/markup-compatibility/2006">
+    <mc:Choice xmlns:c14="http://schemas.microsoft.com/office/drawing/2007/8/2/chart" Requires="c14">
+      <c14:style val="105"/>
+    </mc:Choice>
+    <mc:Fallback>
+      <c:style val="5"/>
+    </mc:Fallback>
+  </mc:AlternateContent>
+  <c:pivotSource>
+    <c:name>[عدد تصاريح تطبيق نُسُك ١٤٤٤هـ.xlsx]تصاريح الروضة!PivotTable11</c:name>
+    <c:fmtId val="3"/>
+  </c:pivotSource>
+  <c:chart>
+    <c:title>
+      <c:tx>
+        <c:rich>
+          <a:bodyPr rot="0" spcFirstLastPara="1" vertOverflow="ellipsis" vert="horz" wrap="square" anchor="ctr" anchorCtr="1"/>
+          <a:lstStyle/>
+          <a:p>
+            <a:pPr>
+              <a:defRPr sz="1400" b="0" i="0" u="none" strike="noStrike" kern="1200" spc="0" baseline="0">
+                <a:solidFill>
+                  <a:schemeClr val="tx1"/>
+                </a:solidFill>
+                <a:latin typeface="+mn-lt"/>
+                <a:ea typeface="+mn-ea"/>
+                <a:cs typeface="+mn-cs"/>
+              </a:defRPr>
+            </a:pPr>
+            <a:r>
+              <a:rPr lang="ar-SA" sz="1400" b="0" i="0" u="none" strike="noStrike" kern="1200" spc="0" baseline="0" dirty="0">
+                <a:solidFill>
+                  <a:schemeClr val="tx1"/>
+                </a:solidFill>
+              </a:rPr>
+              <a:t>إجمالي عدد تصاريح زيارة الروضة الشريفة - للنساء -  لكل شهر لعام ١٤٤٤هـ </a:t>
+            </a:r>
+          </a:p>
+        </c:rich>
+      </c:tx>
+      <c:overlay val="0"/>
+      <c:spPr>
+        <a:noFill/>
+        <a:ln>
+          <a:noFill/>
+        </a:ln>
+        <a:effectLst/>
+      </c:spPr>
+      <c:txPr>
+        <a:bodyPr rot="0" spcFirstLastPara="1" vertOverflow="ellipsis" vert="horz" wrap="square" anchor="ctr" anchorCtr="1"/>
+        <a:lstStyle/>
+        <a:p>
+          <a:pPr>
+            <a:defRPr sz="1400" b="0" i="0" u="none" strike="noStrike" kern="1200" spc="0" baseline="0">
+              <a:solidFill>
+                <a:schemeClr val="tx1"/>
+              </a:solidFill>
+              <a:latin typeface="+mn-lt"/>
+              <a:ea typeface="+mn-ea"/>
+              <a:cs typeface="+mn-cs"/>
+            </a:defRPr>
+          </a:pPr>
+          <a:endParaRPr lang="ar-SA"/>
+        </a:p>
+      </c:txPr>
+    </c:title>
+    <c:autoTitleDeleted val="0"/>
+    <c:pivotFmts>
+      <c:pivotFmt>
+        <c:idx val="0"/>
+        <c:spPr>
+          <a:solidFill>
+            <a:schemeClr val="accent3"/>
+          </a:solidFill>
+          <a:ln>
+            <a:noFill/>
+          </a:ln>
+          <a:effectLst/>
+        </c:spPr>
+        <c:marker>
+          <c:symbol val="none"/>
+        </c:marker>
+        <c:dLbl>
+          <c:idx val="0"/>
+          <c:spPr>
+            <a:noFill/>
+            <a:ln>
+              <a:noFill/>
+            </a:ln>
+            <a:effectLst/>
+          </c:spPr>
+          <c:txPr>
+            <a:bodyPr rot="0" spcFirstLastPara="1" vertOverflow="ellipsis" vert="horz" wrap="square" lIns="38100" tIns="19050" rIns="38100" bIns="19050" anchor="ctr" anchorCtr="1">
+              <a:spAutoFit/>
+            </a:bodyPr>
+            <a:lstStyle/>
+            <a:p>
+              <a:pPr>
+                <a:defRPr sz="900" b="0" i="0" u="none" strike="noStrike" kern="1200" baseline="0">
+                  <a:solidFill>
+                    <a:schemeClr val="tx1">
+                      <a:lumMod val="75000"/>
+                      <a:lumOff val="25000"/>
+                    </a:schemeClr>
+                  </a:solidFill>
+                  <a:latin typeface="+mn-lt"/>
+                  <a:ea typeface="+mn-ea"/>
+                  <a:cs typeface="+mn-cs"/>
+                </a:defRPr>
+              </a:pPr>
+              <a:endParaRPr lang="ar-SA"/>
+            </a:p>
+          </c:txPr>
+          <c:showLegendKey val="0"/>
+          <c:showVal val="0"/>
+          <c:showCatName val="0"/>
+          <c:showSerName val="0"/>
+          <c:showPercent val="0"/>
+          <c:showBubbleSize val="0"/>
+          <c:extLst>
+            <c:ext xmlns:c15="http://schemas.microsoft.com/office/drawing/2012/chart" uri="{CE6537A1-D6FC-4f65-9D91-7224C49458BB}"/>
+          </c:extLst>
+        </c:dLbl>
+      </c:pivotFmt>
+      <c:pivotFmt>
+        <c:idx val="1"/>
+        <c:spPr>
+          <a:solidFill>
+            <a:schemeClr val="accent3"/>
+          </a:solidFill>
+          <a:ln>
+            <a:noFill/>
+          </a:ln>
+          <a:effectLst/>
+        </c:spPr>
+        <c:marker>
+          <c:symbol val="none"/>
+        </c:marker>
+        <c:dLbl>
+          <c:idx val="0"/>
+          <c:spPr>
+            <a:noFill/>
+            <a:ln>
+              <a:noFill/>
+            </a:ln>
+            <a:effectLst/>
+          </c:spPr>
+          <c:txPr>
+            <a:bodyPr rot="0" spcFirstLastPara="1" vertOverflow="ellipsis" vert="horz" wrap="square" lIns="38100" tIns="19050" rIns="38100" bIns="19050" anchor="ctr" anchorCtr="1">
+              <a:spAutoFit/>
+            </a:bodyPr>
+            <a:lstStyle/>
+            <a:p>
+              <a:pPr>
+                <a:defRPr sz="900" b="0" i="0" u="none" strike="noStrike" kern="1200" baseline="0">
+                  <a:solidFill>
+                    <a:schemeClr val="tx1">
+                      <a:lumMod val="75000"/>
+                      <a:lumOff val="25000"/>
+                    </a:schemeClr>
+                  </a:solidFill>
+                  <a:latin typeface="+mn-lt"/>
+                  <a:ea typeface="+mn-ea"/>
+                  <a:cs typeface="+mn-cs"/>
+                </a:defRPr>
+              </a:pPr>
+              <a:endParaRPr lang="ar-SA"/>
+            </a:p>
+          </c:txPr>
+          <c:showLegendKey val="0"/>
+          <c:showVal val="0"/>
+          <c:showCatName val="0"/>
+          <c:showSerName val="0"/>
+          <c:showPercent val="0"/>
+          <c:showBubbleSize val="0"/>
+          <c:extLst>
+            <c:ext xmlns:c15="http://schemas.microsoft.com/office/drawing/2012/chart" uri="{CE6537A1-D6FC-4f65-9D91-7224C49458BB}"/>
+          </c:extLst>
+        </c:dLbl>
+      </c:pivotFmt>
+      <c:pivotFmt>
+        <c:idx val="2"/>
+        <c:spPr>
+          <a:solidFill>
+            <a:schemeClr val="accent3"/>
+          </a:solidFill>
+          <a:ln>
+            <a:noFill/>
+          </a:ln>
+          <a:effectLst/>
+        </c:spPr>
+        <c:marker>
+          <c:symbol val="none"/>
+        </c:marker>
+        <c:dLbl>
+          <c:idx val="0"/>
+          <c:spPr>
+            <a:noFill/>
+            <a:ln>
+              <a:noFill/>
+            </a:ln>
+            <a:effectLst/>
+          </c:spPr>
+          <c:txPr>
+            <a:bodyPr rot="0" spcFirstLastPara="1" vertOverflow="ellipsis" vert="horz" wrap="square" lIns="38100" tIns="19050" rIns="38100" bIns="19050" anchor="ctr" anchorCtr="1">
+              <a:spAutoFit/>
+            </a:bodyPr>
+            <a:lstStyle/>
+            <a:p>
+              <a:pPr>
+                <a:defRPr sz="900" b="0" i="0" u="none" strike="noStrike" kern="1200" baseline="0">
+                  <a:solidFill>
+                    <a:schemeClr val="tx1">
+                      <a:lumMod val="75000"/>
+                      <a:lumOff val="25000"/>
+                    </a:schemeClr>
+                  </a:solidFill>
+                  <a:latin typeface="+mn-lt"/>
+                  <a:ea typeface="+mn-ea"/>
+                  <a:cs typeface="+mn-cs"/>
+                </a:defRPr>
+              </a:pPr>
+              <a:endParaRPr lang="ar-SA"/>
+            </a:p>
+          </c:txPr>
+          <c:showLegendKey val="0"/>
+          <c:showVal val="0"/>
+          <c:showCatName val="0"/>
+          <c:showSerName val="0"/>
+          <c:showPercent val="0"/>
+          <c:showBubbleSize val="0"/>
+          <c:extLst>
+            <c:ext xmlns:c15="http://schemas.microsoft.com/office/drawing/2012/chart" uri="{CE6537A1-D6FC-4f65-9D91-7224C49458BB}"/>
+          </c:extLst>
+        </c:dLbl>
+      </c:pivotFmt>
+    </c:pivotFmts>
+    <c:plotArea>
+      <c:layout/>
+      <c:barChart>
+        <c:barDir val="col"/>
+        <c:grouping val="clustered"/>
+        <c:varyColors val="0"/>
+        <c:ser>
+          <c:idx val="0"/>
+          <c:order val="0"/>
+          <c:tx>
+            <c:strRef>
+              <c:f>'تصاريح الروضة'!$B$43</c:f>
+              <c:strCache>
+                <c:ptCount val="1"/>
+                <c:pt idx="0">
+                  <c:v>الإجمالي</c:v>
+                </c:pt>
+              </c:strCache>
+            </c:strRef>
+          </c:tx>
+          <c:spPr>
+            <a:solidFill>
+              <a:schemeClr val="accent3"/>
+            </a:solidFill>
+            <a:ln>
+              <a:noFill/>
+            </a:ln>
+            <a:effectLst/>
+          </c:spPr>
+          <c:invertIfNegative val="0"/>
+          <c:cat>
+            <c:strRef>
+              <c:f>'تصاريح الروضة'!$A$44:$A$56</c:f>
+              <c:strCache>
+                <c:ptCount val="12"/>
+                <c:pt idx="0">
+                  <c:v>1</c:v>
+                </c:pt>
+                <c:pt idx="1">
+                  <c:v>2</c:v>
+                </c:pt>
+                <c:pt idx="2">
+                  <c:v>3</c:v>
+                </c:pt>
+                <c:pt idx="3">
+                  <c:v>4</c:v>
+                </c:pt>
+                <c:pt idx="4">
+                  <c:v>5</c:v>
+                </c:pt>
+                <c:pt idx="5">
+                  <c:v>6</c:v>
+                </c:pt>
+                <c:pt idx="6">
+                  <c:v>7</c:v>
+                </c:pt>
+                <c:pt idx="7">
+                  <c:v>8</c:v>
+                </c:pt>
+                <c:pt idx="8">
+                  <c:v>9</c:v>
+                </c:pt>
+                <c:pt idx="9">
+                  <c:v>10</c:v>
+                </c:pt>
+                <c:pt idx="10">
+                  <c:v>11</c:v>
+                </c:pt>
+                <c:pt idx="11">
+                  <c:v>12</c:v>
+                </c:pt>
+              </c:strCache>
+            </c:strRef>
+          </c:cat>
+          <c:val>
+            <c:numRef>
+              <c:f>'تصاريح الروضة'!$B$44:$B$56</c:f>
+              <c:numCache>
+                <c:formatCode>General</c:formatCode>
+                <c:ptCount val="12"/>
+                <c:pt idx="0">
+                  <c:v>256919</c:v>
+                </c:pt>
+                <c:pt idx="1">
+                  <c:v>294708</c:v>
+                </c:pt>
+                <c:pt idx="2">
+                  <c:v>345025</c:v>
+                </c:pt>
+                <c:pt idx="3">
+                  <c:v>438378</c:v>
+                </c:pt>
+                <c:pt idx="4">
+                  <c:v>473314</c:v>
+                </c:pt>
+                <c:pt idx="5">
+                  <c:v>508244</c:v>
+                </c:pt>
+                <c:pt idx="6">
+                  <c:v>495803</c:v>
+                </c:pt>
+                <c:pt idx="7">
+                  <c:v>483796</c:v>
+                </c:pt>
+                <c:pt idx="8">
+                  <c:v>424123</c:v>
+                </c:pt>
+                <c:pt idx="9">
+                  <c:v>394321</c:v>
+                </c:pt>
+                <c:pt idx="10">
+                  <c:v>407823</c:v>
+                </c:pt>
+                <c:pt idx="11">
+                  <c:v>407677</c:v>
+                </c:pt>
+              </c:numCache>
+            </c:numRef>
+          </c:val>
+          <c:extLst>
+            <c:ext xmlns:c16="http://schemas.microsoft.com/office/drawing/2014/chart" uri="{C3380CC4-5D6E-409C-BE32-E72D297353CC}">
+              <c16:uniqueId val="{00000000-CD99-4A47-BFC2-9BC4623C2297}"/>
+            </c:ext>
+          </c:extLst>
+        </c:ser>
+        <c:dLbls>
+          <c:showLegendKey val="0"/>
+          <c:showVal val="0"/>
+          <c:showCatName val="0"/>
+          <c:showSerName val="0"/>
+          <c:showPercent val="0"/>
+          <c:showBubbleSize val="0"/>
+        </c:dLbls>
+        <c:gapWidth val="219"/>
+        <c:overlap val="-27"/>
+        <c:axId val="820672784"/>
+        <c:axId val="820220752"/>
+      </c:barChart>
+      <c:catAx>
+        <c:axId val="820672784"/>
+        <c:scaling>
+          <c:orientation val="maxMin"/>
+        </c:scaling>
+        <c:delete val="0"/>
+        <c:axPos val="b"/>
+        <c:title>
+          <c:tx>
+            <c:rich>
+              <a:bodyPr rot="0" spcFirstLastPara="1" vertOverflow="ellipsis" vert="horz" wrap="square" anchor="ctr" anchorCtr="1"/>
+              <a:lstStyle/>
+              <a:p>
+                <a:pPr>
+                  <a:defRPr sz="1000" b="0" i="0" u="none" strike="noStrike" kern="1200" baseline="0">
+                    <a:solidFill>
+                      <a:schemeClr val="tx1">
+                        <a:lumMod val="65000"/>
+                        <a:lumOff val="35000"/>
+                      </a:schemeClr>
+                    </a:solidFill>
+                    <a:latin typeface="+mn-lt"/>
+                    <a:ea typeface="+mn-ea"/>
+                    <a:cs typeface="+mn-cs"/>
+                  </a:defRPr>
+                </a:pPr>
+                <a:r>
+                  <a:rPr lang="ar-SA"/>
+                  <a:t>الشهور الهجرية</a:t>
+                </a:r>
+              </a:p>
+            </c:rich>
+          </c:tx>
+          <c:overlay val="0"/>
+          <c:spPr>
+            <a:noFill/>
+            <a:ln>
+              <a:noFill/>
+            </a:ln>
+            <a:effectLst/>
+          </c:spPr>
+          <c:txPr>
+            <a:bodyPr rot="0" spcFirstLastPara="1" vertOverflow="ellipsis" vert="horz" wrap="square" anchor="ctr" anchorCtr="1"/>
+            <a:lstStyle/>
+            <a:p>
+              <a:pPr>
+                <a:defRPr sz="1000" b="0" i="0" u="none" strike="noStrike" kern="1200" baseline="0">
+                  <a:solidFill>
+                    <a:schemeClr val="tx1">
+                      <a:lumMod val="65000"/>
+                      <a:lumOff val="35000"/>
+                    </a:schemeClr>
+                  </a:solidFill>
+                  <a:latin typeface="+mn-lt"/>
+                  <a:ea typeface="+mn-ea"/>
+                  <a:cs typeface="+mn-cs"/>
+                </a:defRPr>
+              </a:pPr>
+              <a:endParaRPr lang="ar-SA"/>
+            </a:p>
+          </c:txPr>
+        </c:title>
+        <c:numFmt formatCode="General" sourceLinked="1"/>
+        <c:majorTickMark val="none"/>
+        <c:minorTickMark val="none"/>
+        <c:tickLblPos val="nextTo"/>
+        <c:spPr>
+          <a:noFill/>
+          <a:ln w="9525" cap="flat" cmpd="sng" algn="ctr">
+            <a:solidFill>
+              <a:schemeClr val="tx1">
+                <a:lumMod val="15000"/>
+                <a:lumOff val="85000"/>
+              </a:schemeClr>
+            </a:solidFill>
+            <a:round/>
+          </a:ln>
+          <a:effectLst/>
+        </c:spPr>
+        <c:txPr>
+          <a:bodyPr rot="-60000000" spcFirstLastPara="1" vertOverflow="ellipsis" vert="horz" wrap="square" anchor="ctr" anchorCtr="1"/>
+          <a:lstStyle/>
+          <a:p>
+            <a:pPr>
+              <a:defRPr sz="900" b="0" i="0" u="none" strike="noStrike" kern="1200" baseline="0">
+                <a:solidFill>
+                  <a:schemeClr val="tx1">
+                    <a:lumMod val="65000"/>
+                    <a:lumOff val="35000"/>
+                  </a:schemeClr>
+                </a:solidFill>
+                <a:latin typeface="+mn-lt"/>
+                <a:ea typeface="+mn-ea"/>
+                <a:cs typeface="+mn-cs"/>
+              </a:defRPr>
+            </a:pPr>
+            <a:endParaRPr lang="ar-SA"/>
+          </a:p>
+        </c:txPr>
+        <c:crossAx val="820220752"/>
+        <c:crosses val="autoZero"/>
+        <c:auto val="1"/>
+        <c:lblAlgn val="ctr"/>
+        <c:lblOffset val="100"/>
+        <c:noMultiLvlLbl val="0"/>
+      </c:catAx>
+      <c:valAx>
+        <c:axId val="820220752"/>
+        <c:scaling>
+          <c:orientation val="minMax"/>
+        </c:scaling>
+        <c:delete val="0"/>
+        <c:axPos val="r"/>
+        <c:title>
+          <c:tx>
+            <c:rich>
+              <a:bodyPr rot="-5400000" spcFirstLastPara="1" vertOverflow="ellipsis" vert="horz" wrap="square" anchor="ctr" anchorCtr="1"/>
+              <a:lstStyle/>
+              <a:p>
+                <a:pPr>
+                  <a:defRPr sz="1000" b="0" i="0" u="none" strike="noStrike" kern="1200" baseline="0">
+                    <a:solidFill>
+                      <a:schemeClr val="tx1">
+                        <a:lumMod val="65000"/>
+                        <a:lumOff val="35000"/>
+                      </a:schemeClr>
+                    </a:solidFill>
+                    <a:latin typeface="+mn-lt"/>
+                    <a:ea typeface="+mn-ea"/>
+                    <a:cs typeface="+mn-cs"/>
+                  </a:defRPr>
+                </a:pPr>
+                <a:r>
+                  <a:rPr lang="ar-SA" sz="1000" b="0" i="0" u="none" strike="noStrike" kern="1200" baseline="0" dirty="0">
+                    <a:solidFill>
+                      <a:schemeClr val="tx1"/>
+                    </a:solidFill>
+                  </a:rPr>
+                  <a:t>عدد تصاريح الروضة للنساء</a:t>
+                </a:r>
+              </a:p>
+            </c:rich>
+          </c:tx>
+          <c:overlay val="0"/>
+          <c:spPr>
+            <a:noFill/>
+            <a:ln>
+              <a:noFill/>
+            </a:ln>
+            <a:effectLst/>
+          </c:spPr>
+          <c:txPr>
+            <a:bodyPr rot="-5400000" spcFirstLastPara="1" vertOverflow="ellipsis" vert="horz" wrap="square" anchor="ctr" anchorCtr="1"/>
+            <a:lstStyle/>
+            <a:p>
+              <a:pPr>
+                <a:defRPr sz="1000" b="0" i="0" u="none" strike="noStrike" kern="1200" baseline="0">
+                  <a:solidFill>
+                    <a:schemeClr val="tx1">
+                      <a:lumMod val="65000"/>
+                      <a:lumOff val="35000"/>
+                    </a:schemeClr>
+                  </a:solidFill>
+                  <a:latin typeface="+mn-lt"/>
+                  <a:ea typeface="+mn-ea"/>
+                  <a:cs typeface="+mn-cs"/>
+                </a:defRPr>
+              </a:pPr>
+              <a:endParaRPr lang="ar-SA"/>
+            </a:p>
+          </c:txPr>
+        </c:title>
+        <c:numFmt formatCode="General" sourceLinked="1"/>
+        <c:majorTickMark val="none"/>
+        <c:minorTickMark val="none"/>
+        <c:tickLblPos val="nextTo"/>
+        <c:spPr>
+          <a:noFill/>
+          <a:ln>
+            <a:noFill/>
+          </a:ln>
+          <a:effectLst/>
+        </c:spPr>
+        <c:txPr>
+          <a:bodyPr rot="-60000000" spcFirstLastPara="1" vertOverflow="ellipsis" vert="horz" wrap="square" anchor="ctr" anchorCtr="1"/>
+          <a:lstStyle/>
+          <a:p>
+            <a:pPr>
+              <a:defRPr sz="900" b="0" i="0" u="none" strike="noStrike" kern="1200" baseline="0">
+                <a:solidFill>
+                  <a:schemeClr val="tx1">
+                    <a:lumMod val="65000"/>
+                    <a:lumOff val="35000"/>
+                  </a:schemeClr>
+                </a:solidFill>
+                <a:latin typeface="+mn-lt"/>
+                <a:ea typeface="+mn-ea"/>
+                <a:cs typeface="+mn-cs"/>
+              </a:defRPr>
+            </a:pPr>
+            <a:endParaRPr lang="ar-SA"/>
+          </a:p>
+        </c:txPr>
+        <c:crossAx val="820672784"/>
+        <c:crosses val="autoZero"/>
+        <c:crossBetween val="between"/>
+      </c:valAx>
+      <c:spPr>
+        <a:noFill/>
+        <a:ln>
+          <a:noFill/>
+        </a:ln>
+        <a:effectLst/>
+      </c:spPr>
+    </c:plotArea>
+    <c:plotVisOnly val="1"/>
+    <c:dispBlanksAs val="gap"/>
+    <c:extLst>
+      <c:ext xmlns:c16r3="http://schemas.microsoft.com/office/drawing/2017/03/chart" uri="{56B9EC1D-385E-4148-901F-78D8002777C0}">
+        <c16r3:dataDisplayOptions16>
+          <c16r3:dispNaAsBlank val="1"/>
+        </c16r3:dataDisplayOptions16>
+      </c:ext>
+    </c:extLst>
+    <c:showDLblsOverMax val="0"/>
+  </c:chart>
+  <c:spPr>
+    <a:noFill/>
+    <a:ln>
+      <a:noFill/>
+    </a:ln>
+    <a:effectLst/>
+  </c:spPr>
+  <c:txPr>
+    <a:bodyPr/>
+    <a:lstStyle/>
+    <a:p>
+      <a:pPr>
+        <a:defRPr/>
+      </a:pPr>
+      <a:endParaRPr lang="ar-SA"/>
+    </a:p>
+  </c:txPr>
+  <c:externalData r:id="rId3">
+    <c:autoUpdate val="0"/>
+  </c:externalData>
+  <c:extLst>
+    <c:ext xmlns:c14="http://schemas.microsoft.com/office/drawing/2007/8/2/chart" uri="{781A3756-C4B2-4CAC-9D66-4F8BD8637D16}">
+      <c14:pivotOptions>
+        <c14:dropZoneFilter val="1"/>
+        <c14:dropZoneCategories val="1"/>
+        <c14:dropZoneData val="1"/>
+        <c14:dropZonesVisible val="1"/>
+      </c14:pivotOptions>
+    </c:ext>
+    <c:ext xmlns:c16="http://schemas.microsoft.com/office/drawing/2014/chart" uri="{E28EC0CA-F0BB-4C9C-879D-F8772B89E7AC}">
+      <c16:pivotOptions16>
+        <c16:showExpandCollapseFieldButtons val="1"/>
+      </c16:pivotOptions16>
+    </c:ext>
+  </c:extLst>
+</c:chartSpace>
+</file>
+
 <file path=ppt/charts/colors1.xml><?xml version="1.0" encoding="utf-8"?>
 <cs:colorStyle xmlns:cs="http://schemas.microsoft.com/office/drawing/2012/chartStyle" xmlns:a="http://schemas.openxmlformats.org/drawingml/2006/main" meth="withinLinear" id="16">
   <a:schemeClr val="accent3"/>
@@ -2500,6 +4829,24 @@
 </cs:colorStyle>
 </file>
 
+<file path=ppt/charts/colors5.xml><?xml version="1.0" encoding="utf-8"?>
+<cs:colorStyle xmlns:cs="http://schemas.microsoft.com/office/drawing/2012/chartStyle" xmlns:a="http://schemas.openxmlformats.org/drawingml/2006/main" meth="withinLinear" id="16">
+  <a:schemeClr val="accent3"/>
+</cs:colorStyle>
+</file>
+
+<file path=ppt/charts/colors6.xml><?xml version="1.0" encoding="utf-8"?>
+<cs:colorStyle xmlns:cs="http://schemas.microsoft.com/office/drawing/2012/chartStyle" xmlns:a="http://schemas.openxmlformats.org/drawingml/2006/main" meth="withinLinear" id="16">
+  <a:schemeClr val="accent3"/>
+</cs:colorStyle>
+</file>
+
+<file path=ppt/charts/colors7.xml><?xml version="1.0" encoding="utf-8"?>
+<cs:colorStyle xmlns:cs="http://schemas.microsoft.com/office/drawing/2012/chartStyle" xmlns:a="http://schemas.openxmlformats.org/drawingml/2006/main" meth="withinLinear" id="16">
+  <a:schemeClr val="accent3"/>
+</cs:colorStyle>
+</file>
+
 <file path=ppt/charts/style1.xml><?xml version="1.0" encoding="utf-8"?>
 <cs:chartStyle xmlns:cs="http://schemas.microsoft.com/office/drawing/2012/chartStyle" xmlns:a="http://schemas.openxmlformats.org/drawingml/2006/main" id="251">
   <cs:axisTitle>
@@ -4514,6 +6861,1531 @@
           </a:schemeClr>
         </a:solidFill>
         <a:round/>
+      </a:ln>
+    </cs:spPr>
+  </cs:upBar>
+  <cs:valueAxis>
+    <cs:lnRef idx="0"/>
+    <cs:fillRef idx="0"/>
+    <cs:effectRef idx="0"/>
+    <cs:fontRef idx="minor">
+      <a:schemeClr val="tx1">
+        <a:lumMod val="65000"/>
+        <a:lumOff val="35000"/>
+      </a:schemeClr>
+    </cs:fontRef>
+    <cs:defRPr sz="900" kern="1200"/>
+  </cs:valueAxis>
+  <cs:wall>
+    <cs:lnRef idx="0"/>
+    <cs:fillRef idx="0"/>
+    <cs:effectRef idx="0"/>
+    <cs:fontRef idx="minor">
+      <a:schemeClr val="tx1"/>
+    </cs:fontRef>
+    <cs:spPr>
+      <a:noFill/>
+      <a:ln>
+        <a:noFill/>
+      </a:ln>
+    </cs:spPr>
+  </cs:wall>
+</cs:chartStyle>
+</file>
+
+<file path=ppt/charts/style5.xml><?xml version="1.0" encoding="utf-8"?>
+<cs:chartStyle xmlns:cs="http://schemas.microsoft.com/office/drawing/2012/chartStyle" xmlns:a="http://schemas.openxmlformats.org/drawingml/2006/main" id="251">
+  <cs:axisTitle>
+    <cs:lnRef idx="0"/>
+    <cs:fillRef idx="0"/>
+    <cs:effectRef idx="0"/>
+    <cs:fontRef idx="minor">
+      <a:schemeClr val="tx1">
+        <a:lumMod val="65000"/>
+        <a:lumOff val="35000"/>
+      </a:schemeClr>
+    </cs:fontRef>
+    <cs:defRPr sz="1000" kern="1200"/>
+  </cs:axisTitle>
+  <cs:categoryAxis>
+    <cs:lnRef idx="0"/>
+    <cs:fillRef idx="0"/>
+    <cs:effectRef idx="0"/>
+    <cs:fontRef idx="minor">
+      <a:schemeClr val="tx1">
+        <a:lumMod val="65000"/>
+        <a:lumOff val="35000"/>
+      </a:schemeClr>
+    </cs:fontRef>
+    <cs:spPr>
+      <a:ln w="9525" cap="flat" cmpd="sng" algn="ctr">
+        <a:solidFill>
+          <a:schemeClr val="tx1">
+            <a:lumMod val="15000"/>
+            <a:lumOff val="85000"/>
+          </a:schemeClr>
+        </a:solidFill>
+        <a:round/>
+      </a:ln>
+    </cs:spPr>
+    <cs:defRPr sz="900" kern="1200"/>
+  </cs:categoryAxis>
+  <cs:chartArea mods="allowNoFillOverride allowNoLineOverride">
+    <cs:lnRef idx="0"/>
+    <cs:fillRef idx="0"/>
+    <cs:effectRef idx="0"/>
+    <cs:fontRef idx="minor">
+      <a:schemeClr val="tx1"/>
+    </cs:fontRef>
+    <cs:spPr>
+      <a:solidFill>
+        <a:schemeClr val="bg1"/>
+      </a:solidFill>
+      <a:ln w="9525" cap="flat" cmpd="sng" algn="ctr">
+        <a:solidFill>
+          <a:schemeClr val="tx1">
+            <a:lumMod val="15000"/>
+            <a:lumOff val="85000"/>
+          </a:schemeClr>
+        </a:solidFill>
+        <a:round/>
+      </a:ln>
+    </cs:spPr>
+    <cs:defRPr sz="900" kern="1200"/>
+  </cs:chartArea>
+  <cs:dataLabel>
+    <cs:lnRef idx="0"/>
+    <cs:fillRef idx="0"/>
+    <cs:effectRef idx="0"/>
+    <cs:fontRef idx="minor">
+      <a:schemeClr val="tx1">
+        <a:lumMod val="75000"/>
+        <a:lumOff val="25000"/>
+      </a:schemeClr>
+    </cs:fontRef>
+    <cs:defRPr sz="900" kern="1200"/>
+  </cs:dataLabel>
+  <cs:dataLabelCallout>
+    <cs:lnRef idx="0"/>
+    <cs:fillRef idx="0"/>
+    <cs:effectRef idx="0"/>
+    <cs:fontRef idx="minor">
+      <a:schemeClr val="dk1">
+        <a:lumMod val="65000"/>
+        <a:lumOff val="35000"/>
+      </a:schemeClr>
+    </cs:fontRef>
+    <cs:spPr>
+      <a:solidFill>
+        <a:schemeClr val="lt1"/>
+      </a:solidFill>
+      <a:ln>
+        <a:solidFill>
+          <a:schemeClr val="dk1">
+            <a:lumMod val="25000"/>
+            <a:lumOff val="75000"/>
+          </a:schemeClr>
+        </a:solidFill>
+      </a:ln>
+    </cs:spPr>
+    <cs:defRPr sz="900" kern="1200"/>
+    <cs:bodyPr rot="0" spcFirstLastPara="1" vertOverflow="clip" horzOverflow="clip" vert="horz" wrap="square" lIns="36576" tIns="18288" rIns="36576" bIns="18288" anchor="ctr" anchorCtr="1">
+      <a:spAutoFit/>
+    </cs:bodyPr>
+  </cs:dataLabelCallout>
+  <cs:dataPoint>
+    <cs:lnRef idx="0"/>
+    <cs:fillRef idx="1">
+      <cs:styleClr val="auto"/>
+    </cs:fillRef>
+    <cs:effectRef idx="0"/>
+    <cs:fontRef idx="minor">
+      <a:schemeClr val="tx1"/>
+    </cs:fontRef>
+    <cs:spPr>
+      <a:ln w="19050">
+        <a:solidFill>
+          <a:schemeClr val="lt1"/>
+        </a:solidFill>
+      </a:ln>
+    </cs:spPr>
+  </cs:dataPoint>
+  <cs:dataPoint3D>
+    <cs:lnRef idx="0"/>
+    <cs:fillRef idx="1">
+      <cs:styleClr val="auto"/>
+    </cs:fillRef>
+    <cs:effectRef idx="0"/>
+    <cs:fontRef idx="minor">
+      <a:schemeClr val="tx1"/>
+    </cs:fontRef>
+    <cs:spPr>
+      <a:ln w="25400">
+        <a:solidFill>
+          <a:schemeClr val="lt1"/>
+        </a:solidFill>
+      </a:ln>
+    </cs:spPr>
+  </cs:dataPoint3D>
+  <cs:dataPointLine>
+    <cs:lnRef idx="0">
+      <cs:styleClr val="auto"/>
+    </cs:lnRef>
+    <cs:fillRef idx="0"/>
+    <cs:effectRef idx="0"/>
+    <cs:fontRef idx="minor">
+      <a:schemeClr val="tx1"/>
+    </cs:fontRef>
+    <cs:spPr>
+      <a:ln w="28575" cap="rnd">
+        <a:solidFill>
+          <a:schemeClr val="phClr"/>
+        </a:solidFill>
+        <a:round/>
+      </a:ln>
+    </cs:spPr>
+  </cs:dataPointLine>
+  <cs:dataPointMarker>
+    <cs:lnRef idx="0">
+      <cs:styleClr val="auto"/>
+    </cs:lnRef>
+    <cs:fillRef idx="1">
+      <cs:styleClr val="auto"/>
+    </cs:fillRef>
+    <cs:effectRef idx="0"/>
+    <cs:fontRef idx="minor">
+      <a:schemeClr val="tx1"/>
+    </cs:fontRef>
+    <cs:spPr>
+      <a:ln w="9525">
+        <a:solidFill>
+          <a:schemeClr val="phClr"/>
+        </a:solidFill>
+      </a:ln>
+    </cs:spPr>
+  </cs:dataPointMarker>
+  <cs:dataPointMarkerLayout symbol="circle" size="5"/>
+  <cs:dataPointWireframe>
+    <cs:lnRef idx="0">
+      <cs:styleClr val="auto"/>
+    </cs:lnRef>
+    <cs:fillRef idx="0"/>
+    <cs:effectRef idx="0"/>
+    <cs:fontRef idx="minor">
+      <a:schemeClr val="tx1"/>
+    </cs:fontRef>
+    <cs:spPr>
+      <a:ln w="9525" cap="rnd">
+        <a:solidFill>
+          <a:schemeClr val="phClr"/>
+        </a:solidFill>
+        <a:round/>
+      </a:ln>
+    </cs:spPr>
+  </cs:dataPointWireframe>
+  <cs:dataTable>
+    <cs:lnRef idx="0"/>
+    <cs:fillRef idx="0"/>
+    <cs:effectRef idx="0"/>
+    <cs:fontRef idx="minor">
+      <a:schemeClr val="tx1">
+        <a:lumMod val="65000"/>
+        <a:lumOff val="35000"/>
+      </a:schemeClr>
+    </cs:fontRef>
+    <cs:spPr>
+      <a:noFill/>
+      <a:ln w="9525" cap="flat" cmpd="sng" algn="ctr">
+        <a:solidFill>
+          <a:schemeClr val="tx1">
+            <a:lumMod val="15000"/>
+            <a:lumOff val="85000"/>
+          </a:schemeClr>
+        </a:solidFill>
+        <a:round/>
+      </a:ln>
+    </cs:spPr>
+    <cs:defRPr sz="900" kern="1200"/>
+  </cs:dataTable>
+  <cs:downBar>
+    <cs:lnRef idx="0"/>
+    <cs:fillRef idx="0"/>
+    <cs:effectRef idx="0"/>
+    <cs:fontRef idx="minor">
+      <a:schemeClr val="tx1"/>
+    </cs:fontRef>
+    <cs:spPr>
+      <a:solidFill>
+        <a:schemeClr val="dk1">
+          <a:lumMod val="75000"/>
+          <a:lumOff val="25000"/>
+        </a:schemeClr>
+      </a:solidFill>
+      <a:ln w="9525" cap="flat" cmpd="sng" algn="ctr">
+        <a:solidFill>
+          <a:schemeClr val="tx1">
+            <a:lumMod val="65000"/>
+            <a:lumOff val="35000"/>
+          </a:schemeClr>
+        </a:solidFill>
+        <a:round/>
+      </a:ln>
+    </cs:spPr>
+  </cs:downBar>
+  <cs:dropLine>
+    <cs:lnRef idx="0"/>
+    <cs:fillRef idx="0"/>
+    <cs:effectRef idx="0"/>
+    <cs:fontRef idx="minor">
+      <a:schemeClr val="tx1"/>
+    </cs:fontRef>
+    <cs:spPr>
+      <a:ln w="9525" cap="flat" cmpd="sng" algn="ctr">
+        <a:solidFill>
+          <a:schemeClr val="tx1">
+            <a:lumMod val="35000"/>
+            <a:lumOff val="65000"/>
+          </a:schemeClr>
+        </a:solidFill>
+        <a:round/>
+      </a:ln>
+    </cs:spPr>
+  </cs:dropLine>
+  <cs:errorBar>
+    <cs:lnRef idx="0"/>
+    <cs:fillRef idx="0"/>
+    <cs:effectRef idx="0"/>
+    <cs:fontRef idx="minor">
+      <a:schemeClr val="tx1"/>
+    </cs:fontRef>
+    <cs:spPr>
+      <a:ln w="9525" cap="flat" cmpd="sng" algn="ctr">
+        <a:solidFill>
+          <a:schemeClr val="tx1">
+            <a:lumMod val="65000"/>
+            <a:lumOff val="35000"/>
+          </a:schemeClr>
+        </a:solidFill>
+        <a:round/>
+      </a:ln>
+    </cs:spPr>
+  </cs:errorBar>
+  <cs:floor>
+    <cs:lnRef idx="0"/>
+    <cs:fillRef idx="0"/>
+    <cs:effectRef idx="0"/>
+    <cs:fontRef idx="minor">
+      <a:schemeClr val="tx1"/>
+    </cs:fontRef>
+    <cs:spPr>
+      <a:noFill/>
+      <a:ln>
+        <a:noFill/>
+      </a:ln>
+    </cs:spPr>
+  </cs:floor>
+  <cs:gridlineMajor>
+    <cs:lnRef idx="0"/>
+    <cs:fillRef idx="0"/>
+    <cs:effectRef idx="0"/>
+    <cs:fontRef idx="minor">
+      <a:schemeClr val="tx1"/>
+    </cs:fontRef>
+    <cs:spPr>
+      <a:ln w="9525" cap="flat" cmpd="sng" algn="ctr">
+        <a:solidFill>
+          <a:schemeClr val="tx1">
+            <a:lumMod val="15000"/>
+            <a:lumOff val="85000"/>
+          </a:schemeClr>
+        </a:solidFill>
+        <a:round/>
+      </a:ln>
+    </cs:spPr>
+  </cs:gridlineMajor>
+  <cs:gridlineMinor>
+    <cs:lnRef idx="0"/>
+    <cs:fillRef idx="0"/>
+    <cs:effectRef idx="0"/>
+    <cs:fontRef idx="minor">
+      <a:schemeClr val="tx1"/>
+    </cs:fontRef>
+    <cs:spPr>
+      <a:ln w="9525" cap="flat" cmpd="sng" algn="ctr">
+        <a:solidFill>
+          <a:schemeClr val="tx1">
+            <a:lumMod val="5000"/>
+            <a:lumOff val="95000"/>
+          </a:schemeClr>
+        </a:solidFill>
+        <a:round/>
+      </a:ln>
+    </cs:spPr>
+  </cs:gridlineMinor>
+  <cs:hiLoLine>
+    <cs:lnRef idx="0"/>
+    <cs:fillRef idx="0"/>
+    <cs:effectRef idx="0"/>
+    <cs:fontRef idx="minor">
+      <a:schemeClr val="tx1"/>
+    </cs:fontRef>
+    <cs:spPr>
+      <a:ln w="9525" cap="flat" cmpd="sng" algn="ctr">
+        <a:solidFill>
+          <a:schemeClr val="tx1">
+            <a:lumMod val="50000"/>
+            <a:lumOff val="50000"/>
+          </a:schemeClr>
+        </a:solidFill>
+        <a:round/>
+      </a:ln>
+    </cs:spPr>
+  </cs:hiLoLine>
+  <cs:leaderLine>
+    <cs:lnRef idx="0"/>
+    <cs:fillRef idx="0"/>
+    <cs:effectRef idx="0"/>
+    <cs:fontRef idx="minor">
+      <a:schemeClr val="tx1"/>
+    </cs:fontRef>
+    <cs:spPr>
+      <a:ln w="9525" cap="flat" cmpd="sng" algn="ctr">
+        <a:solidFill>
+          <a:schemeClr val="tx1">
+            <a:lumMod val="35000"/>
+            <a:lumOff val="65000"/>
+          </a:schemeClr>
+        </a:solidFill>
+        <a:round/>
+      </a:ln>
+    </cs:spPr>
+  </cs:leaderLine>
+  <cs:legend>
+    <cs:lnRef idx="0"/>
+    <cs:fillRef idx="0"/>
+    <cs:effectRef idx="0"/>
+    <cs:fontRef idx="minor">
+      <a:schemeClr val="tx1">
+        <a:lumMod val="65000"/>
+        <a:lumOff val="35000"/>
+      </a:schemeClr>
+    </cs:fontRef>
+    <cs:defRPr sz="900" kern="1200"/>
+  </cs:legend>
+  <cs:plotArea mods="allowNoFillOverride allowNoLineOverride">
+    <cs:lnRef idx="0"/>
+    <cs:fillRef idx="0"/>
+    <cs:effectRef idx="0"/>
+    <cs:fontRef idx="minor">
+      <a:schemeClr val="tx1"/>
+    </cs:fontRef>
+  </cs:plotArea>
+  <cs:plotArea3D mods="allowNoFillOverride allowNoLineOverride">
+    <cs:lnRef idx="0"/>
+    <cs:fillRef idx="0"/>
+    <cs:effectRef idx="0"/>
+    <cs:fontRef idx="minor">
+      <a:schemeClr val="tx1"/>
+    </cs:fontRef>
+  </cs:plotArea3D>
+  <cs:seriesAxis>
+    <cs:lnRef idx="0"/>
+    <cs:fillRef idx="0"/>
+    <cs:effectRef idx="0"/>
+    <cs:fontRef idx="minor">
+      <a:schemeClr val="tx1">
+        <a:lumMod val="65000"/>
+        <a:lumOff val="35000"/>
+      </a:schemeClr>
+    </cs:fontRef>
+    <cs:defRPr sz="900" kern="1200"/>
+  </cs:seriesAxis>
+  <cs:seriesLine>
+    <cs:lnRef idx="0"/>
+    <cs:fillRef idx="0"/>
+    <cs:effectRef idx="0"/>
+    <cs:fontRef idx="minor">
+      <a:schemeClr val="tx1"/>
+    </cs:fontRef>
+    <cs:spPr>
+      <a:ln w="9525" cap="flat" cmpd="sng" algn="ctr">
+        <a:solidFill>
+          <a:schemeClr val="tx1">
+            <a:lumMod val="35000"/>
+            <a:lumOff val="65000"/>
+          </a:schemeClr>
+        </a:solidFill>
+        <a:round/>
+      </a:ln>
+    </cs:spPr>
+  </cs:seriesLine>
+  <cs:title>
+    <cs:lnRef idx="0"/>
+    <cs:fillRef idx="0"/>
+    <cs:effectRef idx="0"/>
+    <cs:fontRef idx="minor">
+      <a:schemeClr val="tx1">
+        <a:lumMod val="65000"/>
+        <a:lumOff val="35000"/>
+      </a:schemeClr>
+    </cs:fontRef>
+    <cs:defRPr sz="1400" b="0" kern="1200" spc="0" baseline="0"/>
+  </cs:title>
+  <cs:trendline>
+    <cs:lnRef idx="0">
+      <cs:styleClr val="auto"/>
+    </cs:lnRef>
+    <cs:fillRef idx="0"/>
+    <cs:effectRef idx="0"/>
+    <cs:fontRef idx="minor">
+      <a:schemeClr val="tx1"/>
+    </cs:fontRef>
+    <cs:spPr>
+      <a:ln w="19050" cap="rnd">
+        <a:solidFill>
+          <a:schemeClr val="phClr"/>
+        </a:solidFill>
+        <a:prstDash val="sysDot"/>
+      </a:ln>
+    </cs:spPr>
+  </cs:trendline>
+  <cs:trendlineLabel>
+    <cs:lnRef idx="0"/>
+    <cs:fillRef idx="0"/>
+    <cs:effectRef idx="0"/>
+    <cs:fontRef idx="minor">
+      <a:schemeClr val="tx1">
+        <a:lumMod val="65000"/>
+        <a:lumOff val="35000"/>
+      </a:schemeClr>
+    </cs:fontRef>
+    <cs:defRPr sz="900" kern="1200"/>
+  </cs:trendlineLabel>
+  <cs:upBar>
+    <cs:lnRef idx="0"/>
+    <cs:fillRef idx="0"/>
+    <cs:effectRef idx="0"/>
+    <cs:fontRef idx="minor">
+      <a:schemeClr val="tx1"/>
+    </cs:fontRef>
+    <cs:spPr>
+      <a:solidFill>
+        <a:schemeClr val="lt1"/>
+      </a:solidFill>
+      <a:ln w="9525" cap="flat" cmpd="sng" algn="ctr">
+        <a:solidFill>
+          <a:schemeClr val="tx1">
+            <a:lumMod val="65000"/>
+            <a:lumOff val="35000"/>
+          </a:schemeClr>
+        </a:solidFill>
+        <a:round/>
+      </a:ln>
+    </cs:spPr>
+  </cs:upBar>
+  <cs:valueAxis>
+    <cs:lnRef idx="0"/>
+    <cs:fillRef idx="0"/>
+    <cs:effectRef idx="0"/>
+    <cs:fontRef idx="minor">
+      <a:schemeClr val="tx1">
+        <a:lumMod val="65000"/>
+        <a:lumOff val="35000"/>
+      </a:schemeClr>
+    </cs:fontRef>
+    <cs:defRPr sz="900" kern="1200"/>
+  </cs:valueAxis>
+  <cs:wall>
+    <cs:lnRef idx="0"/>
+    <cs:fillRef idx="0"/>
+    <cs:effectRef idx="0"/>
+    <cs:fontRef idx="minor">
+      <a:schemeClr val="tx1"/>
+    </cs:fontRef>
+    <cs:spPr>
+      <a:noFill/>
+      <a:ln>
+        <a:noFill/>
+      </a:ln>
+    </cs:spPr>
+  </cs:wall>
+</cs:chartStyle>
+</file>
+
+<file path=ppt/charts/style6.xml><?xml version="1.0" encoding="utf-8"?>
+<cs:chartStyle xmlns:cs="http://schemas.microsoft.com/office/drawing/2012/chartStyle" xmlns:a="http://schemas.openxmlformats.org/drawingml/2006/main" id="201">
+  <cs:axisTitle>
+    <cs:lnRef idx="0"/>
+    <cs:fillRef idx="0"/>
+    <cs:effectRef idx="0"/>
+    <cs:fontRef idx="minor">
+      <a:schemeClr val="tx1">
+        <a:lumMod val="65000"/>
+        <a:lumOff val="35000"/>
+      </a:schemeClr>
+    </cs:fontRef>
+    <cs:defRPr sz="1000" kern="1200"/>
+  </cs:axisTitle>
+  <cs:categoryAxis>
+    <cs:lnRef idx="0"/>
+    <cs:fillRef idx="0"/>
+    <cs:effectRef idx="0"/>
+    <cs:fontRef idx="minor">
+      <a:schemeClr val="tx1">
+        <a:lumMod val="65000"/>
+        <a:lumOff val="35000"/>
+      </a:schemeClr>
+    </cs:fontRef>
+    <cs:spPr>
+      <a:ln w="9525" cap="flat" cmpd="sng" algn="ctr">
+        <a:solidFill>
+          <a:schemeClr val="tx1">
+            <a:lumMod val="15000"/>
+            <a:lumOff val="85000"/>
+          </a:schemeClr>
+        </a:solidFill>
+        <a:round/>
+      </a:ln>
+    </cs:spPr>
+    <cs:defRPr sz="900" kern="1200"/>
+  </cs:categoryAxis>
+  <cs:chartArea mods="allowNoFillOverride allowNoLineOverride">
+    <cs:lnRef idx="0"/>
+    <cs:fillRef idx="0"/>
+    <cs:effectRef idx="0"/>
+    <cs:fontRef idx="minor">
+      <a:schemeClr val="tx1"/>
+    </cs:fontRef>
+    <cs:spPr>
+      <a:solidFill>
+        <a:schemeClr val="bg1"/>
+      </a:solidFill>
+      <a:ln w="9525" cap="flat" cmpd="sng" algn="ctr">
+        <a:solidFill>
+          <a:schemeClr val="tx1">
+            <a:lumMod val="15000"/>
+            <a:lumOff val="85000"/>
+          </a:schemeClr>
+        </a:solidFill>
+        <a:round/>
+      </a:ln>
+    </cs:spPr>
+    <cs:defRPr sz="1000" kern="1200"/>
+  </cs:chartArea>
+  <cs:dataLabel>
+    <cs:lnRef idx="0"/>
+    <cs:fillRef idx="0"/>
+    <cs:effectRef idx="0"/>
+    <cs:fontRef idx="minor">
+      <a:schemeClr val="tx1">
+        <a:lumMod val="75000"/>
+        <a:lumOff val="25000"/>
+      </a:schemeClr>
+    </cs:fontRef>
+    <cs:defRPr sz="900" kern="1200"/>
+  </cs:dataLabel>
+  <cs:dataLabelCallout>
+    <cs:lnRef idx="0"/>
+    <cs:fillRef idx="0"/>
+    <cs:effectRef idx="0"/>
+    <cs:fontRef idx="minor">
+      <a:schemeClr val="dk1">
+        <a:lumMod val="65000"/>
+        <a:lumOff val="35000"/>
+      </a:schemeClr>
+    </cs:fontRef>
+    <cs:spPr>
+      <a:solidFill>
+        <a:schemeClr val="lt1"/>
+      </a:solidFill>
+      <a:ln>
+        <a:solidFill>
+          <a:schemeClr val="dk1">
+            <a:lumMod val="25000"/>
+            <a:lumOff val="75000"/>
+          </a:schemeClr>
+        </a:solidFill>
+      </a:ln>
+    </cs:spPr>
+    <cs:defRPr sz="900" kern="1200"/>
+    <cs:bodyPr rot="0" spcFirstLastPara="1" vertOverflow="clip" horzOverflow="clip" vert="horz" wrap="square" lIns="36576" tIns="18288" rIns="36576" bIns="18288" anchor="ctr" anchorCtr="1">
+      <a:spAutoFit/>
+    </cs:bodyPr>
+  </cs:dataLabelCallout>
+  <cs:dataPoint>
+    <cs:lnRef idx="0"/>
+    <cs:fillRef idx="1">
+      <cs:styleClr val="auto"/>
+    </cs:fillRef>
+    <cs:effectRef idx="0"/>
+    <cs:fontRef idx="minor">
+      <a:schemeClr val="tx1"/>
+    </cs:fontRef>
+  </cs:dataPoint>
+  <cs:dataPoint3D>
+    <cs:lnRef idx="0"/>
+    <cs:fillRef idx="1">
+      <cs:styleClr val="auto"/>
+    </cs:fillRef>
+    <cs:effectRef idx="0"/>
+    <cs:fontRef idx="minor">
+      <a:schemeClr val="tx1"/>
+    </cs:fontRef>
+  </cs:dataPoint3D>
+  <cs:dataPointLine>
+    <cs:lnRef idx="0">
+      <cs:styleClr val="auto"/>
+    </cs:lnRef>
+    <cs:fillRef idx="1"/>
+    <cs:effectRef idx="0"/>
+    <cs:fontRef idx="minor">
+      <a:schemeClr val="tx1"/>
+    </cs:fontRef>
+    <cs:spPr>
+      <a:ln w="28575" cap="rnd">
+        <a:solidFill>
+          <a:schemeClr val="phClr"/>
+        </a:solidFill>
+        <a:round/>
+      </a:ln>
+    </cs:spPr>
+  </cs:dataPointLine>
+  <cs:dataPointMarker>
+    <cs:lnRef idx="0">
+      <cs:styleClr val="auto"/>
+    </cs:lnRef>
+    <cs:fillRef idx="1">
+      <cs:styleClr val="auto"/>
+    </cs:fillRef>
+    <cs:effectRef idx="0"/>
+    <cs:fontRef idx="minor">
+      <a:schemeClr val="tx1"/>
+    </cs:fontRef>
+    <cs:spPr>
+      <a:ln w="9525">
+        <a:solidFill>
+          <a:schemeClr val="phClr"/>
+        </a:solidFill>
+      </a:ln>
+    </cs:spPr>
+  </cs:dataPointMarker>
+  <cs:dataPointMarkerLayout symbol="circle" size="5"/>
+  <cs:dataPointWireframe>
+    <cs:lnRef idx="0">
+      <cs:styleClr val="auto"/>
+    </cs:lnRef>
+    <cs:fillRef idx="1"/>
+    <cs:effectRef idx="0"/>
+    <cs:fontRef idx="minor">
+      <a:schemeClr val="tx1"/>
+    </cs:fontRef>
+    <cs:spPr>
+      <a:ln w="9525" cap="rnd">
+        <a:solidFill>
+          <a:schemeClr val="phClr"/>
+        </a:solidFill>
+        <a:round/>
+      </a:ln>
+    </cs:spPr>
+  </cs:dataPointWireframe>
+  <cs:dataTable>
+    <cs:lnRef idx="0"/>
+    <cs:fillRef idx="0"/>
+    <cs:effectRef idx="0"/>
+    <cs:fontRef idx="minor">
+      <a:schemeClr val="tx1">
+        <a:lumMod val="65000"/>
+        <a:lumOff val="35000"/>
+      </a:schemeClr>
+    </cs:fontRef>
+    <cs:spPr>
+      <a:noFill/>
+      <a:ln w="9525" cap="flat" cmpd="sng" algn="ctr">
+        <a:solidFill>
+          <a:schemeClr val="tx1">
+            <a:lumMod val="15000"/>
+            <a:lumOff val="85000"/>
+          </a:schemeClr>
+        </a:solidFill>
+        <a:round/>
+      </a:ln>
+    </cs:spPr>
+    <cs:defRPr sz="900" kern="1200"/>
+  </cs:dataTable>
+  <cs:downBar>
+    <cs:lnRef idx="0"/>
+    <cs:fillRef idx="0"/>
+    <cs:effectRef idx="0"/>
+    <cs:fontRef idx="minor">
+      <a:schemeClr val="dk1"/>
+    </cs:fontRef>
+    <cs:spPr>
+      <a:solidFill>
+        <a:schemeClr val="dk1">
+          <a:lumMod val="65000"/>
+          <a:lumOff val="35000"/>
+        </a:schemeClr>
+      </a:solidFill>
+      <a:ln w="9525">
+        <a:solidFill>
+          <a:schemeClr val="tx1">
+            <a:lumMod val="65000"/>
+            <a:lumOff val="35000"/>
+          </a:schemeClr>
+        </a:solidFill>
+      </a:ln>
+    </cs:spPr>
+  </cs:downBar>
+  <cs:dropLine>
+    <cs:lnRef idx="0"/>
+    <cs:fillRef idx="0"/>
+    <cs:effectRef idx="0"/>
+    <cs:fontRef idx="minor">
+      <a:schemeClr val="tx1"/>
+    </cs:fontRef>
+    <cs:spPr>
+      <a:ln w="9525" cap="flat" cmpd="sng" algn="ctr">
+        <a:solidFill>
+          <a:schemeClr val="tx1">
+            <a:lumMod val="35000"/>
+            <a:lumOff val="65000"/>
+          </a:schemeClr>
+        </a:solidFill>
+        <a:round/>
+      </a:ln>
+    </cs:spPr>
+  </cs:dropLine>
+  <cs:errorBar>
+    <cs:lnRef idx="0"/>
+    <cs:fillRef idx="0"/>
+    <cs:effectRef idx="0"/>
+    <cs:fontRef idx="minor">
+      <a:schemeClr val="tx1"/>
+    </cs:fontRef>
+    <cs:spPr>
+      <a:ln w="9525" cap="flat" cmpd="sng" algn="ctr">
+        <a:solidFill>
+          <a:schemeClr val="tx1">
+            <a:lumMod val="65000"/>
+            <a:lumOff val="35000"/>
+          </a:schemeClr>
+        </a:solidFill>
+        <a:round/>
+      </a:ln>
+    </cs:spPr>
+  </cs:errorBar>
+  <cs:floor>
+    <cs:lnRef idx="0"/>
+    <cs:fillRef idx="0"/>
+    <cs:effectRef idx="0"/>
+    <cs:fontRef idx="minor">
+      <a:schemeClr val="tx1"/>
+    </cs:fontRef>
+    <cs:spPr>
+      <a:noFill/>
+      <a:ln>
+        <a:noFill/>
+      </a:ln>
+    </cs:spPr>
+  </cs:floor>
+  <cs:gridlineMajor>
+    <cs:lnRef idx="0"/>
+    <cs:fillRef idx="0"/>
+    <cs:effectRef idx="0"/>
+    <cs:fontRef idx="minor">
+      <a:schemeClr val="tx1"/>
+    </cs:fontRef>
+    <cs:spPr>
+      <a:ln w="9525" cap="flat" cmpd="sng" algn="ctr">
+        <a:solidFill>
+          <a:schemeClr val="tx1">
+            <a:lumMod val="15000"/>
+            <a:lumOff val="85000"/>
+          </a:schemeClr>
+        </a:solidFill>
+        <a:round/>
+      </a:ln>
+    </cs:spPr>
+  </cs:gridlineMajor>
+  <cs:gridlineMinor>
+    <cs:lnRef idx="0"/>
+    <cs:fillRef idx="0"/>
+    <cs:effectRef idx="0"/>
+    <cs:fontRef idx="minor">
+      <a:schemeClr val="tx1"/>
+    </cs:fontRef>
+    <cs:spPr>
+      <a:ln w="9525" cap="flat" cmpd="sng" algn="ctr">
+        <a:solidFill>
+          <a:schemeClr val="tx1">
+            <a:lumMod val="5000"/>
+            <a:lumOff val="95000"/>
+          </a:schemeClr>
+        </a:solidFill>
+        <a:round/>
+      </a:ln>
+    </cs:spPr>
+  </cs:gridlineMinor>
+  <cs:hiLoLine>
+    <cs:lnRef idx="0"/>
+    <cs:fillRef idx="0"/>
+    <cs:effectRef idx="0"/>
+    <cs:fontRef idx="minor">
+      <a:schemeClr val="tx1"/>
+    </cs:fontRef>
+    <cs:spPr>
+      <a:ln w="9525" cap="flat" cmpd="sng" algn="ctr">
+        <a:solidFill>
+          <a:schemeClr val="tx1">
+            <a:lumMod val="75000"/>
+            <a:lumOff val="25000"/>
+          </a:schemeClr>
+        </a:solidFill>
+        <a:round/>
+      </a:ln>
+    </cs:spPr>
+  </cs:hiLoLine>
+  <cs:leaderLine>
+    <cs:lnRef idx="0"/>
+    <cs:fillRef idx="0"/>
+    <cs:effectRef idx="0"/>
+    <cs:fontRef idx="minor">
+      <a:schemeClr val="tx1"/>
+    </cs:fontRef>
+    <cs:spPr>
+      <a:ln w="9525" cap="flat" cmpd="sng" algn="ctr">
+        <a:solidFill>
+          <a:schemeClr val="tx1">
+            <a:lumMod val="35000"/>
+            <a:lumOff val="65000"/>
+          </a:schemeClr>
+        </a:solidFill>
+        <a:round/>
+      </a:ln>
+    </cs:spPr>
+  </cs:leaderLine>
+  <cs:legend>
+    <cs:lnRef idx="0"/>
+    <cs:fillRef idx="0"/>
+    <cs:effectRef idx="0"/>
+    <cs:fontRef idx="minor">
+      <a:schemeClr val="tx1">
+        <a:lumMod val="65000"/>
+        <a:lumOff val="35000"/>
+      </a:schemeClr>
+    </cs:fontRef>
+    <cs:defRPr sz="900" kern="1200"/>
+  </cs:legend>
+  <cs:plotArea mods="allowNoFillOverride allowNoLineOverride">
+    <cs:lnRef idx="0"/>
+    <cs:fillRef idx="0"/>
+    <cs:effectRef idx="0"/>
+    <cs:fontRef idx="minor">
+      <a:schemeClr val="tx1"/>
+    </cs:fontRef>
+  </cs:plotArea>
+  <cs:plotArea3D mods="allowNoFillOverride allowNoLineOverride">
+    <cs:lnRef idx="0"/>
+    <cs:fillRef idx="0"/>
+    <cs:effectRef idx="0"/>
+    <cs:fontRef idx="minor">
+      <a:schemeClr val="tx1"/>
+    </cs:fontRef>
+  </cs:plotArea3D>
+  <cs:seriesAxis>
+    <cs:lnRef idx="0"/>
+    <cs:fillRef idx="0"/>
+    <cs:effectRef idx="0"/>
+    <cs:fontRef idx="minor">
+      <a:schemeClr val="tx1">
+        <a:lumMod val="65000"/>
+        <a:lumOff val="35000"/>
+      </a:schemeClr>
+    </cs:fontRef>
+    <cs:defRPr sz="900" kern="1200"/>
+  </cs:seriesAxis>
+  <cs:seriesLine>
+    <cs:lnRef idx="0"/>
+    <cs:fillRef idx="0"/>
+    <cs:effectRef idx="0"/>
+    <cs:fontRef idx="minor">
+      <a:schemeClr val="tx1"/>
+    </cs:fontRef>
+    <cs:spPr>
+      <a:ln w="9525" cap="flat" cmpd="sng" algn="ctr">
+        <a:solidFill>
+          <a:schemeClr val="tx1">
+            <a:lumMod val="35000"/>
+            <a:lumOff val="65000"/>
+          </a:schemeClr>
+        </a:solidFill>
+        <a:round/>
+      </a:ln>
+    </cs:spPr>
+  </cs:seriesLine>
+  <cs:title>
+    <cs:lnRef idx="0"/>
+    <cs:fillRef idx="0"/>
+    <cs:effectRef idx="0"/>
+    <cs:fontRef idx="minor">
+      <a:schemeClr val="tx1">
+        <a:lumMod val="65000"/>
+        <a:lumOff val="35000"/>
+      </a:schemeClr>
+    </cs:fontRef>
+    <cs:defRPr sz="1400" b="0" kern="1200" spc="0" baseline="0"/>
+  </cs:title>
+  <cs:trendline>
+    <cs:lnRef idx="0">
+      <cs:styleClr val="auto"/>
+    </cs:lnRef>
+    <cs:fillRef idx="0"/>
+    <cs:effectRef idx="0"/>
+    <cs:fontRef idx="minor">
+      <a:schemeClr val="tx1"/>
+    </cs:fontRef>
+    <cs:spPr>
+      <a:ln w="19050" cap="rnd">
+        <a:solidFill>
+          <a:schemeClr val="phClr"/>
+        </a:solidFill>
+        <a:prstDash val="sysDot"/>
+      </a:ln>
+    </cs:spPr>
+  </cs:trendline>
+  <cs:trendlineLabel>
+    <cs:lnRef idx="0"/>
+    <cs:fillRef idx="0"/>
+    <cs:effectRef idx="0"/>
+    <cs:fontRef idx="minor">
+      <a:schemeClr val="tx1">
+        <a:lumMod val="65000"/>
+        <a:lumOff val="35000"/>
+      </a:schemeClr>
+    </cs:fontRef>
+    <cs:defRPr sz="900" kern="1200"/>
+  </cs:trendlineLabel>
+  <cs:upBar>
+    <cs:lnRef idx="0"/>
+    <cs:fillRef idx="0"/>
+    <cs:effectRef idx="0"/>
+    <cs:fontRef idx="minor">
+      <a:schemeClr val="dk1"/>
+    </cs:fontRef>
+    <cs:spPr>
+      <a:solidFill>
+        <a:schemeClr val="lt1"/>
+      </a:solidFill>
+      <a:ln w="9525">
+        <a:solidFill>
+          <a:schemeClr val="tx1">
+            <a:lumMod val="15000"/>
+            <a:lumOff val="85000"/>
+          </a:schemeClr>
+        </a:solidFill>
+      </a:ln>
+    </cs:spPr>
+  </cs:upBar>
+  <cs:valueAxis>
+    <cs:lnRef idx="0"/>
+    <cs:fillRef idx="0"/>
+    <cs:effectRef idx="0"/>
+    <cs:fontRef idx="minor">
+      <a:schemeClr val="tx1">
+        <a:lumMod val="65000"/>
+        <a:lumOff val="35000"/>
+      </a:schemeClr>
+    </cs:fontRef>
+    <cs:defRPr sz="900" kern="1200"/>
+  </cs:valueAxis>
+  <cs:wall>
+    <cs:lnRef idx="0"/>
+    <cs:fillRef idx="0"/>
+    <cs:effectRef idx="0"/>
+    <cs:fontRef idx="minor">
+      <a:schemeClr val="tx1"/>
+    </cs:fontRef>
+    <cs:spPr>
+      <a:noFill/>
+      <a:ln>
+        <a:noFill/>
+      </a:ln>
+    </cs:spPr>
+  </cs:wall>
+</cs:chartStyle>
+</file>
+
+<file path=ppt/charts/style7.xml><?xml version="1.0" encoding="utf-8"?>
+<cs:chartStyle xmlns:cs="http://schemas.microsoft.com/office/drawing/2012/chartStyle" xmlns:a="http://schemas.openxmlformats.org/drawingml/2006/main" id="201">
+  <cs:axisTitle>
+    <cs:lnRef idx="0"/>
+    <cs:fillRef idx="0"/>
+    <cs:effectRef idx="0"/>
+    <cs:fontRef idx="minor">
+      <a:schemeClr val="tx1">
+        <a:lumMod val="65000"/>
+        <a:lumOff val="35000"/>
+      </a:schemeClr>
+    </cs:fontRef>
+    <cs:defRPr sz="1000" kern="1200"/>
+  </cs:axisTitle>
+  <cs:categoryAxis>
+    <cs:lnRef idx="0"/>
+    <cs:fillRef idx="0"/>
+    <cs:effectRef idx="0"/>
+    <cs:fontRef idx="minor">
+      <a:schemeClr val="tx1">
+        <a:lumMod val="65000"/>
+        <a:lumOff val="35000"/>
+      </a:schemeClr>
+    </cs:fontRef>
+    <cs:spPr>
+      <a:ln w="9525" cap="flat" cmpd="sng" algn="ctr">
+        <a:solidFill>
+          <a:schemeClr val="tx1">
+            <a:lumMod val="15000"/>
+            <a:lumOff val="85000"/>
+          </a:schemeClr>
+        </a:solidFill>
+        <a:round/>
+      </a:ln>
+    </cs:spPr>
+    <cs:defRPr sz="900" kern="1200"/>
+  </cs:categoryAxis>
+  <cs:chartArea mods="allowNoFillOverride allowNoLineOverride">
+    <cs:lnRef idx="0"/>
+    <cs:fillRef idx="0"/>
+    <cs:effectRef idx="0"/>
+    <cs:fontRef idx="minor">
+      <a:schemeClr val="tx1"/>
+    </cs:fontRef>
+    <cs:spPr>
+      <a:solidFill>
+        <a:schemeClr val="bg1"/>
+      </a:solidFill>
+      <a:ln w="9525" cap="flat" cmpd="sng" algn="ctr">
+        <a:solidFill>
+          <a:schemeClr val="tx1">
+            <a:lumMod val="15000"/>
+            <a:lumOff val="85000"/>
+          </a:schemeClr>
+        </a:solidFill>
+        <a:round/>
+      </a:ln>
+    </cs:spPr>
+    <cs:defRPr sz="1000" kern="1200"/>
+  </cs:chartArea>
+  <cs:dataLabel>
+    <cs:lnRef idx="0"/>
+    <cs:fillRef idx="0"/>
+    <cs:effectRef idx="0"/>
+    <cs:fontRef idx="minor">
+      <a:schemeClr val="tx1">
+        <a:lumMod val="75000"/>
+        <a:lumOff val="25000"/>
+      </a:schemeClr>
+    </cs:fontRef>
+    <cs:defRPr sz="900" kern="1200"/>
+  </cs:dataLabel>
+  <cs:dataLabelCallout>
+    <cs:lnRef idx="0"/>
+    <cs:fillRef idx="0"/>
+    <cs:effectRef idx="0"/>
+    <cs:fontRef idx="minor">
+      <a:schemeClr val="dk1">
+        <a:lumMod val="65000"/>
+        <a:lumOff val="35000"/>
+      </a:schemeClr>
+    </cs:fontRef>
+    <cs:spPr>
+      <a:solidFill>
+        <a:schemeClr val="lt1"/>
+      </a:solidFill>
+      <a:ln>
+        <a:solidFill>
+          <a:schemeClr val="dk1">
+            <a:lumMod val="25000"/>
+            <a:lumOff val="75000"/>
+          </a:schemeClr>
+        </a:solidFill>
+      </a:ln>
+    </cs:spPr>
+    <cs:defRPr sz="900" kern="1200"/>
+    <cs:bodyPr rot="0" spcFirstLastPara="1" vertOverflow="clip" horzOverflow="clip" vert="horz" wrap="square" lIns="36576" tIns="18288" rIns="36576" bIns="18288" anchor="ctr" anchorCtr="1">
+      <a:spAutoFit/>
+    </cs:bodyPr>
+  </cs:dataLabelCallout>
+  <cs:dataPoint>
+    <cs:lnRef idx="0"/>
+    <cs:fillRef idx="1">
+      <cs:styleClr val="auto"/>
+    </cs:fillRef>
+    <cs:effectRef idx="0"/>
+    <cs:fontRef idx="minor">
+      <a:schemeClr val="tx1"/>
+    </cs:fontRef>
+  </cs:dataPoint>
+  <cs:dataPoint3D>
+    <cs:lnRef idx="0"/>
+    <cs:fillRef idx="1">
+      <cs:styleClr val="auto"/>
+    </cs:fillRef>
+    <cs:effectRef idx="0"/>
+    <cs:fontRef idx="minor">
+      <a:schemeClr val="tx1"/>
+    </cs:fontRef>
+  </cs:dataPoint3D>
+  <cs:dataPointLine>
+    <cs:lnRef idx="0">
+      <cs:styleClr val="auto"/>
+    </cs:lnRef>
+    <cs:fillRef idx="1"/>
+    <cs:effectRef idx="0"/>
+    <cs:fontRef idx="minor">
+      <a:schemeClr val="tx1"/>
+    </cs:fontRef>
+    <cs:spPr>
+      <a:ln w="28575" cap="rnd">
+        <a:solidFill>
+          <a:schemeClr val="phClr"/>
+        </a:solidFill>
+        <a:round/>
+      </a:ln>
+    </cs:spPr>
+  </cs:dataPointLine>
+  <cs:dataPointMarker>
+    <cs:lnRef idx="0">
+      <cs:styleClr val="auto"/>
+    </cs:lnRef>
+    <cs:fillRef idx="1">
+      <cs:styleClr val="auto"/>
+    </cs:fillRef>
+    <cs:effectRef idx="0"/>
+    <cs:fontRef idx="minor">
+      <a:schemeClr val="tx1"/>
+    </cs:fontRef>
+    <cs:spPr>
+      <a:ln w="9525">
+        <a:solidFill>
+          <a:schemeClr val="phClr"/>
+        </a:solidFill>
+      </a:ln>
+    </cs:spPr>
+  </cs:dataPointMarker>
+  <cs:dataPointMarkerLayout symbol="circle" size="5"/>
+  <cs:dataPointWireframe>
+    <cs:lnRef idx="0">
+      <cs:styleClr val="auto"/>
+    </cs:lnRef>
+    <cs:fillRef idx="1"/>
+    <cs:effectRef idx="0"/>
+    <cs:fontRef idx="minor">
+      <a:schemeClr val="tx1"/>
+    </cs:fontRef>
+    <cs:spPr>
+      <a:ln w="9525" cap="rnd">
+        <a:solidFill>
+          <a:schemeClr val="phClr"/>
+        </a:solidFill>
+        <a:round/>
+      </a:ln>
+    </cs:spPr>
+  </cs:dataPointWireframe>
+  <cs:dataTable>
+    <cs:lnRef idx="0"/>
+    <cs:fillRef idx="0"/>
+    <cs:effectRef idx="0"/>
+    <cs:fontRef idx="minor">
+      <a:schemeClr val="tx1">
+        <a:lumMod val="65000"/>
+        <a:lumOff val="35000"/>
+      </a:schemeClr>
+    </cs:fontRef>
+    <cs:spPr>
+      <a:noFill/>
+      <a:ln w="9525" cap="flat" cmpd="sng" algn="ctr">
+        <a:solidFill>
+          <a:schemeClr val="tx1">
+            <a:lumMod val="15000"/>
+            <a:lumOff val="85000"/>
+          </a:schemeClr>
+        </a:solidFill>
+        <a:round/>
+      </a:ln>
+    </cs:spPr>
+    <cs:defRPr sz="900" kern="1200"/>
+  </cs:dataTable>
+  <cs:downBar>
+    <cs:lnRef idx="0"/>
+    <cs:fillRef idx="0"/>
+    <cs:effectRef idx="0"/>
+    <cs:fontRef idx="minor">
+      <a:schemeClr val="dk1"/>
+    </cs:fontRef>
+    <cs:spPr>
+      <a:solidFill>
+        <a:schemeClr val="dk1">
+          <a:lumMod val="65000"/>
+          <a:lumOff val="35000"/>
+        </a:schemeClr>
+      </a:solidFill>
+      <a:ln w="9525">
+        <a:solidFill>
+          <a:schemeClr val="tx1">
+            <a:lumMod val="65000"/>
+            <a:lumOff val="35000"/>
+          </a:schemeClr>
+        </a:solidFill>
+      </a:ln>
+    </cs:spPr>
+  </cs:downBar>
+  <cs:dropLine>
+    <cs:lnRef idx="0"/>
+    <cs:fillRef idx="0"/>
+    <cs:effectRef idx="0"/>
+    <cs:fontRef idx="minor">
+      <a:schemeClr val="tx1"/>
+    </cs:fontRef>
+    <cs:spPr>
+      <a:ln w="9525" cap="flat" cmpd="sng" algn="ctr">
+        <a:solidFill>
+          <a:schemeClr val="tx1">
+            <a:lumMod val="35000"/>
+            <a:lumOff val="65000"/>
+          </a:schemeClr>
+        </a:solidFill>
+        <a:round/>
+      </a:ln>
+    </cs:spPr>
+  </cs:dropLine>
+  <cs:errorBar>
+    <cs:lnRef idx="0"/>
+    <cs:fillRef idx="0"/>
+    <cs:effectRef idx="0"/>
+    <cs:fontRef idx="minor">
+      <a:schemeClr val="tx1"/>
+    </cs:fontRef>
+    <cs:spPr>
+      <a:ln w="9525" cap="flat" cmpd="sng" algn="ctr">
+        <a:solidFill>
+          <a:schemeClr val="tx1">
+            <a:lumMod val="65000"/>
+            <a:lumOff val="35000"/>
+          </a:schemeClr>
+        </a:solidFill>
+        <a:round/>
+      </a:ln>
+    </cs:spPr>
+  </cs:errorBar>
+  <cs:floor>
+    <cs:lnRef idx="0"/>
+    <cs:fillRef idx="0"/>
+    <cs:effectRef idx="0"/>
+    <cs:fontRef idx="minor">
+      <a:schemeClr val="tx1"/>
+    </cs:fontRef>
+    <cs:spPr>
+      <a:noFill/>
+      <a:ln>
+        <a:noFill/>
+      </a:ln>
+    </cs:spPr>
+  </cs:floor>
+  <cs:gridlineMajor>
+    <cs:lnRef idx="0"/>
+    <cs:fillRef idx="0"/>
+    <cs:effectRef idx="0"/>
+    <cs:fontRef idx="minor">
+      <a:schemeClr val="tx1"/>
+    </cs:fontRef>
+    <cs:spPr>
+      <a:ln w="9525" cap="flat" cmpd="sng" algn="ctr">
+        <a:solidFill>
+          <a:schemeClr val="tx1">
+            <a:lumMod val="15000"/>
+            <a:lumOff val="85000"/>
+          </a:schemeClr>
+        </a:solidFill>
+        <a:round/>
+      </a:ln>
+    </cs:spPr>
+  </cs:gridlineMajor>
+  <cs:gridlineMinor>
+    <cs:lnRef idx="0"/>
+    <cs:fillRef idx="0"/>
+    <cs:effectRef idx="0"/>
+    <cs:fontRef idx="minor">
+      <a:schemeClr val="tx1"/>
+    </cs:fontRef>
+    <cs:spPr>
+      <a:ln w="9525" cap="flat" cmpd="sng" algn="ctr">
+        <a:solidFill>
+          <a:schemeClr val="tx1">
+            <a:lumMod val="5000"/>
+            <a:lumOff val="95000"/>
+          </a:schemeClr>
+        </a:solidFill>
+        <a:round/>
+      </a:ln>
+    </cs:spPr>
+  </cs:gridlineMinor>
+  <cs:hiLoLine>
+    <cs:lnRef idx="0"/>
+    <cs:fillRef idx="0"/>
+    <cs:effectRef idx="0"/>
+    <cs:fontRef idx="minor">
+      <a:schemeClr val="tx1"/>
+    </cs:fontRef>
+    <cs:spPr>
+      <a:ln w="9525" cap="flat" cmpd="sng" algn="ctr">
+        <a:solidFill>
+          <a:schemeClr val="tx1">
+            <a:lumMod val="75000"/>
+            <a:lumOff val="25000"/>
+          </a:schemeClr>
+        </a:solidFill>
+        <a:round/>
+      </a:ln>
+    </cs:spPr>
+  </cs:hiLoLine>
+  <cs:leaderLine>
+    <cs:lnRef idx="0"/>
+    <cs:fillRef idx="0"/>
+    <cs:effectRef idx="0"/>
+    <cs:fontRef idx="minor">
+      <a:schemeClr val="tx1"/>
+    </cs:fontRef>
+    <cs:spPr>
+      <a:ln w="9525" cap="flat" cmpd="sng" algn="ctr">
+        <a:solidFill>
+          <a:schemeClr val="tx1">
+            <a:lumMod val="35000"/>
+            <a:lumOff val="65000"/>
+          </a:schemeClr>
+        </a:solidFill>
+        <a:round/>
+      </a:ln>
+    </cs:spPr>
+  </cs:leaderLine>
+  <cs:legend>
+    <cs:lnRef idx="0"/>
+    <cs:fillRef idx="0"/>
+    <cs:effectRef idx="0"/>
+    <cs:fontRef idx="minor">
+      <a:schemeClr val="tx1">
+        <a:lumMod val="65000"/>
+        <a:lumOff val="35000"/>
+      </a:schemeClr>
+    </cs:fontRef>
+    <cs:defRPr sz="900" kern="1200"/>
+  </cs:legend>
+  <cs:plotArea mods="allowNoFillOverride allowNoLineOverride">
+    <cs:lnRef idx="0"/>
+    <cs:fillRef idx="0"/>
+    <cs:effectRef idx="0"/>
+    <cs:fontRef idx="minor">
+      <a:schemeClr val="tx1"/>
+    </cs:fontRef>
+  </cs:plotArea>
+  <cs:plotArea3D mods="allowNoFillOverride allowNoLineOverride">
+    <cs:lnRef idx="0"/>
+    <cs:fillRef idx="0"/>
+    <cs:effectRef idx="0"/>
+    <cs:fontRef idx="minor">
+      <a:schemeClr val="tx1"/>
+    </cs:fontRef>
+  </cs:plotArea3D>
+  <cs:seriesAxis>
+    <cs:lnRef idx="0"/>
+    <cs:fillRef idx="0"/>
+    <cs:effectRef idx="0"/>
+    <cs:fontRef idx="minor">
+      <a:schemeClr val="tx1">
+        <a:lumMod val="65000"/>
+        <a:lumOff val="35000"/>
+      </a:schemeClr>
+    </cs:fontRef>
+    <cs:defRPr sz="900" kern="1200"/>
+  </cs:seriesAxis>
+  <cs:seriesLine>
+    <cs:lnRef idx="0"/>
+    <cs:fillRef idx="0"/>
+    <cs:effectRef idx="0"/>
+    <cs:fontRef idx="minor">
+      <a:schemeClr val="tx1"/>
+    </cs:fontRef>
+    <cs:spPr>
+      <a:ln w="9525" cap="flat" cmpd="sng" algn="ctr">
+        <a:solidFill>
+          <a:schemeClr val="tx1">
+            <a:lumMod val="35000"/>
+            <a:lumOff val="65000"/>
+          </a:schemeClr>
+        </a:solidFill>
+        <a:round/>
+      </a:ln>
+    </cs:spPr>
+  </cs:seriesLine>
+  <cs:title>
+    <cs:lnRef idx="0"/>
+    <cs:fillRef idx="0"/>
+    <cs:effectRef idx="0"/>
+    <cs:fontRef idx="minor">
+      <a:schemeClr val="tx1">
+        <a:lumMod val="65000"/>
+        <a:lumOff val="35000"/>
+      </a:schemeClr>
+    </cs:fontRef>
+    <cs:defRPr sz="1400" b="0" kern="1200" spc="0" baseline="0"/>
+  </cs:title>
+  <cs:trendline>
+    <cs:lnRef idx="0">
+      <cs:styleClr val="auto"/>
+    </cs:lnRef>
+    <cs:fillRef idx="0"/>
+    <cs:effectRef idx="0"/>
+    <cs:fontRef idx="minor">
+      <a:schemeClr val="tx1"/>
+    </cs:fontRef>
+    <cs:spPr>
+      <a:ln w="19050" cap="rnd">
+        <a:solidFill>
+          <a:schemeClr val="phClr"/>
+        </a:solidFill>
+        <a:prstDash val="sysDot"/>
+      </a:ln>
+    </cs:spPr>
+  </cs:trendline>
+  <cs:trendlineLabel>
+    <cs:lnRef idx="0"/>
+    <cs:fillRef idx="0"/>
+    <cs:effectRef idx="0"/>
+    <cs:fontRef idx="minor">
+      <a:schemeClr val="tx1">
+        <a:lumMod val="65000"/>
+        <a:lumOff val="35000"/>
+      </a:schemeClr>
+    </cs:fontRef>
+    <cs:defRPr sz="900" kern="1200"/>
+  </cs:trendlineLabel>
+  <cs:upBar>
+    <cs:lnRef idx="0"/>
+    <cs:fillRef idx="0"/>
+    <cs:effectRef idx="0"/>
+    <cs:fontRef idx="minor">
+      <a:schemeClr val="dk1"/>
+    </cs:fontRef>
+    <cs:spPr>
+      <a:solidFill>
+        <a:schemeClr val="lt1"/>
+      </a:solidFill>
+      <a:ln w="9525">
+        <a:solidFill>
+          <a:schemeClr val="tx1">
+            <a:lumMod val="15000"/>
+            <a:lumOff val="85000"/>
+          </a:schemeClr>
+        </a:solidFill>
       </a:ln>
     </cs:spPr>
   </cs:upBar>
@@ -4690,7 +8562,7 @@
           <a:p>
             <a:fld id="{2395C5C9-164C-46B3-A87E-7660D39D3106}" type="datetime2">
               <a:rPr lang="en-US" smtClean="0"/>
-              <a:t>Monday, September 25, 2023</a:t>
+              <a:t>Friday, September 29, 2023</a:t>
             </a:fld>
             <a:endParaRPr lang="en-US" dirty="0"/>
           </a:p>
@@ -4893,7 +8765,7 @@
           <a:p>
             <a:fld id="{5B75179A-1E2B-41AB-B400-4F1B4022FAEE}" type="datetime2">
               <a:rPr lang="en-US" smtClean="0"/>
-              <a:t>Monday, September 25, 2023</a:t>
+              <a:t>Friday, September 29, 2023</a:t>
             </a:fld>
             <a:endParaRPr lang="en-US"/>
           </a:p>
@@ -5106,7 +8978,7 @@
           <a:p>
             <a:fld id="{05681D0F-6595-4F14-8EF3-954CD87C797B}" type="datetime2">
               <a:rPr lang="en-US" smtClean="0"/>
-              <a:t>Monday, September 25, 2023</a:t>
+              <a:t>Friday, September 29, 2023</a:t>
             </a:fld>
             <a:endParaRPr lang="en-US"/>
           </a:p>
@@ -5308,7 +9180,7 @@
           <a:p>
             <a:fld id="{4DDCFF8A-AAF8-4A12-8A91-9CA0EAF6CBB9}" type="datetime2">
               <a:rPr lang="en-US" smtClean="0"/>
-              <a:t>Monday, September 25, 2023</a:t>
+              <a:t>Friday, September 29, 2023</a:t>
             </a:fld>
             <a:endParaRPr lang="en-US" dirty="0"/>
           </a:p>
@@ -5587,7 +9459,7 @@
           <a:p>
             <a:fld id="{ABCC25C3-021A-4B0B-8F70-0C181FE1CF45}" type="datetime2">
               <a:rPr lang="en-US" smtClean="0"/>
-              <a:t>Monday, September 25, 2023</a:t>
+              <a:t>Friday, September 29, 2023</a:t>
             </a:fld>
             <a:endParaRPr lang="en-US"/>
           </a:p>
@@ -5847,7 +9719,7 @@
           <a:p>
             <a:fld id="{0C23D88D-8CEC-4ED9-A53B-5596187D9A16}" type="datetime2">
               <a:rPr lang="en-US" smtClean="0"/>
-              <a:t>Monday, September 25, 2023</a:t>
+              <a:t>Friday, September 29, 2023</a:t>
             </a:fld>
             <a:endParaRPr lang="en-US"/>
           </a:p>
@@ -6263,7 +10135,7 @@
           <a:p>
             <a:fld id="{D2CCD382-DFDA-4722-A27A-59C21AD112F2}" type="datetime2">
               <a:rPr lang="en-US" smtClean="0"/>
-              <a:t>Monday, September 25, 2023</a:t>
+              <a:t>Friday, September 29, 2023</a:t>
             </a:fld>
             <a:endParaRPr lang="en-US"/>
           </a:p>
@@ -6408,7 +10280,7 @@
           <a:p>
             <a:fld id="{22F2A30D-1C09-413F-AAB1-38F366000715}" type="datetime2">
               <a:rPr lang="en-US" smtClean="0"/>
-              <a:t>Monday, September 25, 2023</a:t>
+              <a:t>Friday, September 29, 2023</a:t>
             </a:fld>
             <a:endParaRPr lang="en-US"/>
           </a:p>
@@ -6530,7 +10402,7 @@
           <a:p>
             <a:fld id="{6DB82B9C-D65E-4F64-95C3-B10F3B00F0D9}" type="datetime2">
               <a:rPr lang="en-US" smtClean="0"/>
-              <a:t>Monday, September 25, 2023</a:t>
+              <a:t>Friday, September 29, 2023</a:t>
             </a:fld>
             <a:endParaRPr lang="en-US"/>
           </a:p>
@@ -6853,7 +10725,7 @@
           <a:p>
             <a:fld id="{B7F5FDCC-6AAC-4A08-B9E0-3793AB5E64C3}" type="datetime2">
               <a:rPr lang="en-US" smtClean="0"/>
-              <a:t>Monday, September 25, 2023</a:t>
+              <a:t>Friday, September 29, 2023</a:t>
             </a:fld>
             <a:endParaRPr lang="en-US"/>
           </a:p>
@@ -7141,7 +11013,7 @@
           <a:p>
             <a:fld id="{349FE94D-439C-40F1-900E-BC07940E3988}" type="datetime2">
               <a:rPr lang="en-US" smtClean="0"/>
-              <a:t>Monday, September 25, 2023</a:t>
+              <a:t>Friday, September 29, 2023</a:t>
             </a:fld>
             <a:endParaRPr lang="en-US"/>
           </a:p>
@@ -7425,7 +11297,7 @@
           <a:p>
             <a:fld id="{8DEA2CF1-0EB2-4673-802D-3371233E4A77}" type="datetime2">
               <a:rPr lang="en-US" smtClean="0"/>
-              <a:t>Monday, September 25, 2023</a:t>
+              <a:t>Friday, September 29, 2023</a:t>
             </a:fld>
             <a:endParaRPr lang="en-US" dirty="0"/>
           </a:p>
@@ -8112,7 +11984,3020 @@
 </p:sld>
 </file>
 
+<file path=ppt/slides/slide10.xml><?xml version="1.0" encoding="utf-8"?>
+<p:sld xmlns:a="http://schemas.openxmlformats.org/drawingml/2006/main" xmlns:r="http://schemas.openxmlformats.org/officeDocument/2006/relationships" xmlns:p="http://schemas.openxmlformats.org/presentationml/2006/main">
+  <p:cSld>
+    <p:bg>
+      <p:bgPr>
+        <a:solidFill>
+          <a:schemeClr val="bg2"/>
+        </a:solidFill>
+        <a:effectLst/>
+      </p:bgPr>
+    </p:bg>
+    <p:spTree>
+      <p:nvGrpSpPr>
+        <p:cNvPr id="1" name=""/>
+        <p:cNvGrpSpPr/>
+        <p:nvPr/>
+      </p:nvGrpSpPr>
+      <p:grpSpPr>
+        <a:xfrm>
+          <a:off x="0" y="0"/>
+          <a:ext cx="0" cy="0"/>
+          <a:chOff x="0" y="0"/>
+          <a:chExt cx="0" cy="0"/>
+        </a:xfrm>
+      </p:grpSpPr>
+      <p:sp useBgFill="1">
+        <p:nvSpPr>
+          <p:cNvPr id="10" name="Rectangle 9">
+            <a:extLst>
+              <a:ext uri="{FF2B5EF4-FFF2-40B4-BE49-F238E27FC236}">
+                <a16:creationId xmlns:a16="http://schemas.microsoft.com/office/drawing/2014/main" id="{2BFB0E95-9CAE-4968-A118-2B9F7C8BBBEC}"/>
+              </a:ext>
+              <a:ext uri="{C183D7F6-B498-43B3-948B-1728B52AA6E4}">
+                <adec:decorative xmlns:adec="http://schemas.microsoft.com/office/drawing/2017/decorative" val="1"/>
+              </a:ext>
+            </a:extLst>
+          </p:cNvPr>
+          <p:cNvSpPr>
+            <a:spLocks noGrp="1" noRot="1" noChangeAspect="1" noMove="1" noResize="1" noEditPoints="1" noAdjustHandles="1" noChangeArrowheads="1" noChangeShapeType="1" noTextEdit="1"/>
+          </p:cNvSpPr>
+          <p:nvPr>
+            <p:extLst>
+              <p:ext uri="{386F3935-93C4-4BCD-93E2-E3B085C9AB24}">
+                <p16:designElem xmlns:p16="http://schemas.microsoft.com/office/powerpoint/2015/main" val="1"/>
+              </p:ext>
+            </p:extLst>
+          </p:nvPr>
+        </p:nvSpPr>
+        <p:spPr>
+          <a:xfrm>
+            <a:off x="0" y="0"/>
+            <a:ext cx="12192000" cy="6858000"/>
+          </a:xfrm>
+          <a:prstGeom prst="rect">
+            <a:avLst/>
+          </a:prstGeom>
+          <a:ln w="12700" cap="flat" cmpd="sng" algn="ctr">
+            <a:noFill/>
+            <a:prstDash val="solid"/>
+            <a:miter lim="800000"/>
+          </a:ln>
+          <a:effectLst/>
+        </p:spPr>
+        <p:style>
+          <a:lnRef idx="2">
+            <a:schemeClr val="accent1">
+              <a:shade val="50000"/>
+            </a:schemeClr>
+          </a:lnRef>
+          <a:fillRef idx="1">
+            <a:schemeClr val="accent1"/>
+          </a:fillRef>
+          <a:effectRef idx="0">
+            <a:schemeClr val="accent1"/>
+          </a:effectRef>
+          <a:fontRef idx="minor">
+            <a:schemeClr val="lt1"/>
+          </a:fontRef>
+        </p:style>
+        <p:txBody>
+          <a:bodyPr rtlCol="0" anchor="ctr"/>
+          <a:lstStyle/>
+          <a:p>
+            <a:pPr algn="ctr"/>
+            <a:endParaRPr lang="en-US"/>
+          </a:p>
+        </p:txBody>
+      </p:sp>
+      <p:sp>
+        <p:nvSpPr>
+          <p:cNvPr id="12" name="Rectangle 11">
+            <a:extLst>
+              <a:ext uri="{FF2B5EF4-FFF2-40B4-BE49-F238E27FC236}">
+                <a16:creationId xmlns:a16="http://schemas.microsoft.com/office/drawing/2014/main" id="{90BBC371-361C-45F7-9235-C3252E336B5B}"/>
+              </a:ext>
+              <a:ext uri="{C183D7F6-B498-43B3-948B-1728B52AA6E4}">
+                <adec:decorative xmlns:adec="http://schemas.microsoft.com/office/drawing/2017/decorative" val="1"/>
+              </a:ext>
+            </a:extLst>
+          </p:cNvPr>
+          <p:cNvSpPr>
+            <a:spLocks noGrp="1" noRot="1" noChangeAspect="1" noMove="1" noResize="1" noEditPoints="1" noAdjustHandles="1" noChangeArrowheads="1" noChangeShapeType="1" noTextEdit="1"/>
+          </p:cNvSpPr>
+          <p:nvPr>
+            <p:extLst>
+              <p:ext uri="{386F3935-93C4-4BCD-93E2-E3B085C9AB24}">
+                <p16:designElem xmlns:p16="http://schemas.microsoft.com/office/powerpoint/2015/main" val="1"/>
+              </p:ext>
+            </p:extLst>
+          </p:nvPr>
+        </p:nvSpPr>
+        <p:spPr>
+          <a:xfrm>
+            <a:off x="0" y="0"/>
+            <a:ext cx="12192000" cy="6858000"/>
+          </a:xfrm>
+          <a:prstGeom prst="rect">
+            <a:avLst/>
+          </a:prstGeom>
+          <a:solidFill>
+            <a:schemeClr val="bg2">
+              <a:lumMod val="90000"/>
+              <a:lumOff val="10000"/>
+            </a:schemeClr>
+          </a:solidFill>
+          <a:ln w="12700" cap="flat" cmpd="sng" algn="ctr">
+            <a:noFill/>
+            <a:prstDash val="solid"/>
+            <a:miter lim="800000"/>
+          </a:ln>
+          <a:effectLst/>
+        </p:spPr>
+        <p:style>
+          <a:lnRef idx="2">
+            <a:schemeClr val="accent1">
+              <a:shade val="50000"/>
+            </a:schemeClr>
+          </a:lnRef>
+          <a:fillRef idx="1">
+            <a:schemeClr val="accent1"/>
+          </a:fillRef>
+          <a:effectRef idx="0">
+            <a:schemeClr val="accent1"/>
+          </a:effectRef>
+          <a:fontRef idx="minor">
+            <a:schemeClr val="lt1"/>
+          </a:fontRef>
+        </p:style>
+        <p:txBody>
+          <a:bodyPr rtlCol="0" anchor="ctr"/>
+          <a:lstStyle/>
+          <a:p>
+            <a:pPr algn="ctr"/>
+            <a:endParaRPr lang="en-US"/>
+          </a:p>
+        </p:txBody>
+      </p:sp>
+      <p:sp useBgFill="1">
+        <p:nvSpPr>
+          <p:cNvPr id="14" name="Freeform: Shape 13">
+            <a:extLst>
+              <a:ext uri="{FF2B5EF4-FFF2-40B4-BE49-F238E27FC236}">
+                <a16:creationId xmlns:a16="http://schemas.microsoft.com/office/drawing/2014/main" id="{4172FA92-6FD3-495F-95A0-4FD85861D89C}"/>
+              </a:ext>
+              <a:ext uri="{C183D7F6-B498-43B3-948B-1728B52AA6E4}">
+                <adec:decorative xmlns:adec="http://schemas.microsoft.com/office/drawing/2017/decorative" val="1"/>
+              </a:ext>
+            </a:extLst>
+          </p:cNvPr>
+          <p:cNvSpPr>
+            <a:spLocks noGrp="1" noRot="1" noChangeAspect="1" noMove="1" noResize="1" noEditPoints="1" noAdjustHandles="1" noChangeArrowheads="1" noChangeShapeType="1" noTextEdit="1"/>
+          </p:cNvSpPr>
+          <p:nvPr>
+            <p:extLst>
+              <p:ext uri="{386F3935-93C4-4BCD-93E2-E3B085C9AB24}">
+                <p16:designElem xmlns:p16="http://schemas.microsoft.com/office/powerpoint/2015/main" val="1"/>
+              </p:ext>
+            </p:extLst>
+          </p:nvPr>
+        </p:nvSpPr>
+        <p:spPr>
+          <a:xfrm>
+            <a:off x="500" y="1734458"/>
+            <a:ext cx="12191501" cy="5123544"/>
+          </a:xfrm>
+          <a:custGeom>
+            <a:avLst/>
+            <a:gdLst>
+              <a:gd name="connsiteX0" fmla="*/ 9255953 w 12191501"/>
+              <a:gd name="connsiteY0" fmla="*/ 0 h 4430825"/>
+              <a:gd name="connsiteX1" fmla="*/ 10762189 w 12191501"/>
+              <a:gd name="connsiteY1" fmla="*/ 67992 h 4430825"/>
+              <a:gd name="connsiteX2" fmla="*/ 11364025 w 12191501"/>
+              <a:gd name="connsiteY2" fmla="*/ 57486 h 4430825"/>
+              <a:gd name="connsiteX3" fmla="*/ 12096632 w 12191501"/>
+              <a:gd name="connsiteY3" fmla="*/ 44699 h 4430825"/>
+              <a:gd name="connsiteX4" fmla="*/ 12191501 w 12191501"/>
+              <a:gd name="connsiteY4" fmla="*/ 43042 h 4430825"/>
+              <a:gd name="connsiteX5" fmla="*/ 12191501 w 12191501"/>
+              <a:gd name="connsiteY5" fmla="*/ 4430825 h 4430825"/>
+              <a:gd name="connsiteX6" fmla="*/ 0 w 12191501"/>
+              <a:gd name="connsiteY6" fmla="*/ 4430825 h 4430825"/>
+              <a:gd name="connsiteX7" fmla="*/ 10182 w 12191501"/>
+              <a:gd name="connsiteY7" fmla="*/ 95053 h 4430825"/>
+              <a:gd name="connsiteX8" fmla="*/ 70972 w 12191501"/>
+              <a:gd name="connsiteY8" fmla="*/ 97164 h 4430825"/>
+              <a:gd name="connsiteX9" fmla="*/ 1281624 w 12191501"/>
+              <a:gd name="connsiteY9" fmla="*/ 139193 h 4430825"/>
+              <a:gd name="connsiteX10" fmla="*/ 2485297 w 12191501"/>
+              <a:gd name="connsiteY10" fmla="*/ 118183 h 4430825"/>
+              <a:gd name="connsiteX11" fmla="*/ 3237591 w 12191501"/>
+              <a:gd name="connsiteY11" fmla="*/ 105051 h 4430825"/>
+              <a:gd name="connsiteX12" fmla="*/ 3989887 w 12191501"/>
+              <a:gd name="connsiteY12" fmla="*/ 91920 h 4430825"/>
+              <a:gd name="connsiteX13" fmla="*/ 9255953 w 12191501"/>
+              <a:gd name="connsiteY13" fmla="*/ 0 h 4430825"/>
+            </a:gdLst>
+            <a:ahLst/>
+            <a:cxnLst>
+              <a:cxn ang="0">
+                <a:pos x="connsiteX0" y="connsiteY0"/>
+              </a:cxn>
+              <a:cxn ang="0">
+                <a:pos x="connsiteX1" y="connsiteY1"/>
+              </a:cxn>
+              <a:cxn ang="0">
+                <a:pos x="connsiteX2" y="connsiteY2"/>
+              </a:cxn>
+              <a:cxn ang="0">
+                <a:pos x="connsiteX3" y="connsiteY3"/>
+              </a:cxn>
+              <a:cxn ang="0">
+                <a:pos x="connsiteX4" y="connsiteY4"/>
+              </a:cxn>
+              <a:cxn ang="0">
+                <a:pos x="connsiteX5" y="connsiteY5"/>
+              </a:cxn>
+              <a:cxn ang="0">
+                <a:pos x="connsiteX6" y="connsiteY6"/>
+              </a:cxn>
+              <a:cxn ang="0">
+                <a:pos x="connsiteX7" y="connsiteY7"/>
+              </a:cxn>
+              <a:cxn ang="0">
+                <a:pos x="connsiteX8" y="connsiteY8"/>
+              </a:cxn>
+              <a:cxn ang="0">
+                <a:pos x="connsiteX9" y="connsiteY9"/>
+              </a:cxn>
+              <a:cxn ang="0">
+                <a:pos x="connsiteX10" y="connsiteY10"/>
+              </a:cxn>
+              <a:cxn ang="0">
+                <a:pos x="connsiteX11" y="connsiteY11"/>
+              </a:cxn>
+              <a:cxn ang="0">
+                <a:pos x="connsiteX12" y="connsiteY12"/>
+              </a:cxn>
+              <a:cxn ang="0">
+                <a:pos x="connsiteX13" y="connsiteY13"/>
+              </a:cxn>
+            </a:cxnLst>
+            <a:rect l="l" t="t" r="r" b="b"/>
+            <a:pathLst>
+              <a:path w="12191501" h="4430825">
+                <a:moveTo>
+                  <a:pt x="9255953" y="0"/>
+                </a:moveTo>
+                <a:cubicBezTo>
+                  <a:pt x="10762189" y="67992"/>
+                  <a:pt x="10762189" y="67992"/>
+                  <a:pt x="10762189" y="67992"/>
+                </a:cubicBezTo>
+                <a:cubicBezTo>
+                  <a:pt x="11364025" y="57486"/>
+                  <a:pt x="11364025" y="57486"/>
+                  <a:pt x="11364025" y="57486"/>
+                </a:cubicBezTo>
+                <a:cubicBezTo>
+                  <a:pt x="11589714" y="53547"/>
+                  <a:pt x="11836561" y="49238"/>
+                  <a:pt x="12096632" y="44699"/>
+                </a:cubicBezTo>
+                <a:lnTo>
+                  <a:pt x="12191501" y="43042"/>
+                </a:lnTo>
+                <a:lnTo>
+                  <a:pt x="12191501" y="4430825"/>
+                </a:lnTo>
+                <a:lnTo>
+                  <a:pt x="0" y="4430825"/>
+                </a:lnTo>
+                <a:lnTo>
+                  <a:pt x="10182" y="95053"/>
+                </a:lnTo>
+                <a:lnTo>
+                  <a:pt x="70972" y="97164"/>
+                </a:lnTo>
+                <a:cubicBezTo>
+                  <a:pt x="1281624" y="139193"/>
+                  <a:pt x="1281624" y="139193"/>
+                  <a:pt x="1281624" y="139193"/>
+                </a:cubicBezTo>
+                <a:cubicBezTo>
+                  <a:pt x="2485297" y="118183"/>
+                  <a:pt x="2485297" y="118183"/>
+                  <a:pt x="2485297" y="118183"/>
+                </a:cubicBezTo>
+                <a:cubicBezTo>
+                  <a:pt x="2786215" y="112930"/>
+                  <a:pt x="2936672" y="110304"/>
+                  <a:pt x="3237591" y="105051"/>
+                </a:cubicBezTo>
+                <a:cubicBezTo>
+                  <a:pt x="3538508" y="99800"/>
+                  <a:pt x="3839426" y="94546"/>
+                  <a:pt x="3989887" y="91920"/>
+                </a:cubicBezTo>
+                <a:cubicBezTo>
+                  <a:pt x="9255953" y="0"/>
+                  <a:pt x="9255953" y="0"/>
+                  <a:pt x="9255953" y="0"/>
+                </a:cubicBezTo>
+                <a:close/>
+              </a:path>
+            </a:pathLst>
+          </a:custGeom>
+          <a:ln w="12700" cap="flat" cmpd="sng" algn="ctr">
+            <a:noFill/>
+            <a:prstDash val="solid"/>
+            <a:miter lim="800000"/>
+          </a:ln>
+          <a:effectLst/>
+        </p:spPr>
+        <p:style>
+          <a:lnRef idx="2">
+            <a:schemeClr val="accent1">
+              <a:shade val="50000"/>
+            </a:schemeClr>
+          </a:lnRef>
+          <a:fillRef idx="1">
+            <a:schemeClr val="accent1"/>
+          </a:fillRef>
+          <a:effectRef idx="0">
+            <a:schemeClr val="accent1"/>
+          </a:effectRef>
+          <a:fontRef idx="minor">
+            <a:schemeClr val="lt1"/>
+          </a:fontRef>
+        </p:style>
+        <p:txBody>
+          <a:bodyPr wrap="square" rtlCol="0" anchor="ctr">
+            <a:noAutofit/>
+          </a:bodyPr>
+          <a:lstStyle/>
+          <a:p>
+            <a:pPr algn="ctr"/>
+            <a:endParaRPr lang="en-US">
+              <a:solidFill>
+                <a:schemeClr val="bg2"/>
+              </a:solidFill>
+            </a:endParaRPr>
+          </a:p>
+        </p:txBody>
+      </p:sp>
+      <p:graphicFrame>
+        <p:nvGraphicFramePr>
+          <p:cNvPr id="7" name="مخطط 3">
+            <a:extLst>
+              <a:ext uri="{FF2B5EF4-FFF2-40B4-BE49-F238E27FC236}">
+                <a16:creationId xmlns:a16="http://schemas.microsoft.com/office/drawing/2014/main" id="{3EAC3B3D-BC22-BC32-72F9-C00C3AE6F7D9}"/>
+              </a:ext>
+            </a:extLst>
+          </p:cNvPr>
+          <p:cNvGraphicFramePr>
+            <a:graphicFrameLocks noGrp="1"/>
+          </p:cNvGraphicFramePr>
+          <p:nvPr>
+            <p:ph idx="1"/>
+            <p:extLst>
+              <p:ext uri="{D42A27DB-BD31-4B8C-83A1-F6EECF244321}">
+                <p14:modId xmlns:p14="http://schemas.microsoft.com/office/powerpoint/2010/main" val="2629548262"/>
+              </p:ext>
+            </p:extLst>
+          </p:nvPr>
+        </p:nvGraphicFramePr>
+        <p:xfrm>
+          <a:off x="494270" y="2541588"/>
+          <a:ext cx="5980671" cy="3822142"/>
+        </p:xfrm>
+        <a:graphic>
+          <a:graphicData uri="http://schemas.openxmlformats.org/drawingml/2006/chart">
+            <c:chart xmlns:c="http://schemas.openxmlformats.org/drawingml/2006/chart" xmlns:r="http://schemas.openxmlformats.org/officeDocument/2006/relationships" r:id="rId2"/>
+          </a:graphicData>
+        </a:graphic>
+      </p:graphicFrame>
+      <p:sp>
+        <p:nvSpPr>
+          <p:cNvPr id="5" name="عنوان 1">
+            <a:extLst>
+              <a:ext uri="{FF2B5EF4-FFF2-40B4-BE49-F238E27FC236}">
+                <a16:creationId xmlns:a16="http://schemas.microsoft.com/office/drawing/2014/main" id="{E186FD94-1E89-0AB2-9F14-46A95C5305C7}"/>
+              </a:ext>
+            </a:extLst>
+          </p:cNvPr>
+          <p:cNvSpPr txBox="1">
+            <a:spLocks/>
+          </p:cNvSpPr>
+          <p:nvPr/>
+        </p:nvSpPr>
+        <p:spPr>
+          <a:xfrm>
+            <a:off x="6922093" y="3452729"/>
+            <a:ext cx="4443814" cy="1777438"/>
+          </a:xfrm>
+          <a:prstGeom prst="rect">
+            <a:avLst/>
+          </a:prstGeom>
+        </p:spPr>
+        <p:txBody>
+          <a:bodyPr wrap="square" lIns="109728" tIns="109728" rIns="109728" bIns="91440" anchor="t">
+            <a:noAutofit/>
+          </a:bodyPr>
+          <a:lstStyle>
+            <a:lvl1pPr algn="l" defTabSz="914400" rtl="0" eaLnBrk="1" latinLnBrk="0" hangingPunct="1">
+              <a:lnSpc>
+                <a:spcPct val="100000"/>
+              </a:lnSpc>
+              <a:spcBef>
+                <a:spcPct val="0"/>
+              </a:spcBef>
+              <a:buNone/>
+              <a:defRPr sz="4800" kern="1200" cap="none" baseline="0">
+                <a:solidFill>
+                  <a:schemeClr val="tx1"/>
+                </a:solidFill>
+                <a:latin typeface="+mj-lt"/>
+                <a:ea typeface="+mj-ea"/>
+                <a:cs typeface="+mj-cs"/>
+              </a:defRPr>
+            </a:lvl1pPr>
+          </a:lstStyle>
+          <a:p>
+            <a:pPr algn="r">
+              <a:lnSpc>
+                <a:spcPct val="150000"/>
+              </a:lnSpc>
+            </a:pPr>
+            <a:r>
+              <a:rPr lang="ar-SA" sz="1800" dirty="0"/>
+              <a:t>أكثر شهر أصدرنَ فيه النساء تصاريح لزيارة الروضة الشريفة كان الشهر السادس هجرياً بما يقارب ٥ مليون تصريح زيارة للروضة.</a:t>
+            </a:r>
+          </a:p>
+        </p:txBody>
+      </p:sp>
+      <p:sp>
+        <p:nvSpPr>
+          <p:cNvPr id="6" name="عنوان 1">
+            <a:extLst>
+              <a:ext uri="{FF2B5EF4-FFF2-40B4-BE49-F238E27FC236}">
+                <a16:creationId xmlns:a16="http://schemas.microsoft.com/office/drawing/2014/main" id="{610A94F4-5059-7E07-5A68-3FDC5E585413}"/>
+              </a:ext>
+            </a:extLst>
+          </p:cNvPr>
+          <p:cNvSpPr txBox="1">
+            <a:spLocks/>
+          </p:cNvSpPr>
+          <p:nvPr/>
+        </p:nvSpPr>
+        <p:spPr>
+          <a:xfrm>
+            <a:off x="860043" y="526436"/>
+            <a:ext cx="10728322" cy="681586"/>
+          </a:xfrm>
+          <a:prstGeom prst="rect">
+            <a:avLst/>
+          </a:prstGeom>
+        </p:spPr>
+        <p:txBody>
+          <a:bodyPr wrap="square" lIns="109728" tIns="109728" rIns="109728" bIns="91440" anchor="t">
+            <a:normAutofit fontScale="82500" lnSpcReduction="10000"/>
+          </a:bodyPr>
+          <a:lstStyle>
+            <a:lvl1pPr algn="l" defTabSz="914400" rtl="0" eaLnBrk="1" latinLnBrk="0" hangingPunct="1">
+              <a:lnSpc>
+                <a:spcPct val="100000"/>
+              </a:lnSpc>
+              <a:spcBef>
+                <a:spcPct val="0"/>
+              </a:spcBef>
+              <a:buNone/>
+              <a:defRPr sz="4800" kern="1200" cap="none" baseline="0">
+                <a:solidFill>
+                  <a:schemeClr val="tx1"/>
+                </a:solidFill>
+                <a:latin typeface="+mj-lt"/>
+                <a:ea typeface="+mj-ea"/>
+                <a:cs typeface="+mj-cs"/>
+              </a:defRPr>
+            </a:lvl1pPr>
+          </a:lstStyle>
+          <a:p>
+            <a:pPr algn="r"/>
+            <a:r>
+              <a:rPr lang="ar-SA" sz="3200" dirty="0"/>
+              <a:t>ما هو أكثر شهر أصدرنَ فيه النساء تصاريح لزيارة الروضة الشريفة في تطبيق نُسُك لعام ١٤٤٤هـ؟</a:t>
+            </a:r>
+          </a:p>
+        </p:txBody>
+      </p:sp>
+    </p:spTree>
+    <p:extLst>
+      <p:ext uri="{BB962C8B-B14F-4D97-AF65-F5344CB8AC3E}">
+        <p14:creationId xmlns:p14="http://schemas.microsoft.com/office/powerpoint/2010/main" val="2360222390"/>
+      </p:ext>
+    </p:extLst>
+  </p:cSld>
+  <p:clrMapOvr>
+    <a:masterClrMapping/>
+  </p:clrMapOvr>
+</p:sld>
+</file>
+
+<file path=ppt/slides/slide11.xml><?xml version="1.0" encoding="utf-8"?>
+<p:sld xmlns:a="http://schemas.openxmlformats.org/drawingml/2006/main" xmlns:r="http://schemas.openxmlformats.org/officeDocument/2006/relationships" xmlns:p="http://schemas.openxmlformats.org/presentationml/2006/main">
+  <p:cSld>
+    <p:bg>
+      <p:bgPr>
+        <a:solidFill>
+          <a:schemeClr val="bg2"/>
+        </a:solidFill>
+        <a:effectLst/>
+      </p:bgPr>
+    </p:bg>
+    <p:spTree>
+      <p:nvGrpSpPr>
+        <p:cNvPr id="1" name=""/>
+        <p:cNvGrpSpPr/>
+        <p:nvPr/>
+      </p:nvGrpSpPr>
+      <p:grpSpPr>
+        <a:xfrm>
+          <a:off x="0" y="0"/>
+          <a:ext cx="0" cy="0"/>
+          <a:chOff x="0" y="0"/>
+          <a:chExt cx="0" cy="0"/>
+        </a:xfrm>
+      </p:grpSpPr>
+      <p:sp useBgFill="1">
+        <p:nvSpPr>
+          <p:cNvPr id="18" name="Rectangle 17">
+            <a:extLst>
+              <a:ext uri="{FF2B5EF4-FFF2-40B4-BE49-F238E27FC236}">
+                <a16:creationId xmlns:a16="http://schemas.microsoft.com/office/drawing/2014/main" id="{2BFB0E95-9CAE-4968-A118-2B9F7C8BBBEC}"/>
+              </a:ext>
+              <a:ext uri="{C183D7F6-B498-43B3-948B-1728B52AA6E4}">
+                <adec:decorative xmlns:adec="http://schemas.microsoft.com/office/drawing/2017/decorative" val="1"/>
+              </a:ext>
+            </a:extLst>
+          </p:cNvPr>
+          <p:cNvSpPr>
+            <a:spLocks noGrp="1" noRot="1" noChangeAspect="1" noMove="1" noResize="1" noEditPoints="1" noAdjustHandles="1" noChangeArrowheads="1" noChangeShapeType="1" noTextEdit="1"/>
+          </p:cNvSpPr>
+          <p:nvPr>
+            <p:extLst>
+              <p:ext uri="{386F3935-93C4-4BCD-93E2-E3B085C9AB24}">
+                <p16:designElem xmlns:p16="http://schemas.microsoft.com/office/powerpoint/2015/main" val="1"/>
+              </p:ext>
+            </p:extLst>
+          </p:nvPr>
+        </p:nvSpPr>
+        <p:spPr>
+          <a:xfrm>
+            <a:off x="0" y="0"/>
+            <a:ext cx="12192000" cy="6858000"/>
+          </a:xfrm>
+          <a:prstGeom prst="rect">
+            <a:avLst/>
+          </a:prstGeom>
+          <a:ln w="12700" cap="flat" cmpd="sng" algn="ctr">
+            <a:noFill/>
+            <a:prstDash val="solid"/>
+            <a:miter lim="800000"/>
+          </a:ln>
+          <a:effectLst/>
+        </p:spPr>
+        <p:style>
+          <a:lnRef idx="2">
+            <a:schemeClr val="accent1">
+              <a:shade val="50000"/>
+            </a:schemeClr>
+          </a:lnRef>
+          <a:fillRef idx="1">
+            <a:schemeClr val="accent1"/>
+          </a:fillRef>
+          <a:effectRef idx="0">
+            <a:schemeClr val="accent1"/>
+          </a:effectRef>
+          <a:fontRef idx="minor">
+            <a:schemeClr val="lt1"/>
+          </a:fontRef>
+        </p:style>
+        <p:txBody>
+          <a:bodyPr rtlCol="0" anchor="ctr"/>
+          <a:lstStyle/>
+          <a:p>
+            <a:pPr algn="ctr"/>
+            <a:endParaRPr lang="en-US"/>
+          </a:p>
+        </p:txBody>
+      </p:sp>
+      <p:sp>
+        <p:nvSpPr>
+          <p:cNvPr id="20" name="Rectangle 19">
+            <a:extLst>
+              <a:ext uri="{FF2B5EF4-FFF2-40B4-BE49-F238E27FC236}">
+                <a16:creationId xmlns:a16="http://schemas.microsoft.com/office/drawing/2014/main" id="{90BBC371-361C-45F7-9235-C3252E336B5B}"/>
+              </a:ext>
+              <a:ext uri="{C183D7F6-B498-43B3-948B-1728B52AA6E4}">
+                <adec:decorative xmlns:adec="http://schemas.microsoft.com/office/drawing/2017/decorative" val="1"/>
+              </a:ext>
+            </a:extLst>
+          </p:cNvPr>
+          <p:cNvSpPr>
+            <a:spLocks noGrp="1" noRot="1" noChangeAspect="1" noMove="1" noResize="1" noEditPoints="1" noAdjustHandles="1" noChangeArrowheads="1" noChangeShapeType="1" noTextEdit="1"/>
+          </p:cNvSpPr>
+          <p:nvPr>
+            <p:extLst>
+              <p:ext uri="{386F3935-93C4-4BCD-93E2-E3B085C9AB24}">
+                <p16:designElem xmlns:p16="http://schemas.microsoft.com/office/powerpoint/2015/main" val="1"/>
+              </p:ext>
+            </p:extLst>
+          </p:nvPr>
+        </p:nvSpPr>
+        <p:spPr>
+          <a:xfrm>
+            <a:off x="0" y="0"/>
+            <a:ext cx="12192000" cy="6858000"/>
+          </a:xfrm>
+          <a:prstGeom prst="rect">
+            <a:avLst/>
+          </a:prstGeom>
+          <a:solidFill>
+            <a:schemeClr val="bg2">
+              <a:lumMod val="90000"/>
+              <a:lumOff val="10000"/>
+            </a:schemeClr>
+          </a:solidFill>
+          <a:ln w="12700" cap="flat" cmpd="sng" algn="ctr">
+            <a:noFill/>
+            <a:prstDash val="solid"/>
+            <a:miter lim="800000"/>
+          </a:ln>
+          <a:effectLst/>
+        </p:spPr>
+        <p:style>
+          <a:lnRef idx="2">
+            <a:schemeClr val="accent1">
+              <a:shade val="50000"/>
+            </a:schemeClr>
+          </a:lnRef>
+          <a:fillRef idx="1">
+            <a:schemeClr val="accent1"/>
+          </a:fillRef>
+          <a:effectRef idx="0">
+            <a:schemeClr val="accent1"/>
+          </a:effectRef>
+          <a:fontRef idx="minor">
+            <a:schemeClr val="lt1"/>
+          </a:fontRef>
+        </p:style>
+        <p:txBody>
+          <a:bodyPr rtlCol="0" anchor="ctr"/>
+          <a:lstStyle/>
+          <a:p>
+            <a:pPr algn="ctr"/>
+            <a:endParaRPr lang="en-US"/>
+          </a:p>
+        </p:txBody>
+      </p:sp>
+      <p:sp>
+        <p:nvSpPr>
+          <p:cNvPr id="2" name="عنوان 1">
+            <a:extLst>
+              <a:ext uri="{FF2B5EF4-FFF2-40B4-BE49-F238E27FC236}">
+                <a16:creationId xmlns:a16="http://schemas.microsoft.com/office/drawing/2014/main" id="{E00A9852-8AD6-F0C5-1C87-2492BE4702E4}"/>
+              </a:ext>
+            </a:extLst>
+          </p:cNvPr>
+          <p:cNvSpPr>
+            <a:spLocks noGrp="1"/>
+          </p:cNvSpPr>
+          <p:nvPr>
+            <p:ph type="title"/>
+          </p:nvPr>
+        </p:nvSpPr>
+        <p:spPr>
+          <a:xfrm>
+            <a:off x="720000" y="619200"/>
+            <a:ext cx="10728322" cy="1115256"/>
+          </a:xfrm>
+        </p:spPr>
+        <p:txBody>
+          <a:bodyPr wrap="square">
+            <a:normAutofit fontScale="90000"/>
+          </a:bodyPr>
+          <a:lstStyle/>
+          <a:p>
+            <a:pPr algn="r" defTabSz="914400" rtl="1" eaLnBrk="1" latinLnBrk="0" hangingPunct="1">
+              <a:lnSpc>
+                <a:spcPct val="100000"/>
+              </a:lnSpc>
+              <a:spcBef>
+                <a:spcPct val="0"/>
+              </a:spcBef>
+              <a:buNone/>
+            </a:pPr>
+            <a:r>
+              <a:rPr lang="ar-SA" sz="3200" dirty="0"/>
+              <a:t>بالنسبة لتصاريح زيارة الروضة الشريفة ، ما هو متوسط عدد التصاريح وما هو أعلى عدد تصاريح تم إصدارها وما هي أقل عدد؟</a:t>
+            </a:r>
+          </a:p>
+        </p:txBody>
+      </p:sp>
+      <p:sp useBgFill="1">
+        <p:nvSpPr>
+          <p:cNvPr id="22" name="Freeform: Shape 21">
+            <a:extLst>
+              <a:ext uri="{FF2B5EF4-FFF2-40B4-BE49-F238E27FC236}">
+                <a16:creationId xmlns:a16="http://schemas.microsoft.com/office/drawing/2014/main" id="{4172FA92-6FD3-495F-95A0-4FD85861D89C}"/>
+              </a:ext>
+              <a:ext uri="{C183D7F6-B498-43B3-948B-1728B52AA6E4}">
+                <adec:decorative xmlns:adec="http://schemas.microsoft.com/office/drawing/2017/decorative" val="1"/>
+              </a:ext>
+            </a:extLst>
+          </p:cNvPr>
+          <p:cNvSpPr>
+            <a:spLocks noGrp="1" noRot="1" noChangeAspect="1" noMove="1" noResize="1" noEditPoints="1" noAdjustHandles="1" noChangeArrowheads="1" noChangeShapeType="1" noTextEdit="1"/>
+          </p:cNvSpPr>
+          <p:nvPr>
+            <p:extLst>
+              <p:ext uri="{386F3935-93C4-4BCD-93E2-E3B085C9AB24}">
+                <p16:designElem xmlns:p16="http://schemas.microsoft.com/office/powerpoint/2015/main" val="1"/>
+              </p:ext>
+            </p:extLst>
+          </p:nvPr>
+        </p:nvSpPr>
+        <p:spPr>
+          <a:xfrm>
+            <a:off x="500" y="1734458"/>
+            <a:ext cx="12191501" cy="5123544"/>
+          </a:xfrm>
+          <a:custGeom>
+            <a:avLst/>
+            <a:gdLst>
+              <a:gd name="connsiteX0" fmla="*/ 9255953 w 12191501"/>
+              <a:gd name="connsiteY0" fmla="*/ 0 h 4430825"/>
+              <a:gd name="connsiteX1" fmla="*/ 10762189 w 12191501"/>
+              <a:gd name="connsiteY1" fmla="*/ 67992 h 4430825"/>
+              <a:gd name="connsiteX2" fmla="*/ 11364025 w 12191501"/>
+              <a:gd name="connsiteY2" fmla="*/ 57486 h 4430825"/>
+              <a:gd name="connsiteX3" fmla="*/ 12096632 w 12191501"/>
+              <a:gd name="connsiteY3" fmla="*/ 44699 h 4430825"/>
+              <a:gd name="connsiteX4" fmla="*/ 12191501 w 12191501"/>
+              <a:gd name="connsiteY4" fmla="*/ 43042 h 4430825"/>
+              <a:gd name="connsiteX5" fmla="*/ 12191501 w 12191501"/>
+              <a:gd name="connsiteY5" fmla="*/ 4430825 h 4430825"/>
+              <a:gd name="connsiteX6" fmla="*/ 0 w 12191501"/>
+              <a:gd name="connsiteY6" fmla="*/ 4430825 h 4430825"/>
+              <a:gd name="connsiteX7" fmla="*/ 10182 w 12191501"/>
+              <a:gd name="connsiteY7" fmla="*/ 95053 h 4430825"/>
+              <a:gd name="connsiteX8" fmla="*/ 70972 w 12191501"/>
+              <a:gd name="connsiteY8" fmla="*/ 97164 h 4430825"/>
+              <a:gd name="connsiteX9" fmla="*/ 1281624 w 12191501"/>
+              <a:gd name="connsiteY9" fmla="*/ 139193 h 4430825"/>
+              <a:gd name="connsiteX10" fmla="*/ 2485297 w 12191501"/>
+              <a:gd name="connsiteY10" fmla="*/ 118183 h 4430825"/>
+              <a:gd name="connsiteX11" fmla="*/ 3237591 w 12191501"/>
+              <a:gd name="connsiteY11" fmla="*/ 105051 h 4430825"/>
+              <a:gd name="connsiteX12" fmla="*/ 3989887 w 12191501"/>
+              <a:gd name="connsiteY12" fmla="*/ 91920 h 4430825"/>
+              <a:gd name="connsiteX13" fmla="*/ 9255953 w 12191501"/>
+              <a:gd name="connsiteY13" fmla="*/ 0 h 4430825"/>
+            </a:gdLst>
+            <a:ahLst/>
+            <a:cxnLst>
+              <a:cxn ang="0">
+                <a:pos x="connsiteX0" y="connsiteY0"/>
+              </a:cxn>
+              <a:cxn ang="0">
+                <a:pos x="connsiteX1" y="connsiteY1"/>
+              </a:cxn>
+              <a:cxn ang="0">
+                <a:pos x="connsiteX2" y="connsiteY2"/>
+              </a:cxn>
+              <a:cxn ang="0">
+                <a:pos x="connsiteX3" y="connsiteY3"/>
+              </a:cxn>
+              <a:cxn ang="0">
+                <a:pos x="connsiteX4" y="connsiteY4"/>
+              </a:cxn>
+              <a:cxn ang="0">
+                <a:pos x="connsiteX5" y="connsiteY5"/>
+              </a:cxn>
+              <a:cxn ang="0">
+                <a:pos x="connsiteX6" y="connsiteY6"/>
+              </a:cxn>
+              <a:cxn ang="0">
+                <a:pos x="connsiteX7" y="connsiteY7"/>
+              </a:cxn>
+              <a:cxn ang="0">
+                <a:pos x="connsiteX8" y="connsiteY8"/>
+              </a:cxn>
+              <a:cxn ang="0">
+                <a:pos x="connsiteX9" y="connsiteY9"/>
+              </a:cxn>
+              <a:cxn ang="0">
+                <a:pos x="connsiteX10" y="connsiteY10"/>
+              </a:cxn>
+              <a:cxn ang="0">
+                <a:pos x="connsiteX11" y="connsiteY11"/>
+              </a:cxn>
+              <a:cxn ang="0">
+                <a:pos x="connsiteX12" y="connsiteY12"/>
+              </a:cxn>
+              <a:cxn ang="0">
+                <a:pos x="connsiteX13" y="connsiteY13"/>
+              </a:cxn>
+            </a:cxnLst>
+            <a:rect l="l" t="t" r="r" b="b"/>
+            <a:pathLst>
+              <a:path w="12191501" h="4430825">
+                <a:moveTo>
+                  <a:pt x="9255953" y="0"/>
+                </a:moveTo>
+                <a:cubicBezTo>
+                  <a:pt x="10762189" y="67992"/>
+                  <a:pt x="10762189" y="67992"/>
+                  <a:pt x="10762189" y="67992"/>
+                </a:cubicBezTo>
+                <a:cubicBezTo>
+                  <a:pt x="11364025" y="57486"/>
+                  <a:pt x="11364025" y="57486"/>
+                  <a:pt x="11364025" y="57486"/>
+                </a:cubicBezTo>
+                <a:cubicBezTo>
+                  <a:pt x="11589714" y="53547"/>
+                  <a:pt x="11836561" y="49238"/>
+                  <a:pt x="12096632" y="44699"/>
+                </a:cubicBezTo>
+                <a:lnTo>
+                  <a:pt x="12191501" y="43042"/>
+                </a:lnTo>
+                <a:lnTo>
+                  <a:pt x="12191501" y="4430825"/>
+                </a:lnTo>
+                <a:lnTo>
+                  <a:pt x="0" y="4430825"/>
+                </a:lnTo>
+                <a:lnTo>
+                  <a:pt x="10182" y="95053"/>
+                </a:lnTo>
+                <a:lnTo>
+                  <a:pt x="70972" y="97164"/>
+                </a:lnTo>
+                <a:cubicBezTo>
+                  <a:pt x="1281624" y="139193"/>
+                  <a:pt x="1281624" y="139193"/>
+                  <a:pt x="1281624" y="139193"/>
+                </a:cubicBezTo>
+                <a:cubicBezTo>
+                  <a:pt x="2485297" y="118183"/>
+                  <a:pt x="2485297" y="118183"/>
+                  <a:pt x="2485297" y="118183"/>
+                </a:cubicBezTo>
+                <a:cubicBezTo>
+                  <a:pt x="2786215" y="112930"/>
+                  <a:pt x="2936672" y="110304"/>
+                  <a:pt x="3237591" y="105051"/>
+                </a:cubicBezTo>
+                <a:cubicBezTo>
+                  <a:pt x="3538508" y="99800"/>
+                  <a:pt x="3839426" y="94546"/>
+                  <a:pt x="3989887" y="91920"/>
+                </a:cubicBezTo>
+                <a:cubicBezTo>
+                  <a:pt x="9255953" y="0"/>
+                  <a:pt x="9255953" y="0"/>
+                  <a:pt x="9255953" y="0"/>
+                </a:cubicBezTo>
+                <a:close/>
+              </a:path>
+            </a:pathLst>
+          </a:custGeom>
+          <a:ln w="12700" cap="flat" cmpd="sng" algn="ctr">
+            <a:noFill/>
+            <a:prstDash val="solid"/>
+            <a:miter lim="800000"/>
+          </a:ln>
+          <a:effectLst/>
+        </p:spPr>
+        <p:style>
+          <a:lnRef idx="2">
+            <a:schemeClr val="accent1">
+              <a:shade val="50000"/>
+            </a:schemeClr>
+          </a:lnRef>
+          <a:fillRef idx="1">
+            <a:schemeClr val="accent1"/>
+          </a:fillRef>
+          <a:effectRef idx="0">
+            <a:schemeClr val="accent1"/>
+          </a:effectRef>
+          <a:fontRef idx="minor">
+            <a:schemeClr val="lt1"/>
+          </a:fontRef>
+        </p:style>
+        <p:txBody>
+          <a:bodyPr wrap="square" rtlCol="0" anchor="ctr">
+            <a:noAutofit/>
+          </a:bodyPr>
+          <a:lstStyle/>
+          <a:p>
+            <a:pPr algn="ctr"/>
+            <a:endParaRPr lang="en-US">
+              <a:solidFill>
+                <a:schemeClr val="bg2"/>
+              </a:solidFill>
+            </a:endParaRPr>
+          </a:p>
+        </p:txBody>
+      </p:sp>
+      <p:graphicFrame>
+        <p:nvGraphicFramePr>
+          <p:cNvPr id="7" name="عنصر نائب للمحتوى 6">
+            <a:extLst>
+              <a:ext uri="{FF2B5EF4-FFF2-40B4-BE49-F238E27FC236}">
+                <a16:creationId xmlns:a16="http://schemas.microsoft.com/office/drawing/2014/main" id="{D0526793-2964-EACF-F505-F34AF0BD5CDB}"/>
+              </a:ext>
+            </a:extLst>
+          </p:cNvPr>
+          <p:cNvGraphicFramePr>
+            <a:graphicFrameLocks noGrp="1"/>
+          </p:cNvGraphicFramePr>
+          <p:nvPr>
+            <p:ph idx="1"/>
+            <p:extLst>
+              <p:ext uri="{D42A27DB-BD31-4B8C-83A1-F6EECF244321}">
+                <p14:modId xmlns:p14="http://schemas.microsoft.com/office/powerpoint/2010/main" val="2503882588"/>
+              </p:ext>
+            </p:extLst>
+          </p:nvPr>
+        </p:nvGraphicFramePr>
+        <p:xfrm>
+          <a:off x="6536728" y="3834634"/>
+          <a:ext cx="5251620" cy="1754659"/>
+        </p:xfrm>
+        <a:graphic>
+          <a:graphicData uri="http://schemas.openxmlformats.org/drawingml/2006/table">
+            <a:tbl>
+              <a:tblPr rtl="1" firstRow="1" bandRow="1">
+                <a:noFill/>
+                <a:tableStyleId>{5C22544A-7EE6-4342-B048-85BDC9FD1C3A}</a:tableStyleId>
+              </a:tblPr>
+              <a:tblGrid>
+                <a:gridCol w="1705036">
+                  <a:extLst>
+                    <a:ext uri="{9D8B030D-6E8A-4147-A177-3AD203B41FA5}">
+                      <a16:colId xmlns:a16="http://schemas.microsoft.com/office/drawing/2014/main" val="848661994"/>
+                    </a:ext>
+                  </a:extLst>
+                </a:gridCol>
+                <a:gridCol w="1683887">
+                  <a:extLst>
+                    <a:ext uri="{9D8B030D-6E8A-4147-A177-3AD203B41FA5}">
+                      <a16:colId xmlns:a16="http://schemas.microsoft.com/office/drawing/2014/main" val="19911092"/>
+                    </a:ext>
+                  </a:extLst>
+                </a:gridCol>
+                <a:gridCol w="1862697">
+                  <a:extLst>
+                    <a:ext uri="{9D8B030D-6E8A-4147-A177-3AD203B41FA5}">
+                      <a16:colId xmlns:a16="http://schemas.microsoft.com/office/drawing/2014/main" val="1091513545"/>
+                    </a:ext>
+                  </a:extLst>
+                </a:gridCol>
+              </a:tblGrid>
+              <a:tr h="1181319">
+                <a:tc>
+                  <a:txBody>
+                    <a:bodyPr/>
+                    <a:lstStyle/>
+                    <a:p>
+                      <a:pPr algn="r" rtl="1" fontAlgn="b"/>
+                      <a:r>
+                        <a:rPr lang="ar-SA" sz="1800" b="0" u="none" strike="noStrike" cap="none" spc="0" dirty="0">
+                          <a:solidFill>
+                            <a:schemeClr val="tx1"/>
+                          </a:solidFill>
+                          <a:effectLst/>
+                        </a:rPr>
+                        <a:t>أعلى عدد تصاريح زيارة للروضة من نسك</a:t>
+                      </a:r>
+                      <a:endParaRPr lang="ar-SA" sz="1800" b="0" i="0" u="none" strike="noStrike" cap="none" spc="0" dirty="0">
+                        <a:solidFill>
+                          <a:schemeClr val="tx1"/>
+                        </a:solidFill>
+                        <a:effectLst/>
+                        <a:latin typeface="Arial" panose="020B0604020202020204" pitchFamily="34" charset="0"/>
+                      </a:endParaRPr>
+                    </a:p>
+                  </a:txBody>
+                  <a:tcPr marL="94298" marR="94298" marT="19645" marB="188595" anchor="b">
+                    <a:lnL w="12700" cap="flat" cmpd="sng" algn="ctr">
+                      <a:solidFill>
+                        <a:schemeClr val="tx1"/>
+                      </a:solidFill>
+                      <a:prstDash val="solid"/>
+                      <a:round/>
+                      <a:headEnd type="none" w="med" len="med"/>
+                      <a:tailEnd type="none" w="med" len="med"/>
+                    </a:lnL>
+                    <a:lnR w="12700" cap="flat" cmpd="sng" algn="ctr">
+                      <a:solidFill>
+                        <a:schemeClr val="tx1"/>
+                      </a:solidFill>
+                      <a:prstDash val="solid"/>
+                      <a:round/>
+                      <a:headEnd type="none" w="med" len="med"/>
+                      <a:tailEnd type="none" w="med" len="med"/>
+                    </a:lnR>
+                    <a:lnT w="12700" cap="flat" cmpd="sng" algn="ctr">
+                      <a:solidFill>
+                        <a:schemeClr val="tx1"/>
+                      </a:solidFill>
+                      <a:prstDash val="solid"/>
+                      <a:round/>
+                      <a:headEnd type="none" w="med" len="med"/>
+                      <a:tailEnd type="none" w="med" len="med"/>
+                    </a:lnT>
+                    <a:lnB w="12700" cap="flat" cmpd="sng" algn="ctr">
+                      <a:solidFill>
+                        <a:schemeClr val="tx1"/>
+                      </a:solidFill>
+                      <a:prstDash val="solid"/>
+                      <a:round/>
+                      <a:headEnd type="none" w="med" len="med"/>
+                      <a:tailEnd type="none" w="med" len="med"/>
+                    </a:lnB>
+                    <a:noFill/>
+                  </a:tcPr>
+                </a:tc>
+                <a:tc>
+                  <a:txBody>
+                    <a:bodyPr/>
+                    <a:lstStyle/>
+                    <a:p>
+                      <a:pPr algn="r" rtl="1" fontAlgn="b"/>
+                      <a:r>
+                        <a:rPr lang="ar-SA" sz="1800" b="0" u="none" strike="noStrike" cap="none" spc="0" dirty="0">
+                          <a:solidFill>
+                            <a:schemeClr val="tx1"/>
+                          </a:solidFill>
+                          <a:effectLst/>
+                        </a:rPr>
+                        <a:t>أقل عدد تصاريح زيارة للروضة من نسك</a:t>
+                      </a:r>
+                      <a:endParaRPr lang="ar-SA" sz="1800" b="0" i="0" u="none" strike="noStrike" cap="none" spc="0" dirty="0">
+                        <a:solidFill>
+                          <a:schemeClr val="tx1"/>
+                        </a:solidFill>
+                        <a:effectLst/>
+                        <a:latin typeface="Arial" panose="020B0604020202020204" pitchFamily="34" charset="0"/>
+                      </a:endParaRPr>
+                    </a:p>
+                  </a:txBody>
+                  <a:tcPr marL="94298" marR="94298" marT="19645" marB="188595" anchor="b">
+                    <a:lnL w="12700" cap="flat" cmpd="sng" algn="ctr">
+                      <a:solidFill>
+                        <a:schemeClr val="tx1"/>
+                      </a:solidFill>
+                      <a:prstDash val="solid"/>
+                      <a:round/>
+                      <a:headEnd type="none" w="med" len="med"/>
+                      <a:tailEnd type="none" w="med" len="med"/>
+                    </a:lnL>
+                    <a:lnR w="12700" cap="flat" cmpd="sng" algn="ctr">
+                      <a:solidFill>
+                        <a:schemeClr val="tx1"/>
+                      </a:solidFill>
+                      <a:prstDash val="solid"/>
+                      <a:round/>
+                      <a:headEnd type="none" w="med" len="med"/>
+                      <a:tailEnd type="none" w="med" len="med"/>
+                    </a:lnR>
+                    <a:lnT w="12700" cap="flat" cmpd="sng" algn="ctr">
+                      <a:solidFill>
+                        <a:schemeClr val="tx1"/>
+                      </a:solidFill>
+                      <a:prstDash val="solid"/>
+                      <a:round/>
+                      <a:headEnd type="none" w="med" len="med"/>
+                      <a:tailEnd type="none" w="med" len="med"/>
+                    </a:lnT>
+                    <a:lnB w="12700" cap="flat" cmpd="sng" algn="ctr">
+                      <a:solidFill>
+                        <a:schemeClr val="tx1"/>
+                      </a:solidFill>
+                      <a:prstDash val="solid"/>
+                      <a:round/>
+                      <a:headEnd type="none" w="med" len="med"/>
+                      <a:tailEnd type="none" w="med" len="med"/>
+                    </a:lnB>
+                    <a:noFill/>
+                  </a:tcPr>
+                </a:tc>
+                <a:tc>
+                  <a:txBody>
+                    <a:bodyPr/>
+                    <a:lstStyle/>
+                    <a:p>
+                      <a:pPr algn="r" rtl="1" fontAlgn="b"/>
+                      <a:r>
+                        <a:rPr lang="ar-SA" sz="1800" b="0" u="none" strike="noStrike" cap="none" spc="0" dirty="0">
+                          <a:solidFill>
+                            <a:schemeClr val="tx1"/>
+                          </a:solidFill>
+                          <a:effectLst/>
+                        </a:rPr>
+                        <a:t>متوسط عدد تصاريح زيارة للروضة من نسك</a:t>
+                      </a:r>
+                      <a:endParaRPr lang="ar-SA" sz="1800" b="0" i="0" u="none" strike="noStrike" cap="none" spc="0" dirty="0">
+                        <a:solidFill>
+                          <a:schemeClr val="tx1"/>
+                        </a:solidFill>
+                        <a:effectLst/>
+                        <a:latin typeface="Arial" panose="020B0604020202020204" pitchFamily="34" charset="0"/>
+                      </a:endParaRPr>
+                    </a:p>
+                  </a:txBody>
+                  <a:tcPr marL="94298" marR="94298" marT="19645" marB="188595" anchor="b">
+                    <a:lnL w="12700" cap="flat" cmpd="sng" algn="ctr">
+                      <a:solidFill>
+                        <a:schemeClr val="tx1"/>
+                      </a:solidFill>
+                      <a:prstDash val="solid"/>
+                      <a:round/>
+                      <a:headEnd type="none" w="med" len="med"/>
+                      <a:tailEnd type="none" w="med" len="med"/>
+                    </a:lnL>
+                    <a:lnR w="12700" cap="flat" cmpd="sng" algn="ctr">
+                      <a:solidFill>
+                        <a:schemeClr val="tx1"/>
+                      </a:solidFill>
+                      <a:prstDash val="solid"/>
+                      <a:round/>
+                      <a:headEnd type="none" w="med" len="med"/>
+                      <a:tailEnd type="none" w="med" len="med"/>
+                    </a:lnR>
+                    <a:lnT w="12700" cap="flat" cmpd="sng" algn="ctr">
+                      <a:solidFill>
+                        <a:schemeClr val="tx1"/>
+                      </a:solidFill>
+                      <a:prstDash val="solid"/>
+                      <a:round/>
+                      <a:headEnd type="none" w="med" len="med"/>
+                      <a:tailEnd type="none" w="med" len="med"/>
+                    </a:lnT>
+                    <a:lnB w="12700" cap="flat" cmpd="sng" algn="ctr">
+                      <a:solidFill>
+                        <a:schemeClr val="tx1"/>
+                      </a:solidFill>
+                      <a:prstDash val="solid"/>
+                      <a:round/>
+                      <a:headEnd type="none" w="med" len="med"/>
+                      <a:tailEnd type="none" w="med" len="med"/>
+                    </a:lnB>
+                    <a:noFill/>
+                  </a:tcPr>
+                </a:tc>
+                <a:extLst>
+                  <a:ext uri="{0D108BD9-81ED-4DB2-BD59-A6C34878D82A}">
+                    <a16:rowId xmlns:a16="http://schemas.microsoft.com/office/drawing/2014/main" val="3848270015"/>
+                  </a:ext>
+                </a:extLst>
+              </a:tr>
+              <a:tr h="573340">
+                <a:tc>
+                  <a:txBody>
+                    <a:bodyPr/>
+                    <a:lstStyle/>
+                    <a:p>
+                      <a:pPr algn="r" rtl="0" fontAlgn="b"/>
+                      <a:r>
+                        <a:rPr lang="ar-SA" sz="1400" u="none" strike="noStrike" cap="none" spc="0" dirty="0">
+                          <a:solidFill>
+                            <a:schemeClr val="tx1"/>
+                          </a:solidFill>
+                          <a:effectLst/>
+                        </a:rPr>
+                        <a:t>١٨.٤٩٣</a:t>
+                      </a:r>
+                      <a:endParaRPr lang="ar-SA" sz="1400" b="0" i="0" u="none" strike="noStrike" cap="none" spc="0" dirty="0">
+                        <a:solidFill>
+                          <a:schemeClr val="tx1"/>
+                        </a:solidFill>
+                        <a:effectLst/>
+                        <a:latin typeface="Arial" panose="020B0604020202020204" pitchFamily="34" charset="0"/>
+                      </a:endParaRPr>
+                    </a:p>
+                  </a:txBody>
+                  <a:tcPr marL="94298" marR="94298" marT="19645" marB="188595" anchor="b">
+                    <a:lnL w="12700" cap="flat" cmpd="sng" algn="ctr">
+                      <a:solidFill>
+                        <a:schemeClr val="tx1"/>
+                      </a:solidFill>
+                      <a:prstDash val="solid"/>
+                      <a:round/>
+                      <a:headEnd type="none" w="med" len="med"/>
+                      <a:tailEnd type="none" w="med" len="med"/>
+                    </a:lnL>
+                    <a:lnR w="12700" cap="flat" cmpd="sng" algn="ctr">
+                      <a:solidFill>
+                        <a:schemeClr val="tx1"/>
+                      </a:solidFill>
+                      <a:prstDash val="solid"/>
+                      <a:round/>
+                      <a:headEnd type="none" w="med" len="med"/>
+                      <a:tailEnd type="none" w="med" len="med"/>
+                    </a:lnR>
+                    <a:lnT w="12700" cap="flat" cmpd="sng" algn="ctr">
+                      <a:solidFill>
+                        <a:schemeClr val="tx1"/>
+                      </a:solidFill>
+                      <a:prstDash val="solid"/>
+                      <a:round/>
+                      <a:headEnd type="none" w="med" len="med"/>
+                      <a:tailEnd type="none" w="med" len="med"/>
+                    </a:lnT>
+                    <a:lnB w="12700" cap="flat" cmpd="sng" algn="ctr">
+                      <a:solidFill>
+                        <a:schemeClr val="tx1"/>
+                      </a:solidFill>
+                      <a:prstDash val="solid"/>
+                      <a:round/>
+                      <a:headEnd type="none" w="med" len="med"/>
+                      <a:tailEnd type="none" w="med" len="med"/>
+                    </a:lnB>
+                    <a:noFill/>
+                  </a:tcPr>
+                </a:tc>
+                <a:tc>
+                  <a:txBody>
+                    <a:bodyPr/>
+                    <a:lstStyle/>
+                    <a:p>
+                      <a:pPr algn="r" rtl="0" fontAlgn="b"/>
+                      <a:r>
+                        <a:rPr lang="ar-SA" sz="1400" u="none" strike="noStrike" cap="none" spc="0" dirty="0">
+                          <a:solidFill>
+                            <a:schemeClr val="tx1"/>
+                          </a:solidFill>
+                          <a:effectLst/>
+                        </a:rPr>
+                        <a:t>١</a:t>
+                      </a:r>
+                      <a:endParaRPr lang="ar-SA" sz="1400" b="0" i="0" u="none" strike="noStrike" cap="none" spc="0" dirty="0">
+                        <a:solidFill>
+                          <a:schemeClr val="tx1"/>
+                        </a:solidFill>
+                        <a:effectLst/>
+                        <a:latin typeface="Arial" panose="020B0604020202020204" pitchFamily="34" charset="0"/>
+                      </a:endParaRPr>
+                    </a:p>
+                  </a:txBody>
+                  <a:tcPr marL="94298" marR="94298" marT="19645" marB="188595" anchor="b">
+                    <a:lnL w="12700" cap="flat" cmpd="sng" algn="ctr">
+                      <a:solidFill>
+                        <a:schemeClr val="tx1"/>
+                      </a:solidFill>
+                      <a:prstDash val="solid"/>
+                      <a:round/>
+                      <a:headEnd type="none" w="med" len="med"/>
+                      <a:tailEnd type="none" w="med" len="med"/>
+                    </a:lnL>
+                    <a:lnR w="12700" cap="flat" cmpd="sng" algn="ctr">
+                      <a:solidFill>
+                        <a:schemeClr val="tx1"/>
+                      </a:solidFill>
+                      <a:prstDash val="solid"/>
+                      <a:round/>
+                      <a:headEnd type="none" w="med" len="med"/>
+                      <a:tailEnd type="none" w="med" len="med"/>
+                    </a:lnR>
+                    <a:lnT w="12700" cap="flat" cmpd="sng" algn="ctr">
+                      <a:solidFill>
+                        <a:schemeClr val="tx1"/>
+                      </a:solidFill>
+                      <a:prstDash val="solid"/>
+                      <a:round/>
+                      <a:headEnd type="none" w="med" len="med"/>
+                      <a:tailEnd type="none" w="med" len="med"/>
+                    </a:lnT>
+                    <a:lnB w="12700" cap="flat" cmpd="sng" algn="ctr">
+                      <a:solidFill>
+                        <a:schemeClr val="tx1"/>
+                      </a:solidFill>
+                      <a:prstDash val="solid"/>
+                      <a:round/>
+                      <a:headEnd type="none" w="med" len="med"/>
+                      <a:tailEnd type="none" w="med" len="med"/>
+                    </a:lnB>
+                    <a:noFill/>
+                  </a:tcPr>
+                </a:tc>
+                <a:tc>
+                  <a:txBody>
+                    <a:bodyPr/>
+                    <a:lstStyle/>
+                    <a:p>
+                      <a:pPr algn="r" rtl="0" fontAlgn="b"/>
+                      <a:r>
+                        <a:rPr lang="ar-SA" sz="1400" u="none" strike="noStrike" cap="none" spc="0" dirty="0">
+                          <a:solidFill>
+                            <a:schemeClr val="tx1"/>
+                          </a:solidFill>
+                          <a:effectLst/>
+                        </a:rPr>
+                        <a:t>١١.٤١٢</a:t>
+                      </a:r>
+                      <a:endParaRPr lang="ar-SA" sz="1400" b="0" i="0" u="none" strike="noStrike" cap="none" spc="0" dirty="0">
+                        <a:solidFill>
+                          <a:schemeClr val="tx1"/>
+                        </a:solidFill>
+                        <a:effectLst/>
+                        <a:latin typeface="Arial" panose="020B0604020202020204" pitchFamily="34" charset="0"/>
+                      </a:endParaRPr>
+                    </a:p>
+                  </a:txBody>
+                  <a:tcPr marL="94298" marR="94298" marT="19645" marB="188595" anchor="b">
+                    <a:lnL w="12700" cap="flat" cmpd="sng" algn="ctr">
+                      <a:solidFill>
+                        <a:schemeClr val="tx1"/>
+                      </a:solidFill>
+                      <a:prstDash val="solid"/>
+                      <a:round/>
+                      <a:headEnd type="none" w="med" len="med"/>
+                      <a:tailEnd type="none" w="med" len="med"/>
+                    </a:lnL>
+                    <a:lnR w="12700" cap="flat" cmpd="sng" algn="ctr">
+                      <a:solidFill>
+                        <a:schemeClr val="tx1"/>
+                      </a:solidFill>
+                      <a:prstDash val="solid"/>
+                      <a:round/>
+                      <a:headEnd type="none" w="med" len="med"/>
+                      <a:tailEnd type="none" w="med" len="med"/>
+                    </a:lnR>
+                    <a:lnT w="12700" cap="flat" cmpd="sng" algn="ctr">
+                      <a:solidFill>
+                        <a:schemeClr val="tx1"/>
+                      </a:solidFill>
+                      <a:prstDash val="solid"/>
+                      <a:round/>
+                      <a:headEnd type="none" w="med" len="med"/>
+                      <a:tailEnd type="none" w="med" len="med"/>
+                    </a:lnT>
+                    <a:lnB w="12700" cap="flat" cmpd="sng" algn="ctr">
+                      <a:solidFill>
+                        <a:schemeClr val="tx1"/>
+                      </a:solidFill>
+                      <a:prstDash val="solid"/>
+                      <a:round/>
+                      <a:headEnd type="none" w="med" len="med"/>
+                      <a:tailEnd type="none" w="med" len="med"/>
+                    </a:lnB>
+                    <a:noFill/>
+                  </a:tcPr>
+                </a:tc>
+                <a:extLst>
+                  <a:ext uri="{0D108BD9-81ED-4DB2-BD59-A6C34878D82A}">
+                    <a16:rowId xmlns:a16="http://schemas.microsoft.com/office/drawing/2014/main" val="1723229798"/>
+                  </a:ext>
+                </a:extLst>
+              </a:tr>
+            </a:tbl>
+          </a:graphicData>
+        </a:graphic>
+      </p:graphicFrame>
+      <p:graphicFrame>
+        <p:nvGraphicFramePr>
+          <p:cNvPr id="10" name="عنصر نائب للمحتوى 6">
+            <a:extLst>
+              <a:ext uri="{FF2B5EF4-FFF2-40B4-BE49-F238E27FC236}">
+                <a16:creationId xmlns:a16="http://schemas.microsoft.com/office/drawing/2014/main" id="{46E4CD54-E222-E864-C68C-7D47184C994A}"/>
+              </a:ext>
+            </a:extLst>
+          </p:cNvPr>
+          <p:cNvGraphicFramePr>
+            <a:graphicFrameLocks/>
+          </p:cNvGraphicFramePr>
+          <p:nvPr>
+            <p:extLst>
+              <p:ext uri="{D42A27DB-BD31-4B8C-83A1-F6EECF244321}">
+                <p14:modId xmlns:p14="http://schemas.microsoft.com/office/powerpoint/2010/main" val="787880077"/>
+              </p:ext>
+            </p:extLst>
+          </p:nvPr>
+        </p:nvGraphicFramePr>
+        <p:xfrm>
+          <a:off x="481919" y="3834633"/>
+          <a:ext cx="4930342" cy="1754659"/>
+        </p:xfrm>
+        <a:graphic>
+          <a:graphicData uri="http://schemas.openxmlformats.org/drawingml/2006/table">
+            <a:tbl>
+              <a:tblPr rtl="1" firstRow="1" bandRow="1">
+                <a:noFill/>
+                <a:tableStyleId>{5C22544A-7EE6-4342-B048-85BDC9FD1C3A}</a:tableStyleId>
+              </a:tblPr>
+              <a:tblGrid>
+                <a:gridCol w="1600727">
+                  <a:extLst>
+                    <a:ext uri="{9D8B030D-6E8A-4147-A177-3AD203B41FA5}">
+                      <a16:colId xmlns:a16="http://schemas.microsoft.com/office/drawing/2014/main" val="848661994"/>
+                    </a:ext>
+                  </a:extLst>
+                </a:gridCol>
+                <a:gridCol w="1580872">
+                  <a:extLst>
+                    <a:ext uri="{9D8B030D-6E8A-4147-A177-3AD203B41FA5}">
+                      <a16:colId xmlns:a16="http://schemas.microsoft.com/office/drawing/2014/main" val="19911092"/>
+                    </a:ext>
+                  </a:extLst>
+                </a:gridCol>
+                <a:gridCol w="1748743">
+                  <a:extLst>
+                    <a:ext uri="{9D8B030D-6E8A-4147-A177-3AD203B41FA5}">
+                      <a16:colId xmlns:a16="http://schemas.microsoft.com/office/drawing/2014/main" val="1091513545"/>
+                    </a:ext>
+                  </a:extLst>
+                </a:gridCol>
+              </a:tblGrid>
+              <a:tr h="1181319">
+                <a:tc>
+                  <a:txBody>
+                    <a:bodyPr/>
+                    <a:lstStyle/>
+                    <a:p>
+                      <a:pPr algn="r" rtl="1" fontAlgn="b"/>
+                      <a:r>
+                        <a:rPr lang="ar-SA" sz="1800" b="0" u="none" strike="noStrike" cap="none" spc="0" dirty="0">
+                          <a:solidFill>
+                            <a:schemeClr val="tx1"/>
+                          </a:solidFill>
+                          <a:effectLst/>
+                        </a:rPr>
+                        <a:t>أعلى عدد تصاريح زيارة للروضة من نسك</a:t>
+                      </a:r>
+                      <a:endParaRPr lang="ar-SA" sz="1800" b="0" i="0" u="none" strike="noStrike" cap="none" spc="0" dirty="0">
+                        <a:solidFill>
+                          <a:schemeClr val="tx1"/>
+                        </a:solidFill>
+                        <a:effectLst/>
+                        <a:latin typeface="Arial" panose="020B0604020202020204" pitchFamily="34" charset="0"/>
+                      </a:endParaRPr>
+                    </a:p>
+                  </a:txBody>
+                  <a:tcPr marL="94298" marR="94298" marT="19645" marB="188595" anchor="b">
+                    <a:lnL w="12700" cap="flat" cmpd="sng" algn="ctr">
+                      <a:solidFill>
+                        <a:schemeClr val="tx1"/>
+                      </a:solidFill>
+                      <a:prstDash val="solid"/>
+                      <a:round/>
+                      <a:headEnd type="none" w="med" len="med"/>
+                      <a:tailEnd type="none" w="med" len="med"/>
+                    </a:lnL>
+                    <a:lnR w="12700" cap="flat" cmpd="sng" algn="ctr">
+                      <a:solidFill>
+                        <a:schemeClr val="tx1"/>
+                      </a:solidFill>
+                      <a:prstDash val="solid"/>
+                      <a:round/>
+                      <a:headEnd type="none" w="med" len="med"/>
+                      <a:tailEnd type="none" w="med" len="med"/>
+                    </a:lnR>
+                    <a:lnT w="12700" cap="flat" cmpd="sng" algn="ctr">
+                      <a:solidFill>
+                        <a:schemeClr val="tx1"/>
+                      </a:solidFill>
+                      <a:prstDash val="solid"/>
+                      <a:round/>
+                      <a:headEnd type="none" w="med" len="med"/>
+                      <a:tailEnd type="none" w="med" len="med"/>
+                    </a:lnT>
+                    <a:lnB w="12700" cap="flat" cmpd="sng" algn="ctr">
+                      <a:solidFill>
+                        <a:schemeClr val="tx1"/>
+                      </a:solidFill>
+                      <a:prstDash val="solid"/>
+                      <a:round/>
+                      <a:headEnd type="none" w="med" len="med"/>
+                      <a:tailEnd type="none" w="med" len="med"/>
+                    </a:lnB>
+                    <a:noFill/>
+                  </a:tcPr>
+                </a:tc>
+                <a:tc>
+                  <a:txBody>
+                    <a:bodyPr/>
+                    <a:lstStyle/>
+                    <a:p>
+                      <a:pPr algn="r" rtl="1" fontAlgn="b"/>
+                      <a:r>
+                        <a:rPr lang="ar-SA" sz="1800" b="0" u="none" strike="noStrike" cap="none" spc="0" dirty="0">
+                          <a:solidFill>
+                            <a:schemeClr val="tx1"/>
+                          </a:solidFill>
+                          <a:effectLst/>
+                        </a:rPr>
+                        <a:t>أقل عدد تصاريح زيارة للروضة من نسك</a:t>
+                      </a:r>
+                      <a:endParaRPr lang="ar-SA" sz="1800" b="0" i="0" u="none" strike="noStrike" cap="none" spc="0" dirty="0">
+                        <a:solidFill>
+                          <a:schemeClr val="tx1"/>
+                        </a:solidFill>
+                        <a:effectLst/>
+                        <a:latin typeface="Arial" panose="020B0604020202020204" pitchFamily="34" charset="0"/>
+                      </a:endParaRPr>
+                    </a:p>
+                  </a:txBody>
+                  <a:tcPr marL="94298" marR="94298" marT="19645" marB="188595" anchor="b">
+                    <a:lnL w="12700" cap="flat" cmpd="sng" algn="ctr">
+                      <a:solidFill>
+                        <a:schemeClr val="tx1"/>
+                      </a:solidFill>
+                      <a:prstDash val="solid"/>
+                      <a:round/>
+                      <a:headEnd type="none" w="med" len="med"/>
+                      <a:tailEnd type="none" w="med" len="med"/>
+                    </a:lnL>
+                    <a:lnR w="12700" cap="flat" cmpd="sng" algn="ctr">
+                      <a:solidFill>
+                        <a:schemeClr val="tx1"/>
+                      </a:solidFill>
+                      <a:prstDash val="solid"/>
+                      <a:round/>
+                      <a:headEnd type="none" w="med" len="med"/>
+                      <a:tailEnd type="none" w="med" len="med"/>
+                    </a:lnR>
+                    <a:lnT w="12700" cap="flat" cmpd="sng" algn="ctr">
+                      <a:solidFill>
+                        <a:schemeClr val="tx1"/>
+                      </a:solidFill>
+                      <a:prstDash val="solid"/>
+                      <a:round/>
+                      <a:headEnd type="none" w="med" len="med"/>
+                      <a:tailEnd type="none" w="med" len="med"/>
+                    </a:lnT>
+                    <a:lnB w="12700" cap="flat" cmpd="sng" algn="ctr">
+                      <a:solidFill>
+                        <a:schemeClr val="tx1"/>
+                      </a:solidFill>
+                      <a:prstDash val="solid"/>
+                      <a:round/>
+                      <a:headEnd type="none" w="med" len="med"/>
+                      <a:tailEnd type="none" w="med" len="med"/>
+                    </a:lnB>
+                    <a:noFill/>
+                  </a:tcPr>
+                </a:tc>
+                <a:tc>
+                  <a:txBody>
+                    <a:bodyPr/>
+                    <a:lstStyle/>
+                    <a:p>
+                      <a:pPr algn="r" rtl="1" fontAlgn="b"/>
+                      <a:r>
+                        <a:rPr lang="ar-SA" sz="1800" b="0" u="none" strike="noStrike" cap="none" spc="0" dirty="0">
+                          <a:solidFill>
+                            <a:schemeClr val="tx1"/>
+                          </a:solidFill>
+                          <a:effectLst/>
+                        </a:rPr>
+                        <a:t>متوسط عدد تصاريح زيارة للروضة من نسك</a:t>
+                      </a:r>
+                      <a:endParaRPr lang="ar-SA" sz="1800" b="0" i="0" u="none" strike="noStrike" cap="none" spc="0" dirty="0">
+                        <a:solidFill>
+                          <a:schemeClr val="tx1"/>
+                        </a:solidFill>
+                        <a:effectLst/>
+                        <a:latin typeface="Arial" panose="020B0604020202020204" pitchFamily="34" charset="0"/>
+                      </a:endParaRPr>
+                    </a:p>
+                  </a:txBody>
+                  <a:tcPr marL="94298" marR="94298" marT="19645" marB="188595" anchor="b">
+                    <a:lnL w="12700" cap="flat" cmpd="sng" algn="ctr">
+                      <a:solidFill>
+                        <a:schemeClr val="tx1"/>
+                      </a:solidFill>
+                      <a:prstDash val="solid"/>
+                      <a:round/>
+                      <a:headEnd type="none" w="med" len="med"/>
+                      <a:tailEnd type="none" w="med" len="med"/>
+                    </a:lnL>
+                    <a:lnR w="12700" cap="flat" cmpd="sng" algn="ctr">
+                      <a:solidFill>
+                        <a:schemeClr val="tx1"/>
+                      </a:solidFill>
+                      <a:prstDash val="solid"/>
+                      <a:round/>
+                      <a:headEnd type="none" w="med" len="med"/>
+                      <a:tailEnd type="none" w="med" len="med"/>
+                    </a:lnR>
+                    <a:lnT w="12700" cap="flat" cmpd="sng" algn="ctr">
+                      <a:solidFill>
+                        <a:schemeClr val="tx1"/>
+                      </a:solidFill>
+                      <a:prstDash val="solid"/>
+                      <a:round/>
+                      <a:headEnd type="none" w="med" len="med"/>
+                      <a:tailEnd type="none" w="med" len="med"/>
+                    </a:lnT>
+                    <a:lnB w="12700" cap="flat" cmpd="sng" algn="ctr">
+                      <a:solidFill>
+                        <a:schemeClr val="tx1"/>
+                      </a:solidFill>
+                      <a:prstDash val="solid"/>
+                      <a:round/>
+                      <a:headEnd type="none" w="med" len="med"/>
+                      <a:tailEnd type="none" w="med" len="med"/>
+                    </a:lnB>
+                    <a:noFill/>
+                  </a:tcPr>
+                </a:tc>
+                <a:extLst>
+                  <a:ext uri="{0D108BD9-81ED-4DB2-BD59-A6C34878D82A}">
+                    <a16:rowId xmlns:a16="http://schemas.microsoft.com/office/drawing/2014/main" val="3848270015"/>
+                  </a:ext>
+                </a:extLst>
+              </a:tr>
+              <a:tr h="573340">
+                <a:tc>
+                  <a:txBody>
+                    <a:bodyPr/>
+                    <a:lstStyle/>
+                    <a:p>
+                      <a:pPr algn="r" rtl="0" fontAlgn="b"/>
+                      <a:r>
+                        <a:rPr lang="ar-SA" sz="1400" u="none" strike="noStrike" cap="none" spc="0" dirty="0">
+                          <a:solidFill>
+                            <a:schemeClr val="tx1"/>
+                          </a:solidFill>
+                          <a:effectLst/>
+                        </a:rPr>
+                        <a:t>١٨.٧٥٩</a:t>
+                      </a:r>
+                      <a:endParaRPr lang="ar-SA" sz="1400" b="0" i="0" u="none" strike="noStrike" cap="none" spc="0" dirty="0">
+                        <a:solidFill>
+                          <a:schemeClr val="tx1"/>
+                        </a:solidFill>
+                        <a:effectLst/>
+                        <a:latin typeface="Arial" panose="020B0604020202020204" pitchFamily="34" charset="0"/>
+                      </a:endParaRPr>
+                    </a:p>
+                  </a:txBody>
+                  <a:tcPr marL="94298" marR="94298" marT="19645" marB="188595" anchor="b">
+                    <a:lnL w="12700" cap="flat" cmpd="sng" algn="ctr">
+                      <a:solidFill>
+                        <a:schemeClr val="tx1"/>
+                      </a:solidFill>
+                      <a:prstDash val="solid"/>
+                      <a:round/>
+                      <a:headEnd type="none" w="med" len="med"/>
+                      <a:tailEnd type="none" w="med" len="med"/>
+                    </a:lnL>
+                    <a:lnR w="12700" cap="flat" cmpd="sng" algn="ctr">
+                      <a:solidFill>
+                        <a:schemeClr val="tx1"/>
+                      </a:solidFill>
+                      <a:prstDash val="solid"/>
+                      <a:round/>
+                      <a:headEnd type="none" w="med" len="med"/>
+                      <a:tailEnd type="none" w="med" len="med"/>
+                    </a:lnR>
+                    <a:lnT w="12700" cap="flat" cmpd="sng" algn="ctr">
+                      <a:solidFill>
+                        <a:schemeClr val="tx1"/>
+                      </a:solidFill>
+                      <a:prstDash val="solid"/>
+                      <a:round/>
+                      <a:headEnd type="none" w="med" len="med"/>
+                      <a:tailEnd type="none" w="med" len="med"/>
+                    </a:lnT>
+                    <a:lnB w="12700" cap="flat" cmpd="sng" algn="ctr">
+                      <a:solidFill>
+                        <a:schemeClr val="tx1"/>
+                      </a:solidFill>
+                      <a:prstDash val="solid"/>
+                      <a:round/>
+                      <a:headEnd type="none" w="med" len="med"/>
+                      <a:tailEnd type="none" w="med" len="med"/>
+                    </a:lnB>
+                    <a:noFill/>
+                  </a:tcPr>
+                </a:tc>
+                <a:tc>
+                  <a:txBody>
+                    <a:bodyPr/>
+                    <a:lstStyle/>
+                    <a:p>
+                      <a:pPr algn="r" rtl="0" fontAlgn="b"/>
+                      <a:r>
+                        <a:rPr lang="ar-SA" sz="1400" u="none" strike="noStrike" cap="none" spc="0" dirty="0">
+                          <a:solidFill>
+                            <a:schemeClr val="tx1"/>
+                          </a:solidFill>
+                          <a:effectLst/>
+                        </a:rPr>
+                        <a:t>١</a:t>
+                      </a:r>
+                      <a:endParaRPr lang="ar-SA" sz="1400" b="0" i="0" u="none" strike="noStrike" cap="none" spc="0" dirty="0">
+                        <a:solidFill>
+                          <a:schemeClr val="tx1"/>
+                        </a:solidFill>
+                        <a:effectLst/>
+                        <a:latin typeface="Arial" panose="020B0604020202020204" pitchFamily="34" charset="0"/>
+                      </a:endParaRPr>
+                    </a:p>
+                  </a:txBody>
+                  <a:tcPr marL="94298" marR="94298" marT="19645" marB="188595" anchor="b">
+                    <a:lnL w="12700" cap="flat" cmpd="sng" algn="ctr">
+                      <a:solidFill>
+                        <a:schemeClr val="tx1"/>
+                      </a:solidFill>
+                      <a:prstDash val="solid"/>
+                      <a:round/>
+                      <a:headEnd type="none" w="med" len="med"/>
+                      <a:tailEnd type="none" w="med" len="med"/>
+                    </a:lnL>
+                    <a:lnR w="12700" cap="flat" cmpd="sng" algn="ctr">
+                      <a:solidFill>
+                        <a:schemeClr val="tx1"/>
+                      </a:solidFill>
+                      <a:prstDash val="solid"/>
+                      <a:round/>
+                      <a:headEnd type="none" w="med" len="med"/>
+                      <a:tailEnd type="none" w="med" len="med"/>
+                    </a:lnR>
+                    <a:lnT w="12700" cap="flat" cmpd="sng" algn="ctr">
+                      <a:solidFill>
+                        <a:schemeClr val="tx1"/>
+                      </a:solidFill>
+                      <a:prstDash val="solid"/>
+                      <a:round/>
+                      <a:headEnd type="none" w="med" len="med"/>
+                      <a:tailEnd type="none" w="med" len="med"/>
+                    </a:lnT>
+                    <a:lnB w="12700" cap="flat" cmpd="sng" algn="ctr">
+                      <a:solidFill>
+                        <a:schemeClr val="tx1"/>
+                      </a:solidFill>
+                      <a:prstDash val="solid"/>
+                      <a:round/>
+                      <a:headEnd type="none" w="med" len="med"/>
+                      <a:tailEnd type="none" w="med" len="med"/>
+                    </a:lnB>
+                    <a:noFill/>
+                  </a:tcPr>
+                </a:tc>
+                <a:tc>
+                  <a:txBody>
+                    <a:bodyPr/>
+                    <a:lstStyle/>
+                    <a:p>
+                      <a:pPr algn="r" rtl="0" fontAlgn="b"/>
+                      <a:r>
+                        <a:rPr lang="ar-SA" sz="1400" u="none" strike="noStrike" cap="none" spc="0" dirty="0">
+                          <a:solidFill>
+                            <a:schemeClr val="tx1"/>
+                          </a:solidFill>
+                          <a:effectLst/>
+                        </a:rPr>
+                        <a:t>٨.٥٥٩</a:t>
+                      </a:r>
+                      <a:endParaRPr lang="ar-SA" sz="1400" b="0" i="0" u="none" strike="noStrike" cap="none" spc="0" dirty="0">
+                        <a:solidFill>
+                          <a:schemeClr val="tx1"/>
+                        </a:solidFill>
+                        <a:effectLst/>
+                        <a:latin typeface="Arial" panose="020B0604020202020204" pitchFamily="34" charset="0"/>
+                      </a:endParaRPr>
+                    </a:p>
+                  </a:txBody>
+                  <a:tcPr marL="94298" marR="94298" marT="19645" marB="188595" anchor="b">
+                    <a:lnL w="12700" cap="flat" cmpd="sng" algn="ctr">
+                      <a:solidFill>
+                        <a:schemeClr val="tx1"/>
+                      </a:solidFill>
+                      <a:prstDash val="solid"/>
+                      <a:round/>
+                      <a:headEnd type="none" w="med" len="med"/>
+                      <a:tailEnd type="none" w="med" len="med"/>
+                    </a:lnL>
+                    <a:lnR w="12700" cap="flat" cmpd="sng" algn="ctr">
+                      <a:solidFill>
+                        <a:schemeClr val="tx1"/>
+                      </a:solidFill>
+                      <a:prstDash val="solid"/>
+                      <a:round/>
+                      <a:headEnd type="none" w="med" len="med"/>
+                      <a:tailEnd type="none" w="med" len="med"/>
+                    </a:lnR>
+                    <a:lnT w="12700" cap="flat" cmpd="sng" algn="ctr">
+                      <a:solidFill>
+                        <a:schemeClr val="tx1"/>
+                      </a:solidFill>
+                      <a:prstDash val="solid"/>
+                      <a:round/>
+                      <a:headEnd type="none" w="med" len="med"/>
+                      <a:tailEnd type="none" w="med" len="med"/>
+                    </a:lnT>
+                    <a:lnB w="12700" cap="flat" cmpd="sng" algn="ctr">
+                      <a:solidFill>
+                        <a:schemeClr val="tx1"/>
+                      </a:solidFill>
+                      <a:prstDash val="solid"/>
+                      <a:round/>
+                      <a:headEnd type="none" w="med" len="med"/>
+                      <a:tailEnd type="none" w="med" len="med"/>
+                    </a:lnB>
+                    <a:noFill/>
+                  </a:tcPr>
+                </a:tc>
+                <a:extLst>
+                  <a:ext uri="{0D108BD9-81ED-4DB2-BD59-A6C34878D82A}">
+                    <a16:rowId xmlns:a16="http://schemas.microsoft.com/office/drawing/2014/main" val="1723229798"/>
+                  </a:ext>
+                </a:extLst>
+              </a:tr>
+            </a:tbl>
+          </a:graphicData>
+        </a:graphic>
+      </p:graphicFrame>
+      <p:sp>
+        <p:nvSpPr>
+          <p:cNvPr id="12" name="عنوان 1">
+            <a:extLst>
+              <a:ext uri="{FF2B5EF4-FFF2-40B4-BE49-F238E27FC236}">
+                <a16:creationId xmlns:a16="http://schemas.microsoft.com/office/drawing/2014/main" id="{21519946-932E-4061-2CBB-592A5725719C}"/>
+              </a:ext>
+            </a:extLst>
+          </p:cNvPr>
+          <p:cNvSpPr txBox="1">
+            <a:spLocks/>
+          </p:cNvSpPr>
+          <p:nvPr/>
+        </p:nvSpPr>
+        <p:spPr>
+          <a:xfrm>
+            <a:off x="9372814" y="2798290"/>
+            <a:ext cx="2415534" cy="785169"/>
+          </a:xfrm>
+          <a:prstGeom prst="rect">
+            <a:avLst/>
+          </a:prstGeom>
+        </p:spPr>
+        <p:txBody>
+          <a:bodyPr lIns="109728" tIns="109728" rIns="109728" bIns="91440" anchor="t">
+            <a:normAutofit/>
+          </a:bodyPr>
+          <a:lstStyle>
+            <a:lvl1pPr algn="l" defTabSz="914400" rtl="0" eaLnBrk="1" latinLnBrk="0" hangingPunct="1">
+              <a:lnSpc>
+                <a:spcPct val="100000"/>
+              </a:lnSpc>
+              <a:spcBef>
+                <a:spcPct val="0"/>
+              </a:spcBef>
+              <a:buNone/>
+              <a:defRPr sz="4800" kern="1200" cap="none" baseline="0">
+                <a:solidFill>
+                  <a:schemeClr val="tx1"/>
+                </a:solidFill>
+                <a:latin typeface="+mj-lt"/>
+                <a:ea typeface="+mj-ea"/>
+                <a:cs typeface="+mj-cs"/>
+              </a:defRPr>
+            </a:lvl1pPr>
+          </a:lstStyle>
+          <a:p>
+            <a:pPr marL="457200" indent="-457200" algn="r" rtl="1">
+              <a:buFont typeface="Wingdings" pitchFamily="2" charset="2"/>
+              <a:buChar char="v"/>
+            </a:pPr>
+            <a:r>
+              <a:rPr lang="ar-SA" sz="3200" dirty="0"/>
+              <a:t>للرجال:</a:t>
+            </a:r>
+          </a:p>
+        </p:txBody>
+      </p:sp>
+      <p:sp>
+        <p:nvSpPr>
+          <p:cNvPr id="17" name="عنوان 1">
+            <a:extLst>
+              <a:ext uri="{FF2B5EF4-FFF2-40B4-BE49-F238E27FC236}">
+                <a16:creationId xmlns:a16="http://schemas.microsoft.com/office/drawing/2014/main" id="{584A134F-6317-9C8A-FF8B-4C5850C0587F}"/>
+              </a:ext>
+            </a:extLst>
+          </p:cNvPr>
+          <p:cNvSpPr txBox="1">
+            <a:spLocks/>
+          </p:cNvSpPr>
+          <p:nvPr/>
+        </p:nvSpPr>
+        <p:spPr>
+          <a:xfrm>
+            <a:off x="2996727" y="2798289"/>
+            <a:ext cx="2415534" cy="785169"/>
+          </a:xfrm>
+          <a:prstGeom prst="rect">
+            <a:avLst/>
+          </a:prstGeom>
+        </p:spPr>
+        <p:txBody>
+          <a:bodyPr lIns="109728" tIns="109728" rIns="109728" bIns="91440" anchor="t">
+            <a:normAutofit/>
+          </a:bodyPr>
+          <a:lstStyle>
+            <a:lvl1pPr algn="l" defTabSz="914400" rtl="0" eaLnBrk="1" latinLnBrk="0" hangingPunct="1">
+              <a:lnSpc>
+                <a:spcPct val="100000"/>
+              </a:lnSpc>
+              <a:spcBef>
+                <a:spcPct val="0"/>
+              </a:spcBef>
+              <a:buNone/>
+              <a:defRPr sz="4800" kern="1200" cap="none" baseline="0">
+                <a:solidFill>
+                  <a:schemeClr val="tx1"/>
+                </a:solidFill>
+                <a:latin typeface="+mj-lt"/>
+                <a:ea typeface="+mj-ea"/>
+                <a:cs typeface="+mj-cs"/>
+              </a:defRPr>
+            </a:lvl1pPr>
+          </a:lstStyle>
+          <a:p>
+            <a:pPr marL="457200" indent="-457200" algn="r" rtl="1">
+              <a:buFont typeface="Wingdings" pitchFamily="2" charset="2"/>
+              <a:buChar char="v"/>
+            </a:pPr>
+            <a:r>
+              <a:rPr lang="ar-SA" sz="3200" dirty="0"/>
+              <a:t>للنساء:</a:t>
+            </a:r>
+          </a:p>
+        </p:txBody>
+      </p:sp>
+    </p:spTree>
+    <p:extLst>
+      <p:ext uri="{BB962C8B-B14F-4D97-AF65-F5344CB8AC3E}">
+        <p14:creationId xmlns:p14="http://schemas.microsoft.com/office/powerpoint/2010/main" val="4226704356"/>
+      </p:ext>
+    </p:extLst>
+  </p:cSld>
+  <p:clrMapOvr>
+    <a:masterClrMapping/>
+  </p:clrMapOvr>
+</p:sld>
+</file>
+
+<file path=ppt/slides/slide12.xml><?xml version="1.0" encoding="utf-8"?>
+<p:sld xmlns:a="http://schemas.openxmlformats.org/drawingml/2006/main" xmlns:r="http://schemas.openxmlformats.org/officeDocument/2006/relationships" xmlns:p="http://schemas.openxmlformats.org/presentationml/2006/main">
+  <p:cSld>
+    <p:bg>
+      <p:bgPr>
+        <a:solidFill>
+          <a:schemeClr val="bg2"/>
+        </a:solidFill>
+        <a:effectLst/>
+      </p:bgPr>
+    </p:bg>
+    <p:spTree>
+      <p:nvGrpSpPr>
+        <p:cNvPr id="1" name=""/>
+        <p:cNvGrpSpPr/>
+        <p:nvPr/>
+      </p:nvGrpSpPr>
+      <p:grpSpPr>
+        <a:xfrm>
+          <a:off x="0" y="0"/>
+          <a:ext cx="0" cy="0"/>
+          <a:chOff x="0" y="0"/>
+          <a:chExt cx="0" cy="0"/>
+        </a:xfrm>
+      </p:grpSpPr>
+      <p:sp useBgFill="1">
+        <p:nvSpPr>
+          <p:cNvPr id="8" name="Rectangle 7">
+            <a:extLst>
+              <a:ext uri="{FF2B5EF4-FFF2-40B4-BE49-F238E27FC236}">
+                <a16:creationId xmlns:a16="http://schemas.microsoft.com/office/drawing/2014/main" id="{AFAE2A12-140C-4527-B721-72C1DD3FC66D}"/>
+              </a:ext>
+              <a:ext uri="{C183D7F6-B498-43B3-948B-1728B52AA6E4}">
+                <adec:decorative xmlns:adec="http://schemas.microsoft.com/office/drawing/2017/decorative" val="1"/>
+              </a:ext>
+            </a:extLst>
+          </p:cNvPr>
+          <p:cNvSpPr>
+            <a:spLocks noGrp="1" noRot="1" noChangeAspect="1" noMove="1" noResize="1" noEditPoints="1" noAdjustHandles="1" noChangeArrowheads="1" noChangeShapeType="1" noTextEdit="1"/>
+          </p:cNvSpPr>
+          <p:nvPr>
+            <p:extLst>
+              <p:ext uri="{386F3935-93C4-4BCD-93E2-E3B085C9AB24}">
+                <p16:designElem xmlns:p16="http://schemas.microsoft.com/office/powerpoint/2015/main" val="1"/>
+              </p:ext>
+            </p:extLst>
+          </p:nvPr>
+        </p:nvSpPr>
+        <p:spPr>
+          <a:xfrm>
+            <a:off x="0" y="0"/>
+            <a:ext cx="12192000" cy="6858000"/>
+          </a:xfrm>
+          <a:prstGeom prst="rect">
+            <a:avLst/>
+          </a:prstGeom>
+          <a:ln w="12700" cap="flat" cmpd="sng" algn="ctr">
+            <a:noFill/>
+            <a:prstDash val="solid"/>
+            <a:miter lim="800000"/>
+          </a:ln>
+          <a:effectLst/>
+        </p:spPr>
+        <p:style>
+          <a:lnRef idx="2">
+            <a:schemeClr val="accent1">
+              <a:shade val="50000"/>
+            </a:schemeClr>
+          </a:lnRef>
+          <a:fillRef idx="1">
+            <a:schemeClr val="accent1"/>
+          </a:fillRef>
+          <a:effectRef idx="0">
+            <a:schemeClr val="accent1"/>
+          </a:effectRef>
+          <a:fontRef idx="minor">
+            <a:schemeClr val="lt1"/>
+          </a:fontRef>
+        </p:style>
+        <p:txBody>
+          <a:bodyPr rtlCol="0" anchor="ctr"/>
+          <a:lstStyle/>
+          <a:p>
+            <a:pPr algn="ctr"/>
+            <a:endParaRPr lang="en-US"/>
+          </a:p>
+        </p:txBody>
+      </p:sp>
+      <p:sp>
+        <p:nvSpPr>
+          <p:cNvPr id="10" name="Rectangle 9">
+            <a:extLst>
+              <a:ext uri="{FF2B5EF4-FFF2-40B4-BE49-F238E27FC236}">
+                <a16:creationId xmlns:a16="http://schemas.microsoft.com/office/drawing/2014/main" id="{A5B43FC7-6A19-4DF3-8506-485B555007D9}"/>
+              </a:ext>
+              <a:ext uri="{C183D7F6-B498-43B3-948B-1728B52AA6E4}">
+                <adec:decorative xmlns:adec="http://schemas.microsoft.com/office/drawing/2017/decorative" val="1"/>
+              </a:ext>
+            </a:extLst>
+          </p:cNvPr>
+          <p:cNvSpPr>
+            <a:spLocks noGrp="1" noRot="1" noChangeAspect="1" noMove="1" noResize="1" noEditPoints="1" noAdjustHandles="1" noChangeArrowheads="1" noChangeShapeType="1" noTextEdit="1"/>
+          </p:cNvSpPr>
+          <p:nvPr>
+            <p:extLst>
+              <p:ext uri="{386F3935-93C4-4BCD-93E2-E3B085C9AB24}">
+                <p16:designElem xmlns:p16="http://schemas.microsoft.com/office/powerpoint/2015/main" val="1"/>
+              </p:ext>
+            </p:extLst>
+          </p:nvPr>
+        </p:nvSpPr>
+        <p:spPr>
+          <a:xfrm>
+            <a:off x="0" y="0"/>
+            <a:ext cx="12192000" cy="6858000"/>
+          </a:xfrm>
+          <a:prstGeom prst="rect">
+            <a:avLst/>
+          </a:prstGeom>
+          <a:solidFill>
+            <a:schemeClr val="bg2">
+              <a:lumMod val="90000"/>
+              <a:lumOff val="10000"/>
+            </a:schemeClr>
+          </a:solidFill>
+          <a:ln w="12700" cap="flat" cmpd="sng" algn="ctr">
+            <a:noFill/>
+            <a:prstDash val="solid"/>
+            <a:miter lim="800000"/>
+          </a:ln>
+          <a:effectLst/>
+        </p:spPr>
+        <p:style>
+          <a:lnRef idx="2">
+            <a:schemeClr val="accent1">
+              <a:shade val="50000"/>
+            </a:schemeClr>
+          </a:lnRef>
+          <a:fillRef idx="1">
+            <a:schemeClr val="accent1"/>
+          </a:fillRef>
+          <a:effectRef idx="0">
+            <a:schemeClr val="accent1"/>
+          </a:effectRef>
+          <a:fontRef idx="minor">
+            <a:schemeClr val="lt1"/>
+          </a:fontRef>
+        </p:style>
+        <p:txBody>
+          <a:bodyPr rtlCol="0" anchor="ctr"/>
+          <a:lstStyle/>
+          <a:p>
+            <a:pPr algn="ctr"/>
+            <a:endParaRPr lang="en-US"/>
+          </a:p>
+        </p:txBody>
+      </p:sp>
+      <p:sp>
+        <p:nvSpPr>
+          <p:cNvPr id="12" name="Freeform: Shape 11">
+            <a:extLst>
+              <a:ext uri="{FF2B5EF4-FFF2-40B4-BE49-F238E27FC236}">
+                <a16:creationId xmlns:a16="http://schemas.microsoft.com/office/drawing/2014/main" id="{7E689040-6301-4CD3-A20F-EA809EAD514F}"/>
+              </a:ext>
+              <a:ext uri="{C183D7F6-B498-43B3-948B-1728B52AA6E4}">
+                <adec:decorative xmlns:adec="http://schemas.microsoft.com/office/drawing/2017/decorative" val="1"/>
+              </a:ext>
+            </a:extLst>
+          </p:cNvPr>
+          <p:cNvSpPr>
+            <a:spLocks noGrp="1" noRot="1" noChangeAspect="1" noMove="1" noResize="1" noEditPoints="1" noAdjustHandles="1" noChangeArrowheads="1" noChangeShapeType="1" noTextEdit="1"/>
+          </p:cNvSpPr>
+          <p:nvPr>
+            <p:extLst>
+              <p:ext uri="{386F3935-93C4-4BCD-93E2-E3B085C9AB24}">
+                <p16:designElem xmlns:p16="http://schemas.microsoft.com/office/powerpoint/2015/main" val="1"/>
+              </p:ext>
+            </p:extLst>
+          </p:nvPr>
+        </p:nvSpPr>
+        <p:spPr>
+          <a:xfrm>
+            <a:off x="0" y="0"/>
+            <a:ext cx="12192000" cy="6858000"/>
+          </a:xfrm>
+          <a:custGeom>
+            <a:avLst/>
+            <a:gdLst>
+              <a:gd name="connsiteX0" fmla="*/ 0 w 12192000"/>
+              <a:gd name="connsiteY0" fmla="*/ 0 h 6858000"/>
+              <a:gd name="connsiteX1" fmla="*/ 10344100 w 12192000"/>
+              <a:gd name="connsiteY1" fmla="*/ 0 h 6858000"/>
+              <a:gd name="connsiteX2" fmla="*/ 10628041 w 12192000"/>
+              <a:gd name="connsiteY2" fmla="*/ 181981 h 6858000"/>
+              <a:gd name="connsiteX3" fmla="*/ 10890786 w 12192000"/>
+              <a:gd name="connsiteY3" fmla="*/ 404196 h 6858000"/>
+              <a:gd name="connsiteX4" fmla="*/ 12140703 w 12192000"/>
+              <a:gd name="connsiteY4" fmla="*/ 2501275 h 6858000"/>
+              <a:gd name="connsiteX5" fmla="*/ 12192000 w 12192000"/>
+              <a:gd name="connsiteY5" fmla="*/ 2695497 h 6858000"/>
+              <a:gd name="connsiteX6" fmla="*/ 12192000 w 12192000"/>
+              <a:gd name="connsiteY6" fmla="*/ 5699618 h 6858000"/>
+              <a:gd name="connsiteX7" fmla="*/ 12152883 w 12192000"/>
+              <a:gd name="connsiteY7" fmla="*/ 5839731 h 6858000"/>
+              <a:gd name="connsiteX8" fmla="*/ 11693517 w 12192000"/>
+              <a:gd name="connsiteY8" fmla="*/ 6719283 h 6858000"/>
+              <a:gd name="connsiteX9" fmla="*/ 11571478 w 12192000"/>
+              <a:gd name="connsiteY9" fmla="*/ 6858000 h 6858000"/>
+              <a:gd name="connsiteX10" fmla="*/ 0 w 12192000"/>
+              <a:gd name="connsiteY10" fmla="*/ 6858000 h 6858000"/>
+            </a:gdLst>
+            <a:ahLst/>
+            <a:cxnLst>
+              <a:cxn ang="0">
+                <a:pos x="connsiteX0" y="connsiteY0"/>
+              </a:cxn>
+              <a:cxn ang="0">
+                <a:pos x="connsiteX1" y="connsiteY1"/>
+              </a:cxn>
+              <a:cxn ang="0">
+                <a:pos x="connsiteX2" y="connsiteY2"/>
+              </a:cxn>
+              <a:cxn ang="0">
+                <a:pos x="connsiteX3" y="connsiteY3"/>
+              </a:cxn>
+              <a:cxn ang="0">
+                <a:pos x="connsiteX4" y="connsiteY4"/>
+              </a:cxn>
+              <a:cxn ang="0">
+                <a:pos x="connsiteX5" y="connsiteY5"/>
+              </a:cxn>
+              <a:cxn ang="0">
+                <a:pos x="connsiteX6" y="connsiteY6"/>
+              </a:cxn>
+              <a:cxn ang="0">
+                <a:pos x="connsiteX7" y="connsiteY7"/>
+              </a:cxn>
+              <a:cxn ang="0">
+                <a:pos x="connsiteX8" y="connsiteY8"/>
+              </a:cxn>
+              <a:cxn ang="0">
+                <a:pos x="connsiteX9" y="connsiteY9"/>
+              </a:cxn>
+              <a:cxn ang="0">
+                <a:pos x="connsiteX10" y="connsiteY10"/>
+              </a:cxn>
+            </a:cxnLst>
+            <a:rect l="l" t="t" r="r" b="b"/>
+            <a:pathLst>
+              <a:path w="12192000" h="6858000">
+                <a:moveTo>
+                  <a:pt x="0" y="0"/>
+                </a:moveTo>
+                <a:lnTo>
+                  <a:pt x="10344100" y="0"/>
+                </a:lnTo>
+                <a:lnTo>
+                  <a:pt x="10628041" y="181981"/>
+                </a:lnTo>
+                <a:cubicBezTo>
+                  <a:pt x="10728383" y="255277"/>
+                  <a:pt x="10816544" y="329736"/>
+                  <a:pt x="10890786" y="404196"/>
+                </a:cubicBezTo>
+                <a:cubicBezTo>
+                  <a:pt x="11447593" y="962641"/>
+                  <a:pt x="11888399" y="1637430"/>
+                  <a:pt x="12140703" y="2501275"/>
+                </a:cubicBezTo>
+                <a:lnTo>
+                  <a:pt x="12192000" y="2695497"/>
+                </a:lnTo>
+                <a:lnTo>
+                  <a:pt x="12192000" y="5699618"/>
+                </a:lnTo>
+                <a:lnTo>
+                  <a:pt x="12152883" y="5839731"/>
+                </a:lnTo>
+                <a:cubicBezTo>
+                  <a:pt x="12041522" y="6174798"/>
+                  <a:pt x="11888399" y="6467982"/>
+                  <a:pt x="11693517" y="6719283"/>
+                </a:cubicBezTo>
+                <a:lnTo>
+                  <a:pt x="11571478" y="6858000"/>
+                </a:lnTo>
+                <a:lnTo>
+                  <a:pt x="0" y="6858000"/>
+                </a:lnTo>
+                <a:close/>
+              </a:path>
+            </a:pathLst>
+          </a:custGeom>
+          <a:solidFill>
+            <a:schemeClr val="bg2"/>
+          </a:solidFill>
+          <a:ln>
+            <a:noFill/>
+          </a:ln>
+        </p:spPr>
+        <p:txBody>
+          <a:bodyPr vert="horz" wrap="square" lIns="91440" tIns="45720" rIns="91440" bIns="45720" numCol="1" anchor="t" anchorCtr="0" compatLnSpc="1">
+            <a:prstTxWarp prst="textNoShape">
+              <a:avLst/>
+            </a:prstTxWarp>
+          </a:bodyPr>
+          <a:lstStyle/>
+          <a:p>
+            <a:endParaRPr lang="en-US">
+              <a:solidFill>
+                <a:schemeClr val="tx1"/>
+              </a:solidFill>
+            </a:endParaRPr>
+          </a:p>
+        </p:txBody>
+      </p:sp>
+      <p:sp>
+        <p:nvSpPr>
+          <p:cNvPr id="2" name="عنوان 1">
+            <a:extLst>
+              <a:ext uri="{FF2B5EF4-FFF2-40B4-BE49-F238E27FC236}">
+                <a16:creationId xmlns:a16="http://schemas.microsoft.com/office/drawing/2014/main" id="{EC93F665-A5AA-51E3-B089-2C82A2B24F0F}"/>
+              </a:ext>
+            </a:extLst>
+          </p:cNvPr>
+          <p:cNvSpPr>
+            <a:spLocks noGrp="1"/>
+          </p:cNvSpPr>
+          <p:nvPr>
+            <p:ph type="title"/>
+          </p:nvPr>
+        </p:nvSpPr>
+        <p:spPr>
+          <a:xfrm>
+            <a:off x="720000" y="619200"/>
+            <a:ext cx="6923813" cy="1477328"/>
+          </a:xfrm>
+        </p:spPr>
+        <p:txBody>
+          <a:bodyPr>
+            <a:normAutofit/>
+          </a:bodyPr>
+          <a:lstStyle/>
+          <a:p>
+            <a:r>
+              <a:rPr lang="ar-SA" sz="3200" dirty="0"/>
+              <a:t>ملخص التحليل</a:t>
+            </a:r>
+          </a:p>
+        </p:txBody>
+      </p:sp>
+      <p:sp>
+        <p:nvSpPr>
+          <p:cNvPr id="3" name="عنصر نائب للمحتوى 2">
+            <a:extLst>
+              <a:ext uri="{FF2B5EF4-FFF2-40B4-BE49-F238E27FC236}">
+                <a16:creationId xmlns:a16="http://schemas.microsoft.com/office/drawing/2014/main" id="{903B2F78-B33C-0317-2EB9-6D66970B3A0E}"/>
+              </a:ext>
+            </a:extLst>
+          </p:cNvPr>
+          <p:cNvSpPr>
+            <a:spLocks noGrp="1"/>
+          </p:cNvSpPr>
+          <p:nvPr>
+            <p:ph idx="1"/>
+          </p:nvPr>
+        </p:nvSpPr>
+        <p:spPr>
+          <a:xfrm>
+            <a:off x="720000" y="2448000"/>
+            <a:ext cx="10716487" cy="3319200"/>
+          </a:xfrm>
+        </p:spPr>
+        <p:txBody>
+          <a:bodyPr>
+            <a:normAutofit lnSpcReduction="10000"/>
+          </a:bodyPr>
+          <a:lstStyle/>
+          <a:p>
+            <a:pPr marL="0" indent="0" algn="r" defTabSz="914400" rtl="1" eaLnBrk="1" latinLnBrk="0" hangingPunct="1">
+              <a:lnSpc>
+                <a:spcPct val="110000"/>
+              </a:lnSpc>
+              <a:spcBef>
+                <a:spcPts val="1000"/>
+              </a:spcBef>
+              <a:buClr>
+                <a:schemeClr val="accent4"/>
+              </a:buClr>
+              <a:buNone/>
+            </a:pPr>
+            <a:r>
+              <a:rPr lang="ar-SA" sz="2000" dirty="0"/>
+              <a:t>في عام ١٤٤٤هـ، تم إصدار حوالي ٣٢ مليون تصريح من تطبيق نُسُك. كانت تصاريح العمرة هي الأعلى بنسبة ٦٩٪  يليها تصاريح الروضة للرجال بنسبة ١٦٪ وأخيراً تصاريح روضة النساء بنسبة ١٥٪. </a:t>
+            </a:r>
+          </a:p>
+          <a:p>
+            <a:pPr marL="0" indent="0" algn="r" defTabSz="914400" rtl="1" eaLnBrk="1" latinLnBrk="0" hangingPunct="1">
+              <a:lnSpc>
+                <a:spcPct val="110000"/>
+              </a:lnSpc>
+              <a:spcBef>
+                <a:spcPts val="1000"/>
+              </a:spcBef>
+              <a:buClr>
+                <a:schemeClr val="accent4"/>
+              </a:buClr>
+              <a:buNone/>
+            </a:pPr>
+            <a:endParaRPr lang="ar-SA" sz="2000" dirty="0"/>
+          </a:p>
+          <a:p>
+            <a:pPr marL="0" indent="0" algn="r" defTabSz="914400" rtl="1" eaLnBrk="1" latinLnBrk="0" hangingPunct="1">
+              <a:lnSpc>
+                <a:spcPct val="110000"/>
+              </a:lnSpc>
+              <a:spcBef>
+                <a:spcPts val="1000"/>
+              </a:spcBef>
+              <a:buClr>
+                <a:schemeClr val="accent4"/>
+              </a:buClr>
+              <a:buNone/>
+            </a:pPr>
+            <a:r>
+              <a:rPr lang="ar-SA" sz="2000" dirty="0"/>
+              <a:t>بالنسبة إلى تصاريح العمرة، فالرجال أكثر إصداراً للتصاريح من النساء بنسبة ٥٩٪. أما الشهور التي يتم فيها إصدار التصاريح كان شهر رمضان الكريم بما يقارب ٧ مليون تصريح عمرة في رمضان ١٤٤٤هـ.</a:t>
+            </a:r>
+          </a:p>
+          <a:p>
+            <a:pPr marL="0" indent="0" algn="r" defTabSz="914400" rtl="1" eaLnBrk="1" latinLnBrk="0" hangingPunct="1">
+              <a:lnSpc>
+                <a:spcPct val="110000"/>
+              </a:lnSpc>
+              <a:spcBef>
+                <a:spcPts val="1000"/>
+              </a:spcBef>
+              <a:buClr>
+                <a:schemeClr val="accent4"/>
+              </a:buClr>
+              <a:buNone/>
+            </a:pPr>
+            <a:endParaRPr lang="ar-SA" sz="2000" dirty="0"/>
+          </a:p>
+          <a:p>
+            <a:pPr marL="0" indent="0" algn="r" defTabSz="914400" rtl="1" eaLnBrk="1" latinLnBrk="0" hangingPunct="1">
+              <a:lnSpc>
+                <a:spcPct val="110000"/>
+              </a:lnSpc>
+              <a:spcBef>
+                <a:spcPts val="1000"/>
+              </a:spcBef>
+              <a:buClr>
+                <a:schemeClr val="accent4"/>
+              </a:buClr>
+              <a:buNone/>
+            </a:pPr>
+            <a:r>
+              <a:rPr lang="ar-SA" sz="2000" dirty="0"/>
+              <a:t>أما بالنسبة إلى تصاريح زيارة الروضة الشريفة، فالرجال والنساء متساويين في إصدار التصاريح بنسبة ٥٠٪ لكلاً منهما. أكثر شهر تم إصدار تصاريح زيارة للروضة الشريفة للرجال كان الشهر الثامن هجرياً، بينما للنساء كان الشهر السادس هجرياً.</a:t>
+            </a:r>
+          </a:p>
+        </p:txBody>
+      </p:sp>
+      <p:cxnSp>
+        <p:nvCxnSpPr>
+          <p:cNvPr id="5" name="موصل مستقيم 4">
+            <a:extLst>
+              <a:ext uri="{FF2B5EF4-FFF2-40B4-BE49-F238E27FC236}">
+                <a16:creationId xmlns:a16="http://schemas.microsoft.com/office/drawing/2014/main" id="{5D2C5C3C-94C6-C7FD-63F3-34B8CFC357E0}"/>
+              </a:ext>
+            </a:extLst>
+          </p:cNvPr>
+          <p:cNvCxnSpPr>
+            <a:cxnSpLocks/>
+          </p:cNvCxnSpPr>
+          <p:nvPr/>
+        </p:nvCxnSpPr>
+        <p:spPr>
+          <a:xfrm flipV="1">
+            <a:off x="720000" y="1218511"/>
+            <a:ext cx="2084984" cy="10978"/>
+          </a:xfrm>
+          <a:prstGeom prst="line">
+            <a:avLst/>
+          </a:prstGeom>
+          <a:ln>
+            <a:solidFill>
+              <a:schemeClr val="tx1"/>
+            </a:solidFill>
+          </a:ln>
+        </p:spPr>
+        <p:style>
+          <a:lnRef idx="1">
+            <a:schemeClr val="accent1"/>
+          </a:lnRef>
+          <a:fillRef idx="0">
+            <a:schemeClr val="accent1"/>
+          </a:fillRef>
+          <a:effectRef idx="0">
+            <a:schemeClr val="accent1"/>
+          </a:effectRef>
+          <a:fontRef idx="minor">
+            <a:schemeClr val="tx1"/>
+          </a:fontRef>
+        </p:style>
+      </p:cxnSp>
+    </p:spTree>
+    <p:extLst>
+      <p:ext uri="{BB962C8B-B14F-4D97-AF65-F5344CB8AC3E}">
+        <p14:creationId xmlns:p14="http://schemas.microsoft.com/office/powerpoint/2010/main" val="1099231918"/>
+      </p:ext>
+    </p:extLst>
+  </p:cSld>
+  <p:clrMapOvr>
+    <a:masterClrMapping/>
+  </p:clrMapOvr>
+</p:sld>
+</file>
+
 <file path=ppt/slides/slide2.xml><?xml version="1.0" encoding="utf-8"?>
+<p:sld xmlns:a="http://schemas.openxmlformats.org/drawingml/2006/main" xmlns:r="http://schemas.openxmlformats.org/officeDocument/2006/relationships" xmlns:p="http://schemas.openxmlformats.org/presentationml/2006/main">
+  <p:cSld>
+    <p:bg>
+      <p:bgPr>
+        <a:solidFill>
+          <a:schemeClr val="bg2"/>
+        </a:solidFill>
+        <a:effectLst/>
+      </p:bgPr>
+    </p:bg>
+    <p:spTree>
+      <p:nvGrpSpPr>
+        <p:cNvPr id="1" name=""/>
+        <p:cNvGrpSpPr/>
+        <p:nvPr/>
+      </p:nvGrpSpPr>
+      <p:grpSpPr>
+        <a:xfrm>
+          <a:off x="0" y="0"/>
+          <a:ext cx="0" cy="0"/>
+          <a:chOff x="0" y="0"/>
+          <a:chExt cx="0" cy="0"/>
+        </a:xfrm>
+      </p:grpSpPr>
+      <p:sp useBgFill="1">
+        <p:nvSpPr>
+          <p:cNvPr id="8" name="Rectangle 7">
+            <a:extLst>
+              <a:ext uri="{FF2B5EF4-FFF2-40B4-BE49-F238E27FC236}">
+                <a16:creationId xmlns:a16="http://schemas.microsoft.com/office/drawing/2014/main" id="{AFAE2A12-140C-4527-B721-72C1DD3FC66D}"/>
+              </a:ext>
+              <a:ext uri="{C183D7F6-B498-43B3-948B-1728B52AA6E4}">
+                <adec:decorative xmlns:adec="http://schemas.microsoft.com/office/drawing/2017/decorative" val="1"/>
+              </a:ext>
+            </a:extLst>
+          </p:cNvPr>
+          <p:cNvSpPr>
+            <a:spLocks noGrp="1" noRot="1" noChangeAspect="1" noMove="1" noResize="1" noEditPoints="1" noAdjustHandles="1" noChangeArrowheads="1" noChangeShapeType="1" noTextEdit="1"/>
+          </p:cNvSpPr>
+          <p:nvPr>
+            <p:extLst>
+              <p:ext uri="{386F3935-93C4-4BCD-93E2-E3B085C9AB24}">
+                <p16:designElem xmlns:p16="http://schemas.microsoft.com/office/powerpoint/2015/main" val="1"/>
+              </p:ext>
+            </p:extLst>
+          </p:nvPr>
+        </p:nvSpPr>
+        <p:spPr>
+          <a:xfrm>
+            <a:off x="0" y="0"/>
+            <a:ext cx="12192000" cy="6858000"/>
+          </a:xfrm>
+          <a:prstGeom prst="rect">
+            <a:avLst/>
+          </a:prstGeom>
+          <a:ln w="12700" cap="flat" cmpd="sng" algn="ctr">
+            <a:noFill/>
+            <a:prstDash val="solid"/>
+            <a:miter lim="800000"/>
+          </a:ln>
+          <a:effectLst/>
+        </p:spPr>
+        <p:style>
+          <a:lnRef idx="2">
+            <a:schemeClr val="accent1">
+              <a:shade val="50000"/>
+            </a:schemeClr>
+          </a:lnRef>
+          <a:fillRef idx="1">
+            <a:schemeClr val="accent1"/>
+          </a:fillRef>
+          <a:effectRef idx="0">
+            <a:schemeClr val="accent1"/>
+          </a:effectRef>
+          <a:fontRef idx="minor">
+            <a:schemeClr val="lt1"/>
+          </a:fontRef>
+        </p:style>
+        <p:txBody>
+          <a:bodyPr rtlCol="0" anchor="ctr"/>
+          <a:lstStyle/>
+          <a:p>
+            <a:pPr algn="ctr"/>
+            <a:endParaRPr lang="en-US"/>
+          </a:p>
+        </p:txBody>
+      </p:sp>
+      <p:sp>
+        <p:nvSpPr>
+          <p:cNvPr id="10" name="Rectangle 9">
+            <a:extLst>
+              <a:ext uri="{FF2B5EF4-FFF2-40B4-BE49-F238E27FC236}">
+                <a16:creationId xmlns:a16="http://schemas.microsoft.com/office/drawing/2014/main" id="{A5B43FC7-6A19-4DF3-8506-485B555007D9}"/>
+              </a:ext>
+              <a:ext uri="{C183D7F6-B498-43B3-948B-1728B52AA6E4}">
+                <adec:decorative xmlns:adec="http://schemas.microsoft.com/office/drawing/2017/decorative" val="1"/>
+              </a:ext>
+            </a:extLst>
+          </p:cNvPr>
+          <p:cNvSpPr>
+            <a:spLocks noGrp="1" noRot="1" noChangeAspect="1" noMove="1" noResize="1" noEditPoints="1" noAdjustHandles="1" noChangeArrowheads="1" noChangeShapeType="1" noTextEdit="1"/>
+          </p:cNvSpPr>
+          <p:nvPr>
+            <p:extLst>
+              <p:ext uri="{386F3935-93C4-4BCD-93E2-E3B085C9AB24}">
+                <p16:designElem xmlns:p16="http://schemas.microsoft.com/office/powerpoint/2015/main" val="1"/>
+              </p:ext>
+            </p:extLst>
+          </p:nvPr>
+        </p:nvSpPr>
+        <p:spPr>
+          <a:xfrm>
+            <a:off x="0" y="0"/>
+            <a:ext cx="12192000" cy="6858000"/>
+          </a:xfrm>
+          <a:prstGeom prst="rect">
+            <a:avLst/>
+          </a:prstGeom>
+          <a:solidFill>
+            <a:schemeClr val="bg2">
+              <a:lumMod val="90000"/>
+              <a:lumOff val="10000"/>
+            </a:schemeClr>
+          </a:solidFill>
+          <a:ln w="12700" cap="flat" cmpd="sng" algn="ctr">
+            <a:noFill/>
+            <a:prstDash val="solid"/>
+            <a:miter lim="800000"/>
+          </a:ln>
+          <a:effectLst/>
+        </p:spPr>
+        <p:style>
+          <a:lnRef idx="2">
+            <a:schemeClr val="accent1">
+              <a:shade val="50000"/>
+            </a:schemeClr>
+          </a:lnRef>
+          <a:fillRef idx="1">
+            <a:schemeClr val="accent1"/>
+          </a:fillRef>
+          <a:effectRef idx="0">
+            <a:schemeClr val="accent1"/>
+          </a:effectRef>
+          <a:fontRef idx="minor">
+            <a:schemeClr val="lt1"/>
+          </a:fontRef>
+        </p:style>
+        <p:txBody>
+          <a:bodyPr rtlCol="0" anchor="ctr"/>
+          <a:lstStyle/>
+          <a:p>
+            <a:pPr algn="ctr"/>
+            <a:endParaRPr lang="en-US"/>
+          </a:p>
+        </p:txBody>
+      </p:sp>
+      <p:sp>
+        <p:nvSpPr>
+          <p:cNvPr id="12" name="Freeform: Shape 11">
+            <a:extLst>
+              <a:ext uri="{FF2B5EF4-FFF2-40B4-BE49-F238E27FC236}">
+                <a16:creationId xmlns:a16="http://schemas.microsoft.com/office/drawing/2014/main" id="{7E689040-6301-4CD3-A20F-EA809EAD514F}"/>
+              </a:ext>
+              <a:ext uri="{C183D7F6-B498-43B3-948B-1728B52AA6E4}">
+                <adec:decorative xmlns:adec="http://schemas.microsoft.com/office/drawing/2017/decorative" val="1"/>
+              </a:ext>
+            </a:extLst>
+          </p:cNvPr>
+          <p:cNvSpPr>
+            <a:spLocks noGrp="1" noRot="1" noChangeAspect="1" noMove="1" noResize="1" noEditPoints="1" noAdjustHandles="1" noChangeArrowheads="1" noChangeShapeType="1" noTextEdit="1"/>
+          </p:cNvSpPr>
+          <p:nvPr>
+            <p:extLst>
+              <p:ext uri="{386F3935-93C4-4BCD-93E2-E3B085C9AB24}">
+                <p16:designElem xmlns:p16="http://schemas.microsoft.com/office/powerpoint/2015/main" val="1"/>
+              </p:ext>
+            </p:extLst>
+          </p:nvPr>
+        </p:nvSpPr>
+        <p:spPr>
+          <a:xfrm>
+            <a:off x="0" y="0"/>
+            <a:ext cx="12192000" cy="6858000"/>
+          </a:xfrm>
+          <a:custGeom>
+            <a:avLst/>
+            <a:gdLst>
+              <a:gd name="connsiteX0" fmla="*/ 0 w 12192000"/>
+              <a:gd name="connsiteY0" fmla="*/ 0 h 6858000"/>
+              <a:gd name="connsiteX1" fmla="*/ 10344100 w 12192000"/>
+              <a:gd name="connsiteY1" fmla="*/ 0 h 6858000"/>
+              <a:gd name="connsiteX2" fmla="*/ 10628041 w 12192000"/>
+              <a:gd name="connsiteY2" fmla="*/ 181981 h 6858000"/>
+              <a:gd name="connsiteX3" fmla="*/ 10890786 w 12192000"/>
+              <a:gd name="connsiteY3" fmla="*/ 404196 h 6858000"/>
+              <a:gd name="connsiteX4" fmla="*/ 12140703 w 12192000"/>
+              <a:gd name="connsiteY4" fmla="*/ 2501275 h 6858000"/>
+              <a:gd name="connsiteX5" fmla="*/ 12192000 w 12192000"/>
+              <a:gd name="connsiteY5" fmla="*/ 2695497 h 6858000"/>
+              <a:gd name="connsiteX6" fmla="*/ 12192000 w 12192000"/>
+              <a:gd name="connsiteY6" fmla="*/ 5699618 h 6858000"/>
+              <a:gd name="connsiteX7" fmla="*/ 12152883 w 12192000"/>
+              <a:gd name="connsiteY7" fmla="*/ 5839731 h 6858000"/>
+              <a:gd name="connsiteX8" fmla="*/ 11693517 w 12192000"/>
+              <a:gd name="connsiteY8" fmla="*/ 6719283 h 6858000"/>
+              <a:gd name="connsiteX9" fmla="*/ 11571478 w 12192000"/>
+              <a:gd name="connsiteY9" fmla="*/ 6858000 h 6858000"/>
+              <a:gd name="connsiteX10" fmla="*/ 0 w 12192000"/>
+              <a:gd name="connsiteY10" fmla="*/ 6858000 h 6858000"/>
+            </a:gdLst>
+            <a:ahLst/>
+            <a:cxnLst>
+              <a:cxn ang="0">
+                <a:pos x="connsiteX0" y="connsiteY0"/>
+              </a:cxn>
+              <a:cxn ang="0">
+                <a:pos x="connsiteX1" y="connsiteY1"/>
+              </a:cxn>
+              <a:cxn ang="0">
+                <a:pos x="connsiteX2" y="connsiteY2"/>
+              </a:cxn>
+              <a:cxn ang="0">
+                <a:pos x="connsiteX3" y="connsiteY3"/>
+              </a:cxn>
+              <a:cxn ang="0">
+                <a:pos x="connsiteX4" y="connsiteY4"/>
+              </a:cxn>
+              <a:cxn ang="0">
+                <a:pos x="connsiteX5" y="connsiteY5"/>
+              </a:cxn>
+              <a:cxn ang="0">
+                <a:pos x="connsiteX6" y="connsiteY6"/>
+              </a:cxn>
+              <a:cxn ang="0">
+                <a:pos x="connsiteX7" y="connsiteY7"/>
+              </a:cxn>
+              <a:cxn ang="0">
+                <a:pos x="connsiteX8" y="connsiteY8"/>
+              </a:cxn>
+              <a:cxn ang="0">
+                <a:pos x="connsiteX9" y="connsiteY9"/>
+              </a:cxn>
+              <a:cxn ang="0">
+                <a:pos x="connsiteX10" y="connsiteY10"/>
+              </a:cxn>
+            </a:cxnLst>
+            <a:rect l="l" t="t" r="r" b="b"/>
+            <a:pathLst>
+              <a:path w="12192000" h="6858000">
+                <a:moveTo>
+                  <a:pt x="0" y="0"/>
+                </a:moveTo>
+                <a:lnTo>
+                  <a:pt x="10344100" y="0"/>
+                </a:lnTo>
+                <a:lnTo>
+                  <a:pt x="10628041" y="181981"/>
+                </a:lnTo>
+                <a:cubicBezTo>
+                  <a:pt x="10728383" y="255277"/>
+                  <a:pt x="10816544" y="329736"/>
+                  <a:pt x="10890786" y="404196"/>
+                </a:cubicBezTo>
+                <a:cubicBezTo>
+                  <a:pt x="11447593" y="962641"/>
+                  <a:pt x="11888399" y="1637430"/>
+                  <a:pt x="12140703" y="2501275"/>
+                </a:cubicBezTo>
+                <a:lnTo>
+                  <a:pt x="12192000" y="2695497"/>
+                </a:lnTo>
+                <a:lnTo>
+                  <a:pt x="12192000" y="5699618"/>
+                </a:lnTo>
+                <a:lnTo>
+                  <a:pt x="12152883" y="5839731"/>
+                </a:lnTo>
+                <a:cubicBezTo>
+                  <a:pt x="12041522" y="6174798"/>
+                  <a:pt x="11888399" y="6467982"/>
+                  <a:pt x="11693517" y="6719283"/>
+                </a:cubicBezTo>
+                <a:lnTo>
+                  <a:pt x="11571478" y="6858000"/>
+                </a:lnTo>
+                <a:lnTo>
+                  <a:pt x="0" y="6858000"/>
+                </a:lnTo>
+                <a:close/>
+              </a:path>
+            </a:pathLst>
+          </a:custGeom>
+          <a:solidFill>
+            <a:schemeClr val="bg2"/>
+          </a:solidFill>
+          <a:ln>
+            <a:noFill/>
+          </a:ln>
+        </p:spPr>
+        <p:txBody>
+          <a:bodyPr vert="horz" wrap="square" lIns="91440" tIns="45720" rIns="91440" bIns="45720" numCol="1" anchor="t" anchorCtr="0" compatLnSpc="1">
+            <a:prstTxWarp prst="textNoShape">
+              <a:avLst/>
+            </a:prstTxWarp>
+          </a:bodyPr>
+          <a:lstStyle/>
+          <a:p>
+            <a:endParaRPr lang="en-US">
+              <a:solidFill>
+                <a:schemeClr val="tx1"/>
+              </a:solidFill>
+            </a:endParaRPr>
+          </a:p>
+        </p:txBody>
+      </p:sp>
+      <p:sp>
+        <p:nvSpPr>
+          <p:cNvPr id="2" name="عنوان 1">
+            <a:extLst>
+              <a:ext uri="{FF2B5EF4-FFF2-40B4-BE49-F238E27FC236}">
+                <a16:creationId xmlns:a16="http://schemas.microsoft.com/office/drawing/2014/main" id="{EC93F665-A5AA-51E3-B089-2C82A2B24F0F}"/>
+              </a:ext>
+            </a:extLst>
+          </p:cNvPr>
+          <p:cNvSpPr>
+            <a:spLocks noGrp="1"/>
+          </p:cNvSpPr>
+          <p:nvPr>
+            <p:ph type="title"/>
+          </p:nvPr>
+        </p:nvSpPr>
+        <p:spPr>
+          <a:xfrm>
+            <a:off x="720000" y="619200"/>
+            <a:ext cx="6923813" cy="1477328"/>
+          </a:xfrm>
+        </p:spPr>
+        <p:txBody>
+          <a:bodyPr>
+            <a:normAutofit/>
+          </a:bodyPr>
+          <a:lstStyle/>
+          <a:p>
+            <a:r>
+              <a:rPr lang="ar-SA" sz="3200" dirty="0"/>
+              <a:t>حول المشروع</a:t>
+            </a:r>
+          </a:p>
+        </p:txBody>
+      </p:sp>
+      <p:sp>
+        <p:nvSpPr>
+          <p:cNvPr id="3" name="عنصر نائب للمحتوى 2">
+            <a:extLst>
+              <a:ext uri="{FF2B5EF4-FFF2-40B4-BE49-F238E27FC236}">
+                <a16:creationId xmlns:a16="http://schemas.microsoft.com/office/drawing/2014/main" id="{903B2F78-B33C-0317-2EB9-6D66970B3A0E}"/>
+              </a:ext>
+            </a:extLst>
+          </p:cNvPr>
+          <p:cNvSpPr>
+            <a:spLocks noGrp="1"/>
+          </p:cNvSpPr>
+          <p:nvPr>
+            <p:ph idx="1"/>
+          </p:nvPr>
+        </p:nvSpPr>
+        <p:spPr>
+          <a:xfrm>
+            <a:off x="284206" y="1828800"/>
+            <a:ext cx="11078141" cy="3319200"/>
+          </a:xfrm>
+        </p:spPr>
+        <p:txBody>
+          <a:bodyPr>
+            <a:normAutofit/>
+          </a:bodyPr>
+          <a:lstStyle/>
+          <a:p>
+            <a:pPr marL="228600" indent="-228600" algn="r" defTabSz="914400" rtl="1" eaLnBrk="1" latinLnBrk="0" hangingPunct="1">
+              <a:lnSpc>
+                <a:spcPct val="110000"/>
+              </a:lnSpc>
+              <a:spcBef>
+                <a:spcPts val="1000"/>
+              </a:spcBef>
+              <a:buClr>
+                <a:schemeClr val="accent4"/>
+              </a:buClr>
+              <a:buFont typeface="The Hand Extrablack" panose="03070A02030502020204" pitchFamily="66" charset="0"/>
+              <a:buChar char="•"/>
+            </a:pPr>
+            <a:r>
+              <a:rPr lang="ar-SA" sz="2000" dirty="0"/>
+              <a:t>في هذا التقرير سأقوم بعرض أهم الملاحظات من تحليلي لبيانات عدد التصاريح من تطبيق نُسُك لعام ١٤٤٤هـ التي حصت عليها من المنصة الوطنية للبيانات المفتوحة. </a:t>
+            </a:r>
+          </a:p>
+          <a:p>
+            <a:pPr marL="0" indent="0" algn="r" defTabSz="914400" rtl="1" eaLnBrk="1" latinLnBrk="0" hangingPunct="1">
+              <a:lnSpc>
+                <a:spcPct val="110000"/>
+              </a:lnSpc>
+              <a:spcBef>
+                <a:spcPts val="1000"/>
+              </a:spcBef>
+              <a:buClr>
+                <a:schemeClr val="accent4"/>
+              </a:buClr>
+              <a:buNone/>
+            </a:pPr>
+            <a:endParaRPr lang="ar-SA" sz="2000" dirty="0"/>
+          </a:p>
+          <a:p>
+            <a:pPr marL="228600" indent="-228600" algn="r" defTabSz="914400" rtl="1" eaLnBrk="1" latinLnBrk="0" hangingPunct="1">
+              <a:lnSpc>
+                <a:spcPct val="110000"/>
+              </a:lnSpc>
+              <a:spcBef>
+                <a:spcPts val="1000"/>
+              </a:spcBef>
+              <a:buClr>
+                <a:schemeClr val="accent4"/>
+              </a:buClr>
+              <a:buFont typeface="The Hand Extrablack" panose="03070A02030502020204" pitchFamily="66" charset="0"/>
+              <a:buChar char="•"/>
+            </a:pPr>
+            <a:r>
+              <a:rPr lang="ar-SA" sz="2000" dirty="0"/>
+              <a:t>تحتوي هذه البيانات على نوع التصاريح التي يتم إصدارها من تطبيق نُسُك وهي: تصاريح العمرة، تصاريح زيارة الروضة الشريفة للرجال والنساء، كما تحتوي على نوع الجنس الذي قام بإصدار التصريح: ذكر وأنثى، وعلى تاريخ إصدار التصريح في سنة ١٤٤٤هـ، وأخيراً عدد التصاريح التي تم إصدارها. </a:t>
+            </a:r>
+          </a:p>
+        </p:txBody>
+      </p:sp>
+      <p:cxnSp>
+        <p:nvCxnSpPr>
+          <p:cNvPr id="5" name="موصل مستقيم 4">
+            <a:extLst>
+              <a:ext uri="{FF2B5EF4-FFF2-40B4-BE49-F238E27FC236}">
+                <a16:creationId xmlns:a16="http://schemas.microsoft.com/office/drawing/2014/main" id="{5D2C5C3C-94C6-C7FD-63F3-34B8CFC357E0}"/>
+              </a:ext>
+            </a:extLst>
+          </p:cNvPr>
+          <p:cNvCxnSpPr>
+            <a:cxnSpLocks/>
+          </p:cNvCxnSpPr>
+          <p:nvPr/>
+        </p:nvCxnSpPr>
+        <p:spPr>
+          <a:xfrm flipV="1">
+            <a:off x="720000" y="1218511"/>
+            <a:ext cx="2084984" cy="10978"/>
+          </a:xfrm>
+          <a:prstGeom prst="line">
+            <a:avLst/>
+          </a:prstGeom>
+          <a:ln>
+            <a:solidFill>
+              <a:schemeClr val="tx1"/>
+            </a:solidFill>
+          </a:ln>
+        </p:spPr>
+        <p:style>
+          <a:lnRef idx="1">
+            <a:schemeClr val="accent1"/>
+          </a:lnRef>
+          <a:fillRef idx="0">
+            <a:schemeClr val="accent1"/>
+          </a:fillRef>
+          <a:effectRef idx="0">
+            <a:schemeClr val="accent1"/>
+          </a:effectRef>
+          <a:fontRef idx="minor">
+            <a:schemeClr val="tx1"/>
+          </a:fontRef>
+        </p:style>
+      </p:cxnSp>
+      <p:pic>
+        <p:nvPicPr>
+          <p:cNvPr id="6" name="صورة 5" descr="صورة تحتوي على لقطة شاشة, الرسومات, الخط, أخضر&#10;&#10;تم إنشاء الوصف تلقائياً">
+            <a:extLst>
+              <a:ext uri="{FF2B5EF4-FFF2-40B4-BE49-F238E27FC236}">
+                <a16:creationId xmlns:a16="http://schemas.microsoft.com/office/drawing/2014/main" id="{1B9D3517-8B2C-C0D3-5FA3-B34879F2D014}"/>
+              </a:ext>
+            </a:extLst>
+          </p:cNvPr>
+          <p:cNvPicPr>
+            <a:picLocks noChangeAspect="1"/>
+          </p:cNvPicPr>
+          <p:nvPr/>
+        </p:nvPicPr>
+        <p:blipFill>
+          <a:blip r:embed="rId2"/>
+          <a:stretch>
+            <a:fillRect/>
+          </a:stretch>
+        </p:blipFill>
+        <p:spPr>
+          <a:xfrm>
+            <a:off x="3479612" y="4761473"/>
+            <a:ext cx="4848842" cy="1708107"/>
+          </a:xfrm>
+          <a:prstGeom prst="rect">
+            <a:avLst/>
+          </a:prstGeom>
+        </p:spPr>
+      </p:pic>
+    </p:spTree>
+    <p:extLst>
+      <p:ext uri="{BB962C8B-B14F-4D97-AF65-F5344CB8AC3E}">
+        <p14:creationId xmlns:p14="http://schemas.microsoft.com/office/powerpoint/2010/main" val="183537193"/>
+      </p:ext>
+    </p:extLst>
+  </p:cSld>
+  <p:clrMapOvr>
+    <a:masterClrMapping/>
+  </p:clrMapOvr>
+</p:sld>
+</file>
+
+<file path=ppt/slides/slide3.xml><?xml version="1.0" encoding="utf-8"?>
 <p:sld xmlns:a="http://schemas.openxmlformats.org/drawingml/2006/main" xmlns:r="http://schemas.openxmlformats.org/officeDocument/2006/relationships" xmlns:p="http://schemas.openxmlformats.org/presentationml/2006/main">
   <p:cSld>
     <p:bg>
@@ -8646,7 +15531,7 @@
 </p:sld>
 </file>
 
-<file path=ppt/slides/slide3.xml><?xml version="1.0" encoding="utf-8"?>
+<file path=ppt/slides/slide4.xml><?xml version="1.0" encoding="utf-8"?>
 <p:sld xmlns:a="http://schemas.openxmlformats.org/drawingml/2006/main" xmlns:r="http://schemas.openxmlformats.org/officeDocument/2006/relationships" xmlns:p="http://schemas.openxmlformats.org/presentationml/2006/main">
   <p:cSld>
     <p:bg>
@@ -9063,7 +15948,7 @@
             <p:ph idx="1"/>
             <p:extLst>
               <p:ext uri="{D42A27DB-BD31-4B8C-83A1-F6EECF244321}">
-                <p14:modId xmlns:p14="http://schemas.microsoft.com/office/powerpoint/2010/main" val="3418371732"/>
+                <p14:modId xmlns:p14="http://schemas.microsoft.com/office/powerpoint/2010/main" val="3668390083"/>
               </p:ext>
             </p:extLst>
           </p:nvPr>
@@ -9161,7 +16046,7 @@
 </p:sld>
 </file>
 
-<file path=ppt/slides/slide4.xml><?xml version="1.0" encoding="utf-8"?>
+<file path=ppt/slides/slide5.xml><?xml version="1.0" encoding="utf-8"?>
 <p:sld xmlns:a="http://schemas.openxmlformats.org/drawingml/2006/main" xmlns:r="http://schemas.openxmlformats.org/officeDocument/2006/relationships" xmlns:p="http://schemas.openxmlformats.org/presentationml/2006/main">
   <p:cSld>
     <p:bg>
@@ -9578,7 +16463,7 @@
             <p:ph idx="1"/>
             <p:extLst>
               <p:ext uri="{D42A27DB-BD31-4B8C-83A1-F6EECF244321}">
-                <p14:modId xmlns:p14="http://schemas.microsoft.com/office/powerpoint/2010/main" val="1054234066"/>
+                <p14:modId xmlns:p14="http://schemas.microsoft.com/office/powerpoint/2010/main" val="2239255460"/>
               </p:ext>
             </p:extLst>
           </p:nvPr>
@@ -9647,7 +16532,7 @@
             </a:pPr>
             <a:r>
               <a:rPr lang="ar-SA" sz="1800" dirty="0"/>
-              <a:t>يزيد الطلب على تصاريح العمرة في شهر رمضان الكريم. حيث أنَّ من الملاحظ أن أكثر شهر إصداراً لتصاريح العمرة كان الشهر التاسع الهجري بما يقارب ٧ مليون تصريح عمرة.</a:t>
+              <a:t>يزيد إصدار تصاريح العمرة في شهر رمضان الكريم، حيث أنَّ من الملاحظ أن أكثر شهر إصداراً لتصاريح العمرة كان الشهر التاسع الهجري بما يقارب ٧ مليون تصريح عمرة.</a:t>
             </a:r>
           </a:p>
         </p:txBody>
@@ -9665,7 +16550,7 @@
 </p:sld>
 </file>
 
-<file path=ppt/slides/slide5.xml><?xml version="1.0" encoding="utf-8"?>
+<file path=ppt/slides/slide6.xml><?xml version="1.0" encoding="utf-8"?>
 <p:sld xmlns:a="http://schemas.openxmlformats.org/drawingml/2006/main" xmlns:r="http://schemas.openxmlformats.org/officeDocument/2006/relationships" xmlns:p="http://schemas.openxmlformats.org/presentationml/2006/main">
   <p:cSld>
     <p:bg>
@@ -10188,9 +17073,17 @@
 </p:sld>
 </file>
 
-<file path=ppt/slides/slide6.xml><?xml version="1.0" encoding="utf-8"?>
+<file path=ppt/slides/slide7.xml><?xml version="1.0" encoding="utf-8"?>
 <p:sld xmlns:a="http://schemas.openxmlformats.org/drawingml/2006/main" xmlns:r="http://schemas.openxmlformats.org/officeDocument/2006/relationships" xmlns:p="http://schemas.openxmlformats.org/presentationml/2006/main">
   <p:cSld>
+    <p:bg>
+      <p:bgPr>
+        <a:solidFill>
+          <a:schemeClr val="bg2"/>
+        </a:solidFill>
+        <a:effectLst/>
+      </p:bgPr>
+    </p:bg>
     <p:spTree>
       <p:nvGrpSpPr>
         <p:cNvPr id="1" name=""/>
@@ -10205,12 +17098,144 @@
           <a:chExt cx="0" cy="0"/>
         </a:xfrm>
       </p:grpSpPr>
+      <p:sp useBgFill="1">
+        <p:nvSpPr>
+          <p:cNvPr id="30" name="Rectangle 29">
+            <a:extLst>
+              <a:ext uri="{FF2B5EF4-FFF2-40B4-BE49-F238E27FC236}">
+                <a16:creationId xmlns:a16="http://schemas.microsoft.com/office/drawing/2014/main" id="{2BFB0E95-9CAE-4968-A118-2B9F7C8BBBEC}"/>
+              </a:ext>
+              <a:ext uri="{C183D7F6-B498-43B3-948B-1728B52AA6E4}">
+                <adec:decorative xmlns:adec="http://schemas.microsoft.com/office/drawing/2017/decorative" val="1"/>
+              </a:ext>
+            </a:extLst>
+          </p:cNvPr>
+          <p:cNvSpPr>
+            <a:spLocks noGrp="1" noRot="1" noChangeAspect="1" noMove="1" noResize="1" noEditPoints="1" noAdjustHandles="1" noChangeArrowheads="1" noChangeShapeType="1" noTextEdit="1"/>
+          </p:cNvSpPr>
+          <p:nvPr>
+            <p:extLst>
+              <p:ext uri="{386F3935-93C4-4BCD-93E2-E3B085C9AB24}">
+                <p16:designElem xmlns:p16="http://schemas.microsoft.com/office/powerpoint/2015/main" val="1"/>
+              </p:ext>
+            </p:extLst>
+          </p:nvPr>
+        </p:nvSpPr>
+        <p:spPr>
+          <a:xfrm>
+            <a:off x="0" y="0"/>
+            <a:ext cx="12192000" cy="6858000"/>
+          </a:xfrm>
+          <a:prstGeom prst="rect">
+            <a:avLst/>
+          </a:prstGeom>
+          <a:ln w="12700" cap="flat" cmpd="sng" algn="ctr">
+            <a:noFill/>
+            <a:prstDash val="solid"/>
+            <a:miter lim="800000"/>
+          </a:ln>
+          <a:effectLst/>
+        </p:spPr>
+        <p:style>
+          <a:lnRef idx="2">
+            <a:schemeClr val="accent1">
+              <a:shade val="50000"/>
+            </a:schemeClr>
+          </a:lnRef>
+          <a:fillRef idx="1">
+            <a:schemeClr val="accent1"/>
+          </a:fillRef>
+          <a:effectRef idx="0">
+            <a:schemeClr val="accent1"/>
+          </a:effectRef>
+          <a:fontRef idx="minor">
+            <a:schemeClr val="lt1"/>
+          </a:fontRef>
+        </p:style>
+        <p:txBody>
+          <a:bodyPr rtlCol="0" anchor="ctr"/>
+          <a:lstStyle/>
+          <a:p>
+            <a:pPr algn="ctr"/>
+            <a:endParaRPr lang="en-US"/>
+          </a:p>
+        </p:txBody>
+      </p:sp>
       <p:sp>
         <p:nvSpPr>
-          <p:cNvPr id="2" name="عنوان 1">
+          <p:cNvPr id="32" name="Rectangle 31">
             <a:extLst>
               <a:ext uri="{FF2B5EF4-FFF2-40B4-BE49-F238E27FC236}">
-                <a16:creationId xmlns:a16="http://schemas.microsoft.com/office/drawing/2014/main" id="{D89AF376-0BD9-D139-7416-3CF078E35D81}"/>
+                <a16:creationId xmlns:a16="http://schemas.microsoft.com/office/drawing/2014/main" id="{90BBC371-361C-45F7-9235-C3252E336B5B}"/>
+              </a:ext>
+              <a:ext uri="{C183D7F6-B498-43B3-948B-1728B52AA6E4}">
+                <adec:decorative xmlns:adec="http://schemas.microsoft.com/office/drawing/2017/decorative" val="1"/>
+              </a:ext>
+            </a:extLst>
+          </p:cNvPr>
+          <p:cNvSpPr>
+            <a:spLocks noGrp="1" noRot="1" noChangeAspect="1" noMove="1" noResize="1" noEditPoints="1" noAdjustHandles="1" noChangeArrowheads="1" noChangeShapeType="1" noTextEdit="1"/>
+          </p:cNvSpPr>
+          <p:nvPr>
+            <p:extLst>
+              <p:ext uri="{386F3935-93C4-4BCD-93E2-E3B085C9AB24}">
+                <p16:designElem xmlns:p16="http://schemas.microsoft.com/office/powerpoint/2015/main" val="1"/>
+              </p:ext>
+            </p:extLst>
+          </p:nvPr>
+        </p:nvSpPr>
+        <p:spPr>
+          <a:xfrm>
+            <a:off x="0" y="0"/>
+            <a:ext cx="12192000" cy="6858000"/>
+          </a:xfrm>
+          <a:prstGeom prst="rect">
+            <a:avLst/>
+          </a:prstGeom>
+          <a:solidFill>
+            <a:schemeClr val="bg2">
+              <a:lumMod val="90000"/>
+              <a:lumOff val="10000"/>
+            </a:schemeClr>
+          </a:solidFill>
+          <a:ln w="12700" cap="flat" cmpd="sng" algn="ctr">
+            <a:noFill/>
+            <a:prstDash val="solid"/>
+            <a:miter lim="800000"/>
+          </a:ln>
+          <a:effectLst/>
+        </p:spPr>
+        <p:style>
+          <a:lnRef idx="2">
+            <a:schemeClr val="accent1">
+              <a:shade val="50000"/>
+            </a:schemeClr>
+          </a:lnRef>
+          <a:fillRef idx="1">
+            <a:schemeClr val="accent1"/>
+          </a:fillRef>
+          <a:effectRef idx="0">
+            <a:schemeClr val="accent1"/>
+          </a:effectRef>
+          <a:fontRef idx="minor">
+            <a:schemeClr val="lt1"/>
+          </a:fontRef>
+        </p:style>
+        <p:txBody>
+          <a:bodyPr rtlCol="0" anchor="ctr"/>
+          <a:lstStyle/>
+          <a:p>
+            <a:pPr algn="ctr"/>
+            <a:endParaRPr lang="en-US"/>
+          </a:p>
+        </p:txBody>
+      </p:sp>
+      <p:sp>
+        <p:nvSpPr>
+          <p:cNvPr id="5" name="عنوان 4">
+            <a:extLst>
+              <a:ext uri="{FF2B5EF4-FFF2-40B4-BE49-F238E27FC236}">
+                <a16:creationId xmlns:a16="http://schemas.microsoft.com/office/drawing/2014/main" id="{2E671872-2E87-29B9-31D8-230873D513B7}"/>
               </a:ext>
             </a:extLst>
           </p:cNvPr>
@@ -10221,12 +17246,1083 @@
             <p:ph type="title"/>
           </p:nvPr>
         </p:nvSpPr>
-        <p:spPr/>
+        <p:spPr>
+          <a:xfrm>
+            <a:off x="720000" y="619200"/>
+            <a:ext cx="10728322" cy="681586"/>
+          </a:xfrm>
+        </p:spPr>
         <p:txBody>
-          <a:bodyPr/>
+          <a:bodyPr wrap="square">
+            <a:normAutofit fontScale="90000"/>
+          </a:bodyPr>
           <a:lstStyle/>
           <a:p>
-            <a:pPr algn="r" defTabSz="914400" rtl="1" eaLnBrk="1" latinLnBrk="0" hangingPunct="1">
+            <a:pPr algn="r">
+              <a:lnSpc>
+                <a:spcPct val="90000"/>
+              </a:lnSpc>
+            </a:pPr>
+            <a:r>
+              <a:rPr lang="ar-SA" sz="2700" dirty="0"/>
+              <a:t>بالنسبة لتصاريح العمرة، ما هو متوسط عدد التصاريح وما هو أعلى عدد تصاريح تم إصدارها وما هي أقل عدد؟</a:t>
+            </a:r>
+          </a:p>
+        </p:txBody>
+      </p:sp>
+      <p:sp useBgFill="1">
+        <p:nvSpPr>
+          <p:cNvPr id="34" name="Freeform: Shape 33">
+            <a:extLst>
+              <a:ext uri="{FF2B5EF4-FFF2-40B4-BE49-F238E27FC236}">
+                <a16:creationId xmlns:a16="http://schemas.microsoft.com/office/drawing/2014/main" id="{4172FA92-6FD3-495F-95A0-4FD85861D89C}"/>
+              </a:ext>
+              <a:ext uri="{C183D7F6-B498-43B3-948B-1728B52AA6E4}">
+                <adec:decorative xmlns:adec="http://schemas.microsoft.com/office/drawing/2017/decorative" val="1"/>
+              </a:ext>
+            </a:extLst>
+          </p:cNvPr>
+          <p:cNvSpPr>
+            <a:spLocks noGrp="1" noRot="1" noChangeAspect="1" noMove="1" noResize="1" noEditPoints="1" noAdjustHandles="1" noChangeArrowheads="1" noChangeShapeType="1" noTextEdit="1"/>
+          </p:cNvSpPr>
+          <p:nvPr>
+            <p:extLst>
+              <p:ext uri="{386F3935-93C4-4BCD-93E2-E3B085C9AB24}">
+                <p16:designElem xmlns:p16="http://schemas.microsoft.com/office/powerpoint/2015/main" val="1"/>
+              </p:ext>
+            </p:extLst>
+          </p:nvPr>
+        </p:nvSpPr>
+        <p:spPr>
+          <a:xfrm>
+            <a:off x="500" y="1734458"/>
+            <a:ext cx="12191501" cy="5123544"/>
+          </a:xfrm>
+          <a:custGeom>
+            <a:avLst/>
+            <a:gdLst>
+              <a:gd name="connsiteX0" fmla="*/ 9255953 w 12191501"/>
+              <a:gd name="connsiteY0" fmla="*/ 0 h 4430825"/>
+              <a:gd name="connsiteX1" fmla="*/ 10762189 w 12191501"/>
+              <a:gd name="connsiteY1" fmla="*/ 67992 h 4430825"/>
+              <a:gd name="connsiteX2" fmla="*/ 11364025 w 12191501"/>
+              <a:gd name="connsiteY2" fmla="*/ 57486 h 4430825"/>
+              <a:gd name="connsiteX3" fmla="*/ 12096632 w 12191501"/>
+              <a:gd name="connsiteY3" fmla="*/ 44699 h 4430825"/>
+              <a:gd name="connsiteX4" fmla="*/ 12191501 w 12191501"/>
+              <a:gd name="connsiteY4" fmla="*/ 43042 h 4430825"/>
+              <a:gd name="connsiteX5" fmla="*/ 12191501 w 12191501"/>
+              <a:gd name="connsiteY5" fmla="*/ 4430825 h 4430825"/>
+              <a:gd name="connsiteX6" fmla="*/ 0 w 12191501"/>
+              <a:gd name="connsiteY6" fmla="*/ 4430825 h 4430825"/>
+              <a:gd name="connsiteX7" fmla="*/ 10182 w 12191501"/>
+              <a:gd name="connsiteY7" fmla="*/ 95053 h 4430825"/>
+              <a:gd name="connsiteX8" fmla="*/ 70972 w 12191501"/>
+              <a:gd name="connsiteY8" fmla="*/ 97164 h 4430825"/>
+              <a:gd name="connsiteX9" fmla="*/ 1281624 w 12191501"/>
+              <a:gd name="connsiteY9" fmla="*/ 139193 h 4430825"/>
+              <a:gd name="connsiteX10" fmla="*/ 2485297 w 12191501"/>
+              <a:gd name="connsiteY10" fmla="*/ 118183 h 4430825"/>
+              <a:gd name="connsiteX11" fmla="*/ 3237591 w 12191501"/>
+              <a:gd name="connsiteY11" fmla="*/ 105051 h 4430825"/>
+              <a:gd name="connsiteX12" fmla="*/ 3989887 w 12191501"/>
+              <a:gd name="connsiteY12" fmla="*/ 91920 h 4430825"/>
+              <a:gd name="connsiteX13" fmla="*/ 9255953 w 12191501"/>
+              <a:gd name="connsiteY13" fmla="*/ 0 h 4430825"/>
+            </a:gdLst>
+            <a:ahLst/>
+            <a:cxnLst>
+              <a:cxn ang="0">
+                <a:pos x="connsiteX0" y="connsiteY0"/>
+              </a:cxn>
+              <a:cxn ang="0">
+                <a:pos x="connsiteX1" y="connsiteY1"/>
+              </a:cxn>
+              <a:cxn ang="0">
+                <a:pos x="connsiteX2" y="connsiteY2"/>
+              </a:cxn>
+              <a:cxn ang="0">
+                <a:pos x="connsiteX3" y="connsiteY3"/>
+              </a:cxn>
+              <a:cxn ang="0">
+                <a:pos x="connsiteX4" y="connsiteY4"/>
+              </a:cxn>
+              <a:cxn ang="0">
+                <a:pos x="connsiteX5" y="connsiteY5"/>
+              </a:cxn>
+              <a:cxn ang="0">
+                <a:pos x="connsiteX6" y="connsiteY6"/>
+              </a:cxn>
+              <a:cxn ang="0">
+                <a:pos x="connsiteX7" y="connsiteY7"/>
+              </a:cxn>
+              <a:cxn ang="0">
+                <a:pos x="connsiteX8" y="connsiteY8"/>
+              </a:cxn>
+              <a:cxn ang="0">
+                <a:pos x="connsiteX9" y="connsiteY9"/>
+              </a:cxn>
+              <a:cxn ang="0">
+                <a:pos x="connsiteX10" y="connsiteY10"/>
+              </a:cxn>
+              <a:cxn ang="0">
+                <a:pos x="connsiteX11" y="connsiteY11"/>
+              </a:cxn>
+              <a:cxn ang="0">
+                <a:pos x="connsiteX12" y="connsiteY12"/>
+              </a:cxn>
+              <a:cxn ang="0">
+                <a:pos x="connsiteX13" y="connsiteY13"/>
+              </a:cxn>
+            </a:cxnLst>
+            <a:rect l="l" t="t" r="r" b="b"/>
+            <a:pathLst>
+              <a:path w="12191501" h="4430825">
+                <a:moveTo>
+                  <a:pt x="9255953" y="0"/>
+                </a:moveTo>
+                <a:cubicBezTo>
+                  <a:pt x="10762189" y="67992"/>
+                  <a:pt x="10762189" y="67992"/>
+                  <a:pt x="10762189" y="67992"/>
+                </a:cubicBezTo>
+                <a:cubicBezTo>
+                  <a:pt x="11364025" y="57486"/>
+                  <a:pt x="11364025" y="57486"/>
+                  <a:pt x="11364025" y="57486"/>
+                </a:cubicBezTo>
+                <a:cubicBezTo>
+                  <a:pt x="11589714" y="53547"/>
+                  <a:pt x="11836561" y="49238"/>
+                  <a:pt x="12096632" y="44699"/>
+                </a:cubicBezTo>
+                <a:lnTo>
+                  <a:pt x="12191501" y="43042"/>
+                </a:lnTo>
+                <a:lnTo>
+                  <a:pt x="12191501" y="4430825"/>
+                </a:lnTo>
+                <a:lnTo>
+                  <a:pt x="0" y="4430825"/>
+                </a:lnTo>
+                <a:lnTo>
+                  <a:pt x="10182" y="95053"/>
+                </a:lnTo>
+                <a:lnTo>
+                  <a:pt x="70972" y="97164"/>
+                </a:lnTo>
+                <a:cubicBezTo>
+                  <a:pt x="1281624" y="139193"/>
+                  <a:pt x="1281624" y="139193"/>
+                  <a:pt x="1281624" y="139193"/>
+                </a:cubicBezTo>
+                <a:cubicBezTo>
+                  <a:pt x="2485297" y="118183"/>
+                  <a:pt x="2485297" y="118183"/>
+                  <a:pt x="2485297" y="118183"/>
+                </a:cubicBezTo>
+                <a:cubicBezTo>
+                  <a:pt x="2786215" y="112930"/>
+                  <a:pt x="2936672" y="110304"/>
+                  <a:pt x="3237591" y="105051"/>
+                </a:cubicBezTo>
+                <a:cubicBezTo>
+                  <a:pt x="3538508" y="99800"/>
+                  <a:pt x="3839426" y="94546"/>
+                  <a:pt x="3989887" y="91920"/>
+                </a:cubicBezTo>
+                <a:cubicBezTo>
+                  <a:pt x="9255953" y="0"/>
+                  <a:pt x="9255953" y="0"/>
+                  <a:pt x="9255953" y="0"/>
+                </a:cubicBezTo>
+                <a:close/>
+              </a:path>
+            </a:pathLst>
+          </a:custGeom>
+          <a:ln w="12700" cap="flat" cmpd="sng" algn="ctr">
+            <a:noFill/>
+            <a:prstDash val="solid"/>
+            <a:miter lim="800000"/>
+          </a:ln>
+          <a:effectLst/>
+        </p:spPr>
+        <p:style>
+          <a:lnRef idx="2">
+            <a:schemeClr val="accent1">
+              <a:shade val="50000"/>
+            </a:schemeClr>
+          </a:lnRef>
+          <a:fillRef idx="1">
+            <a:schemeClr val="accent1"/>
+          </a:fillRef>
+          <a:effectRef idx="0">
+            <a:schemeClr val="accent1"/>
+          </a:effectRef>
+          <a:fontRef idx="minor">
+            <a:schemeClr val="lt1"/>
+          </a:fontRef>
+        </p:style>
+        <p:txBody>
+          <a:bodyPr wrap="square" rtlCol="0" anchor="ctr">
+            <a:noAutofit/>
+          </a:bodyPr>
+          <a:lstStyle/>
+          <a:p>
+            <a:pPr algn="ctr"/>
+            <a:endParaRPr lang="en-US">
+              <a:solidFill>
+                <a:schemeClr val="bg2"/>
+              </a:solidFill>
+            </a:endParaRPr>
+          </a:p>
+        </p:txBody>
+      </p:sp>
+      <p:graphicFrame>
+        <p:nvGraphicFramePr>
+          <p:cNvPr id="6" name="عنصر نائب للمحتوى 5">
+            <a:extLst>
+              <a:ext uri="{FF2B5EF4-FFF2-40B4-BE49-F238E27FC236}">
+                <a16:creationId xmlns:a16="http://schemas.microsoft.com/office/drawing/2014/main" id="{92A5A046-4966-709E-AF9C-EC9652A3E74B}"/>
+              </a:ext>
+            </a:extLst>
+          </p:cNvPr>
+          <p:cNvGraphicFramePr>
+            <a:graphicFrameLocks noGrp="1"/>
+          </p:cNvGraphicFramePr>
+          <p:nvPr>
+            <p:ph idx="1"/>
+            <p:extLst>
+              <p:ext uri="{D42A27DB-BD31-4B8C-83A1-F6EECF244321}">
+                <p14:modId xmlns:p14="http://schemas.microsoft.com/office/powerpoint/2010/main" val="4174616285"/>
+              </p:ext>
+            </p:extLst>
+          </p:nvPr>
+        </p:nvGraphicFramePr>
+        <p:xfrm>
+          <a:off x="264128" y="2720177"/>
+          <a:ext cx="11640066" cy="2461084"/>
+        </p:xfrm>
+        <a:graphic>
+          <a:graphicData uri="http://schemas.openxmlformats.org/drawingml/2006/table">
+            <a:tbl>
+              <a:tblPr rtl="1" firstRow="1" bandRow="1">
+                <a:noFill/>
+                <a:tableStyleId>{5C22544A-7EE6-4342-B048-85BDC9FD1C3A}</a:tableStyleId>
+              </a:tblPr>
+              <a:tblGrid>
+                <a:gridCol w="3787029">
+                  <a:extLst>
+                    <a:ext uri="{9D8B030D-6E8A-4147-A177-3AD203B41FA5}">
+                      <a16:colId xmlns:a16="http://schemas.microsoft.com/office/drawing/2014/main" val="1218659688"/>
+                    </a:ext>
+                  </a:extLst>
+                </a:gridCol>
+                <a:gridCol w="4077829">
+                  <a:extLst>
+                    <a:ext uri="{9D8B030D-6E8A-4147-A177-3AD203B41FA5}">
+                      <a16:colId xmlns:a16="http://schemas.microsoft.com/office/drawing/2014/main" val="1628092248"/>
+                    </a:ext>
+                  </a:extLst>
+                </a:gridCol>
+                <a:gridCol w="3775208">
+                  <a:extLst>
+                    <a:ext uri="{9D8B030D-6E8A-4147-A177-3AD203B41FA5}">
+                      <a16:colId xmlns:a16="http://schemas.microsoft.com/office/drawing/2014/main" val="2217196178"/>
+                    </a:ext>
+                  </a:extLst>
+                </a:gridCol>
+              </a:tblGrid>
+              <a:tr h="754144">
+                <a:tc>
+                  <a:txBody>
+                    <a:bodyPr/>
+                    <a:lstStyle/>
+                    <a:p>
+                      <a:pPr algn="ctr" rtl="1" fontAlgn="b"/>
+                      <a:r>
+                        <a:rPr lang="ar-SA" sz="2800" b="1" u="none" strike="noStrike" dirty="0">
+                          <a:solidFill>
+                            <a:schemeClr val="tx1">
+                              <a:lumMod val="75000"/>
+                              <a:lumOff val="25000"/>
+                            </a:schemeClr>
+                          </a:solidFill>
+                          <a:effectLst/>
+                        </a:rPr>
+                        <a:t>الحد الأقصى من عدد تصاريح العمرة من نسك</a:t>
+                      </a:r>
+                      <a:endParaRPr lang="ar-SA" sz="2800" b="1" i="0" u="none" strike="noStrike" dirty="0">
+                        <a:solidFill>
+                          <a:schemeClr val="tx1">
+                            <a:lumMod val="75000"/>
+                            <a:lumOff val="25000"/>
+                          </a:schemeClr>
+                        </a:solidFill>
+                        <a:effectLst/>
+                        <a:latin typeface="Arial" panose="020B0604020202020204" pitchFamily="34" charset="0"/>
+                      </a:endParaRPr>
+                    </a:p>
+                  </a:txBody>
+                  <a:tcPr marL="335280" marR="251460" marT="167640" marB="167640" anchor="b">
+                    <a:lnL w="12700" cmpd="sng">
+                      <a:noFill/>
+                      <a:prstDash val="solid"/>
+                    </a:lnL>
+                    <a:lnR w="12700" cmpd="sng">
+                      <a:noFill/>
+                      <a:prstDash val="solid"/>
+                    </a:lnR>
+                    <a:lnT w="9525" cap="flat" cmpd="sng" algn="ctr">
+                      <a:noFill/>
+                      <a:prstDash val="solid"/>
+                    </a:lnT>
+                    <a:lnB w="9525" cap="flat" cmpd="sng" algn="ctr">
+                      <a:solidFill>
+                        <a:srgbClr val="C7C6C1"/>
+                      </a:solidFill>
+                      <a:prstDash val="solid"/>
+                    </a:lnB>
+                    <a:noFill/>
+                  </a:tcPr>
+                </a:tc>
+                <a:tc>
+                  <a:txBody>
+                    <a:bodyPr/>
+                    <a:lstStyle/>
+                    <a:p>
+                      <a:pPr algn="ctr" rtl="1" fontAlgn="b"/>
+                      <a:r>
+                        <a:rPr lang="ar-SA" sz="2800" b="1" u="none" strike="noStrike" dirty="0">
+                          <a:solidFill>
+                            <a:schemeClr val="tx1">
+                              <a:lumMod val="75000"/>
+                              <a:lumOff val="25000"/>
+                            </a:schemeClr>
+                          </a:solidFill>
+                          <a:effectLst/>
+                        </a:rPr>
+                        <a:t>الحد الأدنى من عدد تصاريح العمرة من نسك</a:t>
+                      </a:r>
+                      <a:endParaRPr lang="ar-SA" sz="2800" b="1" i="0" u="none" strike="noStrike" dirty="0">
+                        <a:solidFill>
+                          <a:schemeClr val="tx1">
+                            <a:lumMod val="75000"/>
+                            <a:lumOff val="25000"/>
+                          </a:schemeClr>
+                        </a:solidFill>
+                        <a:effectLst/>
+                        <a:latin typeface="Arial" panose="020B0604020202020204" pitchFamily="34" charset="0"/>
+                      </a:endParaRPr>
+                    </a:p>
+                  </a:txBody>
+                  <a:tcPr marL="335280" marR="251460" marT="167640" marB="167640" anchor="b">
+                    <a:lnL w="12700" cmpd="sng">
+                      <a:noFill/>
+                      <a:prstDash val="solid"/>
+                    </a:lnL>
+                    <a:lnR w="12700" cmpd="sng">
+                      <a:noFill/>
+                      <a:prstDash val="solid"/>
+                    </a:lnR>
+                    <a:lnT w="9525" cap="flat" cmpd="sng" algn="ctr">
+                      <a:noFill/>
+                      <a:prstDash val="solid"/>
+                    </a:lnT>
+                    <a:lnB w="9525" cap="flat" cmpd="sng" algn="ctr">
+                      <a:solidFill>
+                        <a:srgbClr val="C7C6C1"/>
+                      </a:solidFill>
+                      <a:prstDash val="solid"/>
+                    </a:lnB>
+                    <a:noFill/>
+                  </a:tcPr>
+                </a:tc>
+                <a:tc>
+                  <a:txBody>
+                    <a:bodyPr/>
+                    <a:lstStyle/>
+                    <a:p>
+                      <a:pPr algn="ctr" rtl="1" fontAlgn="b"/>
+                      <a:r>
+                        <a:rPr lang="ar-SA" sz="2800" b="1" u="none" strike="noStrike" dirty="0">
+                          <a:solidFill>
+                            <a:schemeClr val="tx1">
+                              <a:lumMod val="75000"/>
+                              <a:lumOff val="25000"/>
+                            </a:schemeClr>
+                          </a:solidFill>
+                          <a:effectLst/>
+                        </a:rPr>
+                        <a:t>متوسط عدد تصاريح العمرة من نسك</a:t>
+                      </a:r>
+                      <a:endParaRPr lang="ar-SA" sz="2800" b="1" i="0" u="none" strike="noStrike" dirty="0">
+                        <a:solidFill>
+                          <a:schemeClr val="tx1">
+                            <a:lumMod val="75000"/>
+                            <a:lumOff val="25000"/>
+                          </a:schemeClr>
+                        </a:solidFill>
+                        <a:effectLst/>
+                        <a:latin typeface="Arial" panose="020B0604020202020204" pitchFamily="34" charset="0"/>
+                      </a:endParaRPr>
+                    </a:p>
+                  </a:txBody>
+                  <a:tcPr marL="335280" marR="251460" marT="167640" marB="167640" anchor="b">
+                    <a:lnL w="12700" cmpd="sng">
+                      <a:noFill/>
+                      <a:prstDash val="solid"/>
+                    </a:lnL>
+                    <a:lnR w="12700" cmpd="sng">
+                      <a:noFill/>
+                      <a:prstDash val="solid"/>
+                    </a:lnR>
+                    <a:lnT w="9525" cap="flat" cmpd="sng" algn="ctr">
+                      <a:noFill/>
+                      <a:prstDash val="solid"/>
+                    </a:lnT>
+                    <a:lnB w="9525" cap="flat" cmpd="sng" algn="ctr">
+                      <a:solidFill>
+                        <a:srgbClr val="C7C6C1"/>
+                      </a:solidFill>
+                      <a:prstDash val="solid"/>
+                    </a:lnB>
+                    <a:noFill/>
+                  </a:tcPr>
+                </a:tc>
+                <a:extLst>
+                  <a:ext uri="{0D108BD9-81ED-4DB2-BD59-A6C34878D82A}">
+                    <a16:rowId xmlns:a16="http://schemas.microsoft.com/office/drawing/2014/main" val="3376918347"/>
+                  </a:ext>
+                </a:extLst>
+              </a:tr>
+              <a:tr h="1272364">
+                <a:tc>
+                  <a:txBody>
+                    <a:bodyPr/>
+                    <a:lstStyle/>
+                    <a:p>
+                      <a:pPr algn="r" rtl="0" fontAlgn="b"/>
+                      <a:r>
+                        <a:rPr lang="ar-SA" sz="2400" u="none" strike="noStrike" dirty="0">
+                          <a:solidFill>
+                            <a:schemeClr val="tx1">
+                              <a:lumMod val="75000"/>
+                              <a:lumOff val="25000"/>
+                            </a:schemeClr>
+                          </a:solidFill>
+                          <a:effectLst/>
+                        </a:rPr>
+                        <a:t> </a:t>
+                      </a:r>
+                    </a:p>
+                    <a:p>
+                      <a:pPr algn="ctr" rtl="0" fontAlgn="b"/>
+                      <a:r>
+                        <a:rPr lang="ar-SA" sz="2400" u="none" strike="noStrike" dirty="0">
+                          <a:solidFill>
+                            <a:schemeClr val="tx1">
+                              <a:lumMod val="75000"/>
+                              <a:lumOff val="25000"/>
+                            </a:schemeClr>
+                          </a:solidFill>
+                          <a:effectLst/>
+                        </a:rPr>
+                        <a:t>١٦٠.٣٠٤</a:t>
+                      </a:r>
+                    </a:p>
+                  </a:txBody>
+                  <a:tcPr marL="335280" marR="251460" marT="167640" marB="167640" anchor="b">
+                    <a:lnL w="12700" cmpd="sng">
+                      <a:noFill/>
+                      <a:prstDash val="solid"/>
+                    </a:lnL>
+                    <a:lnR w="12700" cmpd="sng">
+                      <a:noFill/>
+                      <a:prstDash val="solid"/>
+                    </a:lnR>
+                    <a:lnT w="9525" cap="flat" cmpd="sng" algn="ctr">
+                      <a:solidFill>
+                        <a:srgbClr val="C7C6C1"/>
+                      </a:solidFill>
+                      <a:prstDash val="solid"/>
+                    </a:lnT>
+                    <a:lnB w="12700" cmpd="sng">
+                      <a:noFill/>
+                      <a:prstDash val="solid"/>
+                    </a:lnB>
+                    <a:noFill/>
+                  </a:tcPr>
+                </a:tc>
+                <a:tc>
+                  <a:txBody>
+                    <a:bodyPr/>
+                    <a:lstStyle/>
+                    <a:p>
+                      <a:pPr algn="ctr" rtl="0" fontAlgn="b"/>
+                      <a:r>
+                        <a:rPr lang="ar-SA" sz="2400" b="0" i="0" u="none" strike="noStrike" dirty="0">
+                          <a:solidFill>
+                            <a:schemeClr val="tx1">
+                              <a:lumMod val="75000"/>
+                              <a:lumOff val="25000"/>
+                            </a:schemeClr>
+                          </a:solidFill>
+                          <a:effectLst/>
+                          <a:latin typeface="Arial" panose="020B0604020202020204" pitchFamily="34" charset="0"/>
+                        </a:rPr>
+                        <a:t>١٩</a:t>
+                      </a:r>
+                    </a:p>
+                  </a:txBody>
+                  <a:tcPr marL="335280" marR="251460" marT="167640" marB="167640" anchor="b">
+                    <a:lnL w="12700" cmpd="sng">
+                      <a:noFill/>
+                      <a:prstDash val="solid"/>
+                    </a:lnL>
+                    <a:lnR w="12700" cmpd="sng">
+                      <a:noFill/>
+                      <a:prstDash val="solid"/>
+                    </a:lnR>
+                    <a:lnT w="9525" cap="flat" cmpd="sng" algn="ctr">
+                      <a:solidFill>
+                        <a:srgbClr val="C7C6C1"/>
+                      </a:solidFill>
+                      <a:prstDash val="solid"/>
+                    </a:lnT>
+                    <a:lnB w="12700" cmpd="sng">
+                      <a:noFill/>
+                      <a:prstDash val="solid"/>
+                    </a:lnB>
+                    <a:noFill/>
+                  </a:tcPr>
+                </a:tc>
+                <a:tc>
+                  <a:txBody>
+                    <a:bodyPr/>
+                    <a:lstStyle/>
+                    <a:p>
+                      <a:pPr algn="ctr" rtl="0" fontAlgn="b"/>
+                      <a:r>
+                        <a:rPr lang="ar-SA" sz="2400" u="none" strike="noStrike" dirty="0">
+                          <a:solidFill>
+                            <a:schemeClr val="tx1">
+                              <a:lumMod val="75000"/>
+                              <a:lumOff val="25000"/>
+                            </a:schemeClr>
+                          </a:solidFill>
+                          <a:effectLst/>
+                        </a:rPr>
+                        <a:t>٣٠.٨٤٠</a:t>
+                      </a:r>
+                    </a:p>
+                  </a:txBody>
+                  <a:tcPr marL="335280" marR="251460" marT="167640" marB="167640" anchor="b">
+                    <a:lnL w="12700" cmpd="sng">
+                      <a:noFill/>
+                      <a:prstDash val="solid"/>
+                    </a:lnL>
+                    <a:lnR w="12700" cmpd="sng">
+                      <a:noFill/>
+                      <a:prstDash val="solid"/>
+                    </a:lnR>
+                    <a:lnT w="9525" cap="flat" cmpd="sng" algn="ctr">
+                      <a:solidFill>
+                        <a:srgbClr val="C7C6C1"/>
+                      </a:solidFill>
+                      <a:prstDash val="solid"/>
+                    </a:lnT>
+                    <a:lnB w="12700" cmpd="sng">
+                      <a:noFill/>
+                      <a:prstDash val="solid"/>
+                    </a:lnB>
+                    <a:noFill/>
+                  </a:tcPr>
+                </a:tc>
+                <a:extLst>
+                  <a:ext uri="{0D108BD9-81ED-4DB2-BD59-A6C34878D82A}">
+                    <a16:rowId xmlns:a16="http://schemas.microsoft.com/office/drawing/2014/main" val="1392562503"/>
+                  </a:ext>
+                </a:extLst>
+              </a:tr>
+            </a:tbl>
+          </a:graphicData>
+        </a:graphic>
+      </p:graphicFrame>
+    </p:spTree>
+    <p:extLst>
+      <p:ext uri="{BB962C8B-B14F-4D97-AF65-F5344CB8AC3E}">
+        <p14:creationId xmlns:p14="http://schemas.microsoft.com/office/powerpoint/2010/main" val="3396394277"/>
+      </p:ext>
+    </p:extLst>
+  </p:cSld>
+  <p:clrMapOvr>
+    <a:masterClrMapping/>
+  </p:clrMapOvr>
+</p:sld>
+</file>
+
+<file path=ppt/slides/slide8.xml><?xml version="1.0" encoding="utf-8"?>
+<p:sld xmlns:a="http://schemas.openxmlformats.org/drawingml/2006/main" xmlns:r="http://schemas.openxmlformats.org/officeDocument/2006/relationships" xmlns:p="http://schemas.openxmlformats.org/presentationml/2006/main">
+  <p:cSld>
+    <p:bg>
+      <p:bgPr>
+        <a:solidFill>
+          <a:schemeClr val="bg2"/>
+        </a:solidFill>
+        <a:effectLst/>
+      </p:bgPr>
+    </p:bg>
+    <p:spTree>
+      <p:nvGrpSpPr>
+        <p:cNvPr id="1" name=""/>
+        <p:cNvGrpSpPr/>
+        <p:nvPr/>
+      </p:nvGrpSpPr>
+      <p:grpSpPr>
+        <a:xfrm>
+          <a:off x="0" y="0"/>
+          <a:ext cx="0" cy="0"/>
+          <a:chOff x="0" y="0"/>
+          <a:chExt cx="0" cy="0"/>
+        </a:xfrm>
+      </p:grpSpPr>
+      <p:sp useBgFill="1">
+        <p:nvSpPr>
+          <p:cNvPr id="9" name="Rectangle 8">
+            <a:extLst>
+              <a:ext uri="{FF2B5EF4-FFF2-40B4-BE49-F238E27FC236}">
+                <a16:creationId xmlns:a16="http://schemas.microsoft.com/office/drawing/2014/main" id="{2BFB0E95-9CAE-4968-A118-2B9F7C8BBBEC}"/>
+              </a:ext>
+              <a:ext uri="{C183D7F6-B498-43B3-948B-1728B52AA6E4}">
+                <adec:decorative xmlns:adec="http://schemas.microsoft.com/office/drawing/2017/decorative" val="1"/>
+              </a:ext>
+            </a:extLst>
+          </p:cNvPr>
+          <p:cNvSpPr>
+            <a:spLocks noGrp="1" noRot="1" noChangeAspect="1" noMove="1" noResize="1" noEditPoints="1" noAdjustHandles="1" noChangeArrowheads="1" noChangeShapeType="1" noTextEdit="1"/>
+          </p:cNvSpPr>
+          <p:nvPr>
+            <p:extLst>
+              <p:ext uri="{386F3935-93C4-4BCD-93E2-E3B085C9AB24}">
+                <p16:designElem xmlns:p16="http://schemas.microsoft.com/office/powerpoint/2015/main" val="1"/>
+              </p:ext>
+            </p:extLst>
+          </p:nvPr>
+        </p:nvSpPr>
+        <p:spPr>
+          <a:xfrm>
+            <a:off x="0" y="0"/>
+            <a:ext cx="12192000" cy="6858000"/>
+          </a:xfrm>
+          <a:prstGeom prst="rect">
+            <a:avLst/>
+          </a:prstGeom>
+          <a:ln w="12700" cap="flat" cmpd="sng" algn="ctr">
+            <a:noFill/>
+            <a:prstDash val="solid"/>
+            <a:miter lim="800000"/>
+          </a:ln>
+          <a:effectLst/>
+        </p:spPr>
+        <p:style>
+          <a:lnRef idx="2">
+            <a:schemeClr val="accent1">
+              <a:shade val="50000"/>
+            </a:schemeClr>
+          </a:lnRef>
+          <a:fillRef idx="1">
+            <a:schemeClr val="accent1"/>
+          </a:fillRef>
+          <a:effectRef idx="0">
+            <a:schemeClr val="accent1"/>
+          </a:effectRef>
+          <a:fontRef idx="minor">
+            <a:schemeClr val="lt1"/>
+          </a:fontRef>
+        </p:style>
+        <p:txBody>
+          <a:bodyPr rtlCol="0" anchor="ctr"/>
+          <a:lstStyle/>
+          <a:p>
+            <a:pPr algn="ctr"/>
+            <a:endParaRPr lang="en-US"/>
+          </a:p>
+        </p:txBody>
+      </p:sp>
+      <p:sp>
+        <p:nvSpPr>
+          <p:cNvPr id="11" name="Rectangle 10">
+            <a:extLst>
+              <a:ext uri="{FF2B5EF4-FFF2-40B4-BE49-F238E27FC236}">
+                <a16:creationId xmlns:a16="http://schemas.microsoft.com/office/drawing/2014/main" id="{90BBC371-361C-45F7-9235-C3252E336B5B}"/>
+              </a:ext>
+              <a:ext uri="{C183D7F6-B498-43B3-948B-1728B52AA6E4}">
+                <adec:decorative xmlns:adec="http://schemas.microsoft.com/office/drawing/2017/decorative" val="1"/>
+              </a:ext>
+            </a:extLst>
+          </p:cNvPr>
+          <p:cNvSpPr>
+            <a:spLocks noGrp="1" noRot="1" noChangeAspect="1" noMove="1" noResize="1" noEditPoints="1" noAdjustHandles="1" noChangeArrowheads="1" noChangeShapeType="1" noTextEdit="1"/>
+          </p:cNvSpPr>
+          <p:nvPr>
+            <p:extLst>
+              <p:ext uri="{386F3935-93C4-4BCD-93E2-E3B085C9AB24}">
+                <p16:designElem xmlns:p16="http://schemas.microsoft.com/office/powerpoint/2015/main" val="1"/>
+              </p:ext>
+            </p:extLst>
+          </p:nvPr>
+        </p:nvSpPr>
+        <p:spPr>
+          <a:xfrm>
+            <a:off x="0" y="0"/>
+            <a:ext cx="12192000" cy="6858000"/>
+          </a:xfrm>
+          <a:prstGeom prst="rect">
+            <a:avLst/>
+          </a:prstGeom>
+          <a:solidFill>
+            <a:schemeClr val="bg2">
+              <a:lumMod val="90000"/>
+              <a:lumOff val="10000"/>
+            </a:schemeClr>
+          </a:solidFill>
+          <a:ln w="12700" cap="flat" cmpd="sng" algn="ctr">
+            <a:noFill/>
+            <a:prstDash val="solid"/>
+            <a:miter lim="800000"/>
+          </a:ln>
+          <a:effectLst/>
+        </p:spPr>
+        <p:style>
+          <a:lnRef idx="2">
+            <a:schemeClr val="accent1">
+              <a:shade val="50000"/>
+            </a:schemeClr>
+          </a:lnRef>
+          <a:fillRef idx="1">
+            <a:schemeClr val="accent1"/>
+          </a:fillRef>
+          <a:effectRef idx="0">
+            <a:schemeClr val="accent1"/>
+          </a:effectRef>
+          <a:fontRef idx="minor">
+            <a:schemeClr val="lt1"/>
+          </a:fontRef>
+        </p:style>
+        <p:txBody>
+          <a:bodyPr rtlCol="0" anchor="ctr"/>
+          <a:lstStyle/>
+          <a:p>
+            <a:pPr algn="ctr"/>
+            <a:endParaRPr lang="en-US"/>
+          </a:p>
+        </p:txBody>
+      </p:sp>
+      <p:sp>
+        <p:nvSpPr>
+          <p:cNvPr id="2" name="عنوان 1">
+            <a:extLst>
+              <a:ext uri="{FF2B5EF4-FFF2-40B4-BE49-F238E27FC236}">
+                <a16:creationId xmlns:a16="http://schemas.microsoft.com/office/drawing/2014/main" id="{F22F610B-4360-E2CA-F326-DABDCDBC6A09}"/>
+              </a:ext>
+            </a:extLst>
+          </p:cNvPr>
+          <p:cNvSpPr>
+            <a:spLocks noGrp="1"/>
+          </p:cNvSpPr>
+          <p:nvPr>
+            <p:ph type="title"/>
+          </p:nvPr>
+        </p:nvSpPr>
+        <p:spPr>
+          <a:xfrm>
+            <a:off x="720000" y="619200"/>
+            <a:ext cx="10728322" cy="681586"/>
+          </a:xfrm>
+        </p:spPr>
+        <p:txBody>
+          <a:bodyPr wrap="square">
+            <a:normAutofit fontScale="90000"/>
+          </a:bodyPr>
+          <a:lstStyle/>
+          <a:p>
+            <a:pPr algn="r"/>
+            <a:r>
+              <a:rPr lang="ar-SA" sz="3200" dirty="0"/>
+              <a:t>بالنسبة إلى تصاريح زيارة الروضة الشريفة ، ما هي نسبة تصاريح الذكور ونسبة تصاريح الإناث؟</a:t>
+            </a:r>
+          </a:p>
+        </p:txBody>
+      </p:sp>
+      <p:sp useBgFill="1">
+        <p:nvSpPr>
+          <p:cNvPr id="13" name="Freeform: Shape 12">
+            <a:extLst>
+              <a:ext uri="{FF2B5EF4-FFF2-40B4-BE49-F238E27FC236}">
+                <a16:creationId xmlns:a16="http://schemas.microsoft.com/office/drawing/2014/main" id="{4172FA92-6FD3-495F-95A0-4FD85861D89C}"/>
+              </a:ext>
+              <a:ext uri="{C183D7F6-B498-43B3-948B-1728B52AA6E4}">
+                <adec:decorative xmlns:adec="http://schemas.microsoft.com/office/drawing/2017/decorative" val="1"/>
+              </a:ext>
+            </a:extLst>
+          </p:cNvPr>
+          <p:cNvSpPr>
+            <a:spLocks noGrp="1" noRot="1" noChangeAspect="1" noMove="1" noResize="1" noEditPoints="1" noAdjustHandles="1" noChangeArrowheads="1" noChangeShapeType="1" noTextEdit="1"/>
+          </p:cNvSpPr>
+          <p:nvPr>
+            <p:extLst>
+              <p:ext uri="{386F3935-93C4-4BCD-93E2-E3B085C9AB24}">
+                <p16:designElem xmlns:p16="http://schemas.microsoft.com/office/powerpoint/2015/main" val="1"/>
+              </p:ext>
+            </p:extLst>
+          </p:nvPr>
+        </p:nvSpPr>
+        <p:spPr>
+          <a:xfrm>
+            <a:off x="500" y="1734458"/>
+            <a:ext cx="12191501" cy="5123544"/>
+          </a:xfrm>
+          <a:custGeom>
+            <a:avLst/>
+            <a:gdLst>
+              <a:gd name="connsiteX0" fmla="*/ 9255953 w 12191501"/>
+              <a:gd name="connsiteY0" fmla="*/ 0 h 4430825"/>
+              <a:gd name="connsiteX1" fmla="*/ 10762189 w 12191501"/>
+              <a:gd name="connsiteY1" fmla="*/ 67992 h 4430825"/>
+              <a:gd name="connsiteX2" fmla="*/ 11364025 w 12191501"/>
+              <a:gd name="connsiteY2" fmla="*/ 57486 h 4430825"/>
+              <a:gd name="connsiteX3" fmla="*/ 12096632 w 12191501"/>
+              <a:gd name="connsiteY3" fmla="*/ 44699 h 4430825"/>
+              <a:gd name="connsiteX4" fmla="*/ 12191501 w 12191501"/>
+              <a:gd name="connsiteY4" fmla="*/ 43042 h 4430825"/>
+              <a:gd name="connsiteX5" fmla="*/ 12191501 w 12191501"/>
+              <a:gd name="connsiteY5" fmla="*/ 4430825 h 4430825"/>
+              <a:gd name="connsiteX6" fmla="*/ 0 w 12191501"/>
+              <a:gd name="connsiteY6" fmla="*/ 4430825 h 4430825"/>
+              <a:gd name="connsiteX7" fmla="*/ 10182 w 12191501"/>
+              <a:gd name="connsiteY7" fmla="*/ 95053 h 4430825"/>
+              <a:gd name="connsiteX8" fmla="*/ 70972 w 12191501"/>
+              <a:gd name="connsiteY8" fmla="*/ 97164 h 4430825"/>
+              <a:gd name="connsiteX9" fmla="*/ 1281624 w 12191501"/>
+              <a:gd name="connsiteY9" fmla="*/ 139193 h 4430825"/>
+              <a:gd name="connsiteX10" fmla="*/ 2485297 w 12191501"/>
+              <a:gd name="connsiteY10" fmla="*/ 118183 h 4430825"/>
+              <a:gd name="connsiteX11" fmla="*/ 3237591 w 12191501"/>
+              <a:gd name="connsiteY11" fmla="*/ 105051 h 4430825"/>
+              <a:gd name="connsiteX12" fmla="*/ 3989887 w 12191501"/>
+              <a:gd name="connsiteY12" fmla="*/ 91920 h 4430825"/>
+              <a:gd name="connsiteX13" fmla="*/ 9255953 w 12191501"/>
+              <a:gd name="connsiteY13" fmla="*/ 0 h 4430825"/>
+            </a:gdLst>
+            <a:ahLst/>
+            <a:cxnLst>
+              <a:cxn ang="0">
+                <a:pos x="connsiteX0" y="connsiteY0"/>
+              </a:cxn>
+              <a:cxn ang="0">
+                <a:pos x="connsiteX1" y="connsiteY1"/>
+              </a:cxn>
+              <a:cxn ang="0">
+                <a:pos x="connsiteX2" y="connsiteY2"/>
+              </a:cxn>
+              <a:cxn ang="0">
+                <a:pos x="connsiteX3" y="connsiteY3"/>
+              </a:cxn>
+              <a:cxn ang="0">
+                <a:pos x="connsiteX4" y="connsiteY4"/>
+              </a:cxn>
+              <a:cxn ang="0">
+                <a:pos x="connsiteX5" y="connsiteY5"/>
+              </a:cxn>
+              <a:cxn ang="0">
+                <a:pos x="connsiteX6" y="connsiteY6"/>
+              </a:cxn>
+              <a:cxn ang="0">
+                <a:pos x="connsiteX7" y="connsiteY7"/>
+              </a:cxn>
+              <a:cxn ang="0">
+                <a:pos x="connsiteX8" y="connsiteY8"/>
+              </a:cxn>
+              <a:cxn ang="0">
+                <a:pos x="connsiteX9" y="connsiteY9"/>
+              </a:cxn>
+              <a:cxn ang="0">
+                <a:pos x="connsiteX10" y="connsiteY10"/>
+              </a:cxn>
+              <a:cxn ang="0">
+                <a:pos x="connsiteX11" y="connsiteY11"/>
+              </a:cxn>
+              <a:cxn ang="0">
+                <a:pos x="connsiteX12" y="connsiteY12"/>
+              </a:cxn>
+              <a:cxn ang="0">
+                <a:pos x="connsiteX13" y="connsiteY13"/>
+              </a:cxn>
+            </a:cxnLst>
+            <a:rect l="l" t="t" r="r" b="b"/>
+            <a:pathLst>
+              <a:path w="12191501" h="4430825">
+                <a:moveTo>
+                  <a:pt x="9255953" y="0"/>
+                </a:moveTo>
+                <a:cubicBezTo>
+                  <a:pt x="10762189" y="67992"/>
+                  <a:pt x="10762189" y="67992"/>
+                  <a:pt x="10762189" y="67992"/>
+                </a:cubicBezTo>
+                <a:cubicBezTo>
+                  <a:pt x="11364025" y="57486"/>
+                  <a:pt x="11364025" y="57486"/>
+                  <a:pt x="11364025" y="57486"/>
+                </a:cubicBezTo>
+                <a:cubicBezTo>
+                  <a:pt x="11589714" y="53547"/>
+                  <a:pt x="11836561" y="49238"/>
+                  <a:pt x="12096632" y="44699"/>
+                </a:cubicBezTo>
+                <a:lnTo>
+                  <a:pt x="12191501" y="43042"/>
+                </a:lnTo>
+                <a:lnTo>
+                  <a:pt x="12191501" y="4430825"/>
+                </a:lnTo>
+                <a:lnTo>
+                  <a:pt x="0" y="4430825"/>
+                </a:lnTo>
+                <a:lnTo>
+                  <a:pt x="10182" y="95053"/>
+                </a:lnTo>
+                <a:lnTo>
+                  <a:pt x="70972" y="97164"/>
+                </a:lnTo>
+                <a:cubicBezTo>
+                  <a:pt x="1281624" y="139193"/>
+                  <a:pt x="1281624" y="139193"/>
+                  <a:pt x="1281624" y="139193"/>
+                </a:cubicBezTo>
+                <a:cubicBezTo>
+                  <a:pt x="2485297" y="118183"/>
+                  <a:pt x="2485297" y="118183"/>
+                  <a:pt x="2485297" y="118183"/>
+                </a:cubicBezTo>
+                <a:cubicBezTo>
+                  <a:pt x="2786215" y="112930"/>
+                  <a:pt x="2936672" y="110304"/>
+                  <a:pt x="3237591" y="105051"/>
+                </a:cubicBezTo>
+                <a:cubicBezTo>
+                  <a:pt x="3538508" y="99800"/>
+                  <a:pt x="3839426" y="94546"/>
+                  <a:pt x="3989887" y="91920"/>
+                </a:cubicBezTo>
+                <a:cubicBezTo>
+                  <a:pt x="9255953" y="0"/>
+                  <a:pt x="9255953" y="0"/>
+                  <a:pt x="9255953" y="0"/>
+                </a:cubicBezTo>
+                <a:close/>
+              </a:path>
+            </a:pathLst>
+          </a:custGeom>
+          <a:ln w="12700" cap="flat" cmpd="sng" algn="ctr">
+            <a:noFill/>
+            <a:prstDash val="solid"/>
+            <a:miter lim="800000"/>
+          </a:ln>
+          <a:effectLst/>
+        </p:spPr>
+        <p:style>
+          <a:lnRef idx="2">
+            <a:schemeClr val="accent1">
+              <a:shade val="50000"/>
+            </a:schemeClr>
+          </a:lnRef>
+          <a:fillRef idx="1">
+            <a:schemeClr val="accent1"/>
+          </a:fillRef>
+          <a:effectRef idx="0">
+            <a:schemeClr val="accent1"/>
+          </a:effectRef>
+          <a:fontRef idx="minor">
+            <a:schemeClr val="lt1"/>
+          </a:fontRef>
+        </p:style>
+        <p:txBody>
+          <a:bodyPr wrap="square" rtlCol="0" anchor="ctr">
+            <a:noAutofit/>
+          </a:bodyPr>
+          <a:lstStyle/>
+          <a:p>
+            <a:pPr algn="ctr"/>
+            <a:endParaRPr lang="en-US">
+              <a:solidFill>
+                <a:schemeClr val="bg2"/>
+              </a:solidFill>
+            </a:endParaRPr>
+          </a:p>
+        </p:txBody>
+      </p:sp>
+      <p:graphicFrame>
+        <p:nvGraphicFramePr>
+          <p:cNvPr id="4" name="عنصر نائب للمحتوى 3">
+            <a:extLst>
+              <a:ext uri="{FF2B5EF4-FFF2-40B4-BE49-F238E27FC236}">
+                <a16:creationId xmlns:a16="http://schemas.microsoft.com/office/drawing/2014/main" id="{5941C369-5BD4-120F-3F4A-C8369BD69091}"/>
+              </a:ext>
+            </a:extLst>
+          </p:cNvPr>
+          <p:cNvGraphicFramePr>
+            <a:graphicFrameLocks noGrp="1"/>
+          </p:cNvGraphicFramePr>
+          <p:nvPr>
+            <p:ph idx="1"/>
+            <p:extLst>
+              <p:ext uri="{D42A27DB-BD31-4B8C-83A1-F6EECF244321}">
+                <p14:modId xmlns:p14="http://schemas.microsoft.com/office/powerpoint/2010/main" val="2620809999"/>
+              </p:ext>
+            </p:extLst>
+          </p:nvPr>
+        </p:nvGraphicFramePr>
+        <p:xfrm>
+          <a:off x="621871" y="2502355"/>
+          <a:ext cx="5375275" cy="3587750"/>
+        </p:xfrm>
+        <a:graphic>
+          <a:graphicData uri="http://schemas.openxmlformats.org/drawingml/2006/chart">
+            <c:chart xmlns:c="http://schemas.openxmlformats.org/drawingml/2006/chart" xmlns:r="http://schemas.openxmlformats.org/officeDocument/2006/relationships" r:id="rId2"/>
+          </a:graphicData>
+        </a:graphic>
+      </p:graphicFrame>
+      <p:sp>
+        <p:nvSpPr>
+          <p:cNvPr id="5" name="عنوان 1">
+            <a:extLst>
+              <a:ext uri="{FF2B5EF4-FFF2-40B4-BE49-F238E27FC236}">
+                <a16:creationId xmlns:a16="http://schemas.microsoft.com/office/drawing/2014/main" id="{5A412519-CEE1-A208-5670-35DB2A7AF032}"/>
+              </a:ext>
+            </a:extLst>
+          </p:cNvPr>
+          <p:cNvSpPr txBox="1">
+            <a:spLocks/>
+          </p:cNvSpPr>
+          <p:nvPr/>
+        </p:nvSpPr>
+        <p:spPr>
+          <a:xfrm>
+            <a:off x="6409623" y="3239405"/>
+            <a:ext cx="4443814" cy="2113649"/>
+          </a:xfrm>
+          <a:prstGeom prst="rect">
+            <a:avLst/>
+          </a:prstGeom>
+        </p:spPr>
+        <p:txBody>
+          <a:bodyPr wrap="square" lIns="109728" tIns="109728" rIns="109728" bIns="91440" anchor="t">
+            <a:noAutofit/>
+          </a:bodyPr>
+          <a:lstStyle>
+            <a:lvl1pPr algn="l" defTabSz="914400" rtl="0" eaLnBrk="1" latinLnBrk="0" hangingPunct="1">
               <a:lnSpc>
                 <a:spcPct val="100000"/>
               </a:lnSpc>
@@ -10234,43 +18330,616 @@
                 <a:spcPct val="0"/>
               </a:spcBef>
               <a:buNone/>
+              <a:defRPr sz="4800" kern="1200" cap="none" baseline="0">
+                <a:solidFill>
+                  <a:schemeClr val="tx1"/>
+                </a:solidFill>
+                <a:latin typeface="+mj-lt"/>
+                <a:ea typeface="+mj-ea"/>
+                <a:cs typeface="+mj-cs"/>
+              </a:defRPr>
+            </a:lvl1pPr>
+          </a:lstStyle>
+          <a:p>
+            <a:pPr marL="0" algn="r" defTabSz="914400" rtl="1" eaLnBrk="1" latinLnBrk="0" hangingPunct="1">
+              <a:lnSpc>
+                <a:spcPct val="150000"/>
+              </a:lnSpc>
+              <a:spcBef>
+                <a:spcPct val="0"/>
+              </a:spcBef>
+              <a:buNone/>
+            </a:pPr>
+            <a:endParaRPr lang="ar-SA" sz="1800" dirty="0"/>
+          </a:p>
+        </p:txBody>
+      </p:sp>
+      <p:sp>
+        <p:nvSpPr>
+          <p:cNvPr id="7" name="عنوان 1">
+            <a:extLst>
+              <a:ext uri="{FF2B5EF4-FFF2-40B4-BE49-F238E27FC236}">
+                <a16:creationId xmlns:a16="http://schemas.microsoft.com/office/drawing/2014/main" id="{C3100522-B263-0216-A35E-E70D6C5E7A81}"/>
+              </a:ext>
+            </a:extLst>
+          </p:cNvPr>
+          <p:cNvSpPr txBox="1">
+            <a:spLocks/>
+          </p:cNvSpPr>
+          <p:nvPr/>
+        </p:nvSpPr>
+        <p:spPr>
+          <a:xfrm>
+            <a:off x="6409623" y="3726533"/>
+            <a:ext cx="4443814" cy="2113649"/>
+          </a:xfrm>
+          <a:prstGeom prst="rect">
+            <a:avLst/>
+          </a:prstGeom>
+        </p:spPr>
+        <p:txBody>
+          <a:bodyPr wrap="square" lIns="109728" tIns="109728" rIns="109728" bIns="91440" anchor="t">
+            <a:noAutofit/>
+          </a:bodyPr>
+          <a:lstStyle>
+            <a:lvl1pPr algn="l" defTabSz="914400" rtl="0" eaLnBrk="1" latinLnBrk="0" hangingPunct="1">
+              <a:lnSpc>
+                <a:spcPct val="100000"/>
+              </a:lnSpc>
+              <a:spcBef>
+                <a:spcPct val="0"/>
+              </a:spcBef>
+              <a:buNone/>
+              <a:defRPr sz="4800" kern="1200" cap="none" baseline="0">
+                <a:solidFill>
+                  <a:schemeClr val="tx1"/>
+                </a:solidFill>
+                <a:latin typeface="+mj-lt"/>
+                <a:ea typeface="+mj-ea"/>
+                <a:cs typeface="+mj-cs"/>
+              </a:defRPr>
+            </a:lvl1pPr>
+          </a:lstStyle>
+          <a:p>
+            <a:pPr algn="r">
+              <a:lnSpc>
+                <a:spcPct val="150000"/>
+              </a:lnSpc>
             </a:pPr>
             <a:r>
-              <a:rPr lang="ar-SA" dirty="0"/>
-              <a:t>ما هو أعلى عدد تصاريح عمرة وأقل عدد تصاريح عمرة لعام ١٤٤٤هـ؟ </a:t>
+              <a:rPr lang="ar-SA" sz="1800" dirty="0"/>
+              <a:t>نسبة تصاريح زيارة الروضة الشريفة من تطبيق نُسُك للذكور والإناث متساوية ٥٠٪ لكلاً منهما.</a:t>
+            </a:r>
+          </a:p>
+        </p:txBody>
+      </p:sp>
+    </p:spTree>
+    <p:extLst>
+      <p:ext uri="{BB962C8B-B14F-4D97-AF65-F5344CB8AC3E}">
+        <p14:creationId xmlns:p14="http://schemas.microsoft.com/office/powerpoint/2010/main" val="2669770016"/>
+      </p:ext>
+    </p:extLst>
+  </p:cSld>
+  <p:clrMapOvr>
+    <a:masterClrMapping/>
+  </p:clrMapOvr>
+</p:sld>
+</file>
+
+<file path=ppt/slides/slide9.xml><?xml version="1.0" encoding="utf-8"?>
+<p:sld xmlns:a="http://schemas.openxmlformats.org/drawingml/2006/main" xmlns:r="http://schemas.openxmlformats.org/officeDocument/2006/relationships" xmlns:p="http://schemas.openxmlformats.org/presentationml/2006/main">
+  <p:cSld>
+    <p:bg>
+      <p:bgPr>
+        <a:solidFill>
+          <a:schemeClr val="bg2"/>
+        </a:solidFill>
+        <a:effectLst/>
+      </p:bgPr>
+    </p:bg>
+    <p:spTree>
+      <p:nvGrpSpPr>
+        <p:cNvPr id="1" name=""/>
+        <p:cNvGrpSpPr/>
+        <p:nvPr/>
+      </p:nvGrpSpPr>
+      <p:grpSpPr>
+        <a:xfrm>
+          <a:off x="0" y="0"/>
+          <a:ext cx="0" cy="0"/>
+          <a:chOff x="0" y="0"/>
+          <a:chExt cx="0" cy="0"/>
+        </a:xfrm>
+      </p:grpSpPr>
+      <p:sp useBgFill="1">
+        <p:nvSpPr>
+          <p:cNvPr id="10" name="Rectangle 9">
+            <a:extLst>
+              <a:ext uri="{FF2B5EF4-FFF2-40B4-BE49-F238E27FC236}">
+                <a16:creationId xmlns:a16="http://schemas.microsoft.com/office/drawing/2014/main" id="{2BFB0E95-9CAE-4968-A118-2B9F7C8BBBEC}"/>
+              </a:ext>
+              <a:ext uri="{C183D7F6-B498-43B3-948B-1728B52AA6E4}">
+                <adec:decorative xmlns:adec="http://schemas.microsoft.com/office/drawing/2017/decorative" val="1"/>
+              </a:ext>
+            </a:extLst>
+          </p:cNvPr>
+          <p:cNvSpPr>
+            <a:spLocks noGrp="1" noRot="1" noChangeAspect="1" noMove="1" noResize="1" noEditPoints="1" noAdjustHandles="1" noChangeArrowheads="1" noChangeShapeType="1" noTextEdit="1"/>
+          </p:cNvSpPr>
+          <p:nvPr>
+            <p:extLst>
+              <p:ext uri="{386F3935-93C4-4BCD-93E2-E3B085C9AB24}">
+                <p16:designElem xmlns:p16="http://schemas.microsoft.com/office/powerpoint/2015/main" val="1"/>
+              </p:ext>
+            </p:extLst>
+          </p:nvPr>
+        </p:nvSpPr>
+        <p:spPr>
+          <a:xfrm>
+            <a:off x="0" y="0"/>
+            <a:ext cx="12192000" cy="6858000"/>
+          </a:xfrm>
+          <a:prstGeom prst="rect">
+            <a:avLst/>
+          </a:prstGeom>
+          <a:ln w="12700" cap="flat" cmpd="sng" algn="ctr">
+            <a:noFill/>
+            <a:prstDash val="solid"/>
+            <a:miter lim="800000"/>
+          </a:ln>
+          <a:effectLst/>
+        </p:spPr>
+        <p:style>
+          <a:lnRef idx="2">
+            <a:schemeClr val="accent1">
+              <a:shade val="50000"/>
+            </a:schemeClr>
+          </a:lnRef>
+          <a:fillRef idx="1">
+            <a:schemeClr val="accent1"/>
+          </a:fillRef>
+          <a:effectRef idx="0">
+            <a:schemeClr val="accent1"/>
+          </a:effectRef>
+          <a:fontRef idx="minor">
+            <a:schemeClr val="lt1"/>
+          </a:fontRef>
+        </p:style>
+        <p:txBody>
+          <a:bodyPr rtlCol="0" anchor="ctr"/>
+          <a:lstStyle/>
+          <a:p>
+            <a:pPr algn="ctr"/>
+            <a:endParaRPr lang="en-US"/>
+          </a:p>
+        </p:txBody>
+      </p:sp>
+      <p:sp>
+        <p:nvSpPr>
+          <p:cNvPr id="12" name="Rectangle 11">
+            <a:extLst>
+              <a:ext uri="{FF2B5EF4-FFF2-40B4-BE49-F238E27FC236}">
+                <a16:creationId xmlns:a16="http://schemas.microsoft.com/office/drawing/2014/main" id="{90BBC371-361C-45F7-9235-C3252E336B5B}"/>
+              </a:ext>
+              <a:ext uri="{C183D7F6-B498-43B3-948B-1728B52AA6E4}">
+                <adec:decorative xmlns:adec="http://schemas.microsoft.com/office/drawing/2017/decorative" val="1"/>
+              </a:ext>
+            </a:extLst>
+          </p:cNvPr>
+          <p:cNvSpPr>
+            <a:spLocks noGrp="1" noRot="1" noChangeAspect="1" noMove="1" noResize="1" noEditPoints="1" noAdjustHandles="1" noChangeArrowheads="1" noChangeShapeType="1" noTextEdit="1"/>
+          </p:cNvSpPr>
+          <p:nvPr>
+            <p:extLst>
+              <p:ext uri="{386F3935-93C4-4BCD-93E2-E3B085C9AB24}">
+                <p16:designElem xmlns:p16="http://schemas.microsoft.com/office/powerpoint/2015/main" val="1"/>
+              </p:ext>
+            </p:extLst>
+          </p:nvPr>
+        </p:nvSpPr>
+        <p:spPr>
+          <a:xfrm>
+            <a:off x="0" y="0"/>
+            <a:ext cx="12192000" cy="6858000"/>
+          </a:xfrm>
+          <a:prstGeom prst="rect">
+            <a:avLst/>
+          </a:prstGeom>
+          <a:solidFill>
+            <a:schemeClr val="bg2">
+              <a:lumMod val="90000"/>
+              <a:lumOff val="10000"/>
+            </a:schemeClr>
+          </a:solidFill>
+          <a:ln w="12700" cap="flat" cmpd="sng" algn="ctr">
+            <a:noFill/>
+            <a:prstDash val="solid"/>
+            <a:miter lim="800000"/>
+          </a:ln>
+          <a:effectLst/>
+        </p:spPr>
+        <p:style>
+          <a:lnRef idx="2">
+            <a:schemeClr val="accent1">
+              <a:shade val="50000"/>
+            </a:schemeClr>
+          </a:lnRef>
+          <a:fillRef idx="1">
+            <a:schemeClr val="accent1"/>
+          </a:fillRef>
+          <a:effectRef idx="0">
+            <a:schemeClr val="accent1"/>
+          </a:effectRef>
+          <a:fontRef idx="minor">
+            <a:schemeClr val="lt1"/>
+          </a:fontRef>
+        </p:style>
+        <p:txBody>
+          <a:bodyPr rtlCol="0" anchor="ctr"/>
+          <a:lstStyle/>
+          <a:p>
+            <a:pPr algn="ctr"/>
+            <a:endParaRPr lang="en-US"/>
+          </a:p>
+        </p:txBody>
+      </p:sp>
+      <p:sp useBgFill="1">
+        <p:nvSpPr>
+          <p:cNvPr id="14" name="Freeform: Shape 13">
+            <a:extLst>
+              <a:ext uri="{FF2B5EF4-FFF2-40B4-BE49-F238E27FC236}">
+                <a16:creationId xmlns:a16="http://schemas.microsoft.com/office/drawing/2014/main" id="{4172FA92-6FD3-495F-95A0-4FD85861D89C}"/>
+              </a:ext>
+              <a:ext uri="{C183D7F6-B498-43B3-948B-1728B52AA6E4}">
+                <adec:decorative xmlns:adec="http://schemas.microsoft.com/office/drawing/2017/decorative" val="1"/>
+              </a:ext>
+            </a:extLst>
+          </p:cNvPr>
+          <p:cNvSpPr>
+            <a:spLocks noGrp="1" noRot="1" noChangeAspect="1" noMove="1" noResize="1" noEditPoints="1" noAdjustHandles="1" noChangeArrowheads="1" noChangeShapeType="1" noTextEdit="1"/>
+          </p:cNvSpPr>
+          <p:nvPr>
+            <p:extLst>
+              <p:ext uri="{386F3935-93C4-4BCD-93E2-E3B085C9AB24}">
+                <p16:designElem xmlns:p16="http://schemas.microsoft.com/office/powerpoint/2015/main" val="1"/>
+              </p:ext>
+            </p:extLst>
+          </p:nvPr>
+        </p:nvSpPr>
+        <p:spPr>
+          <a:xfrm>
+            <a:off x="500" y="1734458"/>
+            <a:ext cx="12191501" cy="5123544"/>
+          </a:xfrm>
+          <a:custGeom>
+            <a:avLst/>
+            <a:gdLst>
+              <a:gd name="connsiteX0" fmla="*/ 9255953 w 12191501"/>
+              <a:gd name="connsiteY0" fmla="*/ 0 h 4430825"/>
+              <a:gd name="connsiteX1" fmla="*/ 10762189 w 12191501"/>
+              <a:gd name="connsiteY1" fmla="*/ 67992 h 4430825"/>
+              <a:gd name="connsiteX2" fmla="*/ 11364025 w 12191501"/>
+              <a:gd name="connsiteY2" fmla="*/ 57486 h 4430825"/>
+              <a:gd name="connsiteX3" fmla="*/ 12096632 w 12191501"/>
+              <a:gd name="connsiteY3" fmla="*/ 44699 h 4430825"/>
+              <a:gd name="connsiteX4" fmla="*/ 12191501 w 12191501"/>
+              <a:gd name="connsiteY4" fmla="*/ 43042 h 4430825"/>
+              <a:gd name="connsiteX5" fmla="*/ 12191501 w 12191501"/>
+              <a:gd name="connsiteY5" fmla="*/ 4430825 h 4430825"/>
+              <a:gd name="connsiteX6" fmla="*/ 0 w 12191501"/>
+              <a:gd name="connsiteY6" fmla="*/ 4430825 h 4430825"/>
+              <a:gd name="connsiteX7" fmla="*/ 10182 w 12191501"/>
+              <a:gd name="connsiteY7" fmla="*/ 95053 h 4430825"/>
+              <a:gd name="connsiteX8" fmla="*/ 70972 w 12191501"/>
+              <a:gd name="connsiteY8" fmla="*/ 97164 h 4430825"/>
+              <a:gd name="connsiteX9" fmla="*/ 1281624 w 12191501"/>
+              <a:gd name="connsiteY9" fmla="*/ 139193 h 4430825"/>
+              <a:gd name="connsiteX10" fmla="*/ 2485297 w 12191501"/>
+              <a:gd name="connsiteY10" fmla="*/ 118183 h 4430825"/>
+              <a:gd name="connsiteX11" fmla="*/ 3237591 w 12191501"/>
+              <a:gd name="connsiteY11" fmla="*/ 105051 h 4430825"/>
+              <a:gd name="connsiteX12" fmla="*/ 3989887 w 12191501"/>
+              <a:gd name="connsiteY12" fmla="*/ 91920 h 4430825"/>
+              <a:gd name="connsiteX13" fmla="*/ 9255953 w 12191501"/>
+              <a:gd name="connsiteY13" fmla="*/ 0 h 4430825"/>
+            </a:gdLst>
+            <a:ahLst/>
+            <a:cxnLst>
+              <a:cxn ang="0">
+                <a:pos x="connsiteX0" y="connsiteY0"/>
+              </a:cxn>
+              <a:cxn ang="0">
+                <a:pos x="connsiteX1" y="connsiteY1"/>
+              </a:cxn>
+              <a:cxn ang="0">
+                <a:pos x="connsiteX2" y="connsiteY2"/>
+              </a:cxn>
+              <a:cxn ang="0">
+                <a:pos x="connsiteX3" y="connsiteY3"/>
+              </a:cxn>
+              <a:cxn ang="0">
+                <a:pos x="connsiteX4" y="connsiteY4"/>
+              </a:cxn>
+              <a:cxn ang="0">
+                <a:pos x="connsiteX5" y="connsiteY5"/>
+              </a:cxn>
+              <a:cxn ang="0">
+                <a:pos x="connsiteX6" y="connsiteY6"/>
+              </a:cxn>
+              <a:cxn ang="0">
+                <a:pos x="connsiteX7" y="connsiteY7"/>
+              </a:cxn>
+              <a:cxn ang="0">
+                <a:pos x="connsiteX8" y="connsiteY8"/>
+              </a:cxn>
+              <a:cxn ang="0">
+                <a:pos x="connsiteX9" y="connsiteY9"/>
+              </a:cxn>
+              <a:cxn ang="0">
+                <a:pos x="connsiteX10" y="connsiteY10"/>
+              </a:cxn>
+              <a:cxn ang="0">
+                <a:pos x="connsiteX11" y="connsiteY11"/>
+              </a:cxn>
+              <a:cxn ang="0">
+                <a:pos x="connsiteX12" y="connsiteY12"/>
+              </a:cxn>
+              <a:cxn ang="0">
+                <a:pos x="connsiteX13" y="connsiteY13"/>
+              </a:cxn>
+            </a:cxnLst>
+            <a:rect l="l" t="t" r="r" b="b"/>
+            <a:pathLst>
+              <a:path w="12191501" h="4430825">
+                <a:moveTo>
+                  <a:pt x="9255953" y="0"/>
+                </a:moveTo>
+                <a:cubicBezTo>
+                  <a:pt x="10762189" y="67992"/>
+                  <a:pt x="10762189" y="67992"/>
+                  <a:pt x="10762189" y="67992"/>
+                </a:cubicBezTo>
+                <a:cubicBezTo>
+                  <a:pt x="11364025" y="57486"/>
+                  <a:pt x="11364025" y="57486"/>
+                  <a:pt x="11364025" y="57486"/>
+                </a:cubicBezTo>
+                <a:cubicBezTo>
+                  <a:pt x="11589714" y="53547"/>
+                  <a:pt x="11836561" y="49238"/>
+                  <a:pt x="12096632" y="44699"/>
+                </a:cubicBezTo>
+                <a:lnTo>
+                  <a:pt x="12191501" y="43042"/>
+                </a:lnTo>
+                <a:lnTo>
+                  <a:pt x="12191501" y="4430825"/>
+                </a:lnTo>
+                <a:lnTo>
+                  <a:pt x="0" y="4430825"/>
+                </a:lnTo>
+                <a:lnTo>
+                  <a:pt x="10182" y="95053"/>
+                </a:lnTo>
+                <a:lnTo>
+                  <a:pt x="70972" y="97164"/>
+                </a:lnTo>
+                <a:cubicBezTo>
+                  <a:pt x="1281624" y="139193"/>
+                  <a:pt x="1281624" y="139193"/>
+                  <a:pt x="1281624" y="139193"/>
+                </a:cubicBezTo>
+                <a:cubicBezTo>
+                  <a:pt x="2485297" y="118183"/>
+                  <a:pt x="2485297" y="118183"/>
+                  <a:pt x="2485297" y="118183"/>
+                </a:cubicBezTo>
+                <a:cubicBezTo>
+                  <a:pt x="2786215" y="112930"/>
+                  <a:pt x="2936672" y="110304"/>
+                  <a:pt x="3237591" y="105051"/>
+                </a:cubicBezTo>
+                <a:cubicBezTo>
+                  <a:pt x="3538508" y="99800"/>
+                  <a:pt x="3839426" y="94546"/>
+                  <a:pt x="3989887" y="91920"/>
+                </a:cubicBezTo>
+                <a:cubicBezTo>
+                  <a:pt x="9255953" y="0"/>
+                  <a:pt x="9255953" y="0"/>
+                  <a:pt x="9255953" y="0"/>
+                </a:cubicBezTo>
+                <a:close/>
+              </a:path>
+            </a:pathLst>
+          </a:custGeom>
+          <a:ln w="12700" cap="flat" cmpd="sng" algn="ctr">
+            <a:noFill/>
+            <a:prstDash val="solid"/>
+            <a:miter lim="800000"/>
+          </a:ln>
+          <a:effectLst/>
+        </p:spPr>
+        <p:style>
+          <a:lnRef idx="2">
+            <a:schemeClr val="accent1">
+              <a:shade val="50000"/>
+            </a:schemeClr>
+          </a:lnRef>
+          <a:fillRef idx="1">
+            <a:schemeClr val="accent1"/>
+          </a:fillRef>
+          <a:effectRef idx="0">
+            <a:schemeClr val="accent1"/>
+          </a:effectRef>
+          <a:fontRef idx="minor">
+            <a:schemeClr val="lt1"/>
+          </a:fontRef>
+        </p:style>
+        <p:txBody>
+          <a:bodyPr wrap="square" rtlCol="0" anchor="ctr">
+            <a:noAutofit/>
+          </a:bodyPr>
+          <a:lstStyle/>
+          <a:p>
+            <a:pPr algn="ctr"/>
+            <a:endParaRPr lang="en-US">
+              <a:solidFill>
+                <a:schemeClr val="bg2"/>
+              </a:solidFill>
+            </a:endParaRPr>
+          </a:p>
+        </p:txBody>
+      </p:sp>
+      <p:graphicFrame>
+        <p:nvGraphicFramePr>
+          <p:cNvPr id="7" name="مخطط 3">
+            <a:extLst>
+              <a:ext uri="{FF2B5EF4-FFF2-40B4-BE49-F238E27FC236}">
+                <a16:creationId xmlns:a16="http://schemas.microsoft.com/office/drawing/2014/main" id="{B2826D29-859B-982B-1F9C-79252E3BDA7F}"/>
+              </a:ext>
+            </a:extLst>
+          </p:cNvPr>
+          <p:cNvGraphicFramePr>
+            <a:graphicFrameLocks noGrp="1"/>
+          </p:cNvGraphicFramePr>
+          <p:nvPr>
+            <p:ph idx="1"/>
+            <p:extLst>
+              <p:ext uri="{D42A27DB-BD31-4B8C-83A1-F6EECF244321}">
+                <p14:modId xmlns:p14="http://schemas.microsoft.com/office/powerpoint/2010/main" val="381657304"/>
+              </p:ext>
+            </p:extLst>
+          </p:nvPr>
+        </p:nvGraphicFramePr>
+        <p:xfrm>
+          <a:off x="469557" y="2541588"/>
+          <a:ext cx="5626443" cy="3599720"/>
+        </p:xfrm>
+        <a:graphic>
+          <a:graphicData uri="http://schemas.openxmlformats.org/drawingml/2006/chart">
+            <c:chart xmlns:c="http://schemas.openxmlformats.org/drawingml/2006/chart" xmlns:r="http://schemas.openxmlformats.org/officeDocument/2006/relationships" r:id="rId2"/>
+          </a:graphicData>
+        </a:graphic>
+      </p:graphicFrame>
+      <p:sp>
+        <p:nvSpPr>
+          <p:cNvPr id="8" name="عنوان 1">
+            <a:extLst>
+              <a:ext uri="{FF2B5EF4-FFF2-40B4-BE49-F238E27FC236}">
+                <a16:creationId xmlns:a16="http://schemas.microsoft.com/office/drawing/2014/main" id="{DBF22451-1CD4-6E6B-ED8B-6EDD8AA33152}"/>
+              </a:ext>
+            </a:extLst>
+          </p:cNvPr>
+          <p:cNvSpPr txBox="1">
+            <a:spLocks/>
+          </p:cNvSpPr>
+          <p:nvPr/>
+        </p:nvSpPr>
+        <p:spPr>
+          <a:xfrm>
+            <a:off x="860043" y="526436"/>
+            <a:ext cx="10728322" cy="681586"/>
+          </a:xfrm>
+          <a:prstGeom prst="rect">
+            <a:avLst/>
+          </a:prstGeom>
+        </p:spPr>
+        <p:txBody>
+          <a:bodyPr wrap="square" lIns="109728" tIns="109728" rIns="109728" bIns="91440" anchor="t">
+            <a:normAutofit fontScale="82500" lnSpcReduction="10000"/>
+          </a:bodyPr>
+          <a:lstStyle>
+            <a:lvl1pPr algn="l" defTabSz="914400" rtl="0" eaLnBrk="1" latinLnBrk="0" hangingPunct="1">
+              <a:lnSpc>
+                <a:spcPct val="100000"/>
+              </a:lnSpc>
+              <a:spcBef>
+                <a:spcPct val="0"/>
+              </a:spcBef>
+              <a:buNone/>
+              <a:defRPr sz="4800" kern="1200" cap="none" baseline="0">
+                <a:solidFill>
+                  <a:schemeClr val="tx1"/>
+                </a:solidFill>
+                <a:latin typeface="+mj-lt"/>
+                <a:ea typeface="+mj-ea"/>
+                <a:cs typeface="+mj-cs"/>
+              </a:defRPr>
+            </a:lvl1pPr>
+          </a:lstStyle>
+          <a:p>
+            <a:pPr algn="r"/>
+            <a:r>
+              <a:rPr lang="ar-SA" sz="3200" dirty="0"/>
+              <a:t>ما هو أكثر شهر أصدر فيه الرجال تصاريح لزيارة الروضة الشريفة في تطبيق نُسُك لعام ١٤٤٤هـ؟</a:t>
             </a:r>
           </a:p>
         </p:txBody>
       </p:sp>
       <p:sp>
         <p:nvSpPr>
-          <p:cNvPr id="3" name="عنصر نائب للمحتوى 2">
+          <p:cNvPr id="9" name="عنوان 1">
             <a:extLst>
               <a:ext uri="{FF2B5EF4-FFF2-40B4-BE49-F238E27FC236}">
-                <a16:creationId xmlns:a16="http://schemas.microsoft.com/office/drawing/2014/main" id="{B8B9D104-35B4-21D9-F0D4-DC8C37AC6BBA}"/>
+                <a16:creationId xmlns:a16="http://schemas.microsoft.com/office/drawing/2014/main" id="{CDF97845-B4C6-A588-F229-478B0655F1ED}"/>
               </a:ext>
             </a:extLst>
           </p:cNvPr>
-          <p:cNvSpPr>
-            <a:spLocks noGrp="1"/>
+          <p:cNvSpPr txBox="1">
+            <a:spLocks/>
           </p:cNvSpPr>
-          <p:nvPr>
-            <p:ph idx="1"/>
-          </p:nvPr>
+          <p:nvPr/>
         </p:nvSpPr>
-        <p:spPr/>
+        <p:spPr>
+          <a:xfrm>
+            <a:off x="6922093" y="3452729"/>
+            <a:ext cx="4443814" cy="1777438"/>
+          </a:xfrm>
+          <a:prstGeom prst="rect">
+            <a:avLst/>
+          </a:prstGeom>
+        </p:spPr>
         <p:txBody>
-          <a:bodyPr/>
-          <a:lstStyle/>
+          <a:bodyPr wrap="square" lIns="109728" tIns="109728" rIns="109728" bIns="91440" anchor="t">
+            <a:noAutofit/>
+          </a:bodyPr>
+          <a:lstStyle>
+            <a:lvl1pPr algn="l" defTabSz="914400" rtl="0" eaLnBrk="1" latinLnBrk="0" hangingPunct="1">
+              <a:lnSpc>
+                <a:spcPct val="100000"/>
+              </a:lnSpc>
+              <a:spcBef>
+                <a:spcPct val="0"/>
+              </a:spcBef>
+              <a:buNone/>
+              <a:defRPr sz="4800" kern="1200" cap="none" baseline="0">
+                <a:solidFill>
+                  <a:schemeClr val="tx1"/>
+                </a:solidFill>
+                <a:latin typeface="+mj-lt"/>
+                <a:ea typeface="+mj-ea"/>
+                <a:cs typeface="+mj-cs"/>
+              </a:defRPr>
+            </a:lvl1pPr>
+          </a:lstStyle>
           <a:p>
-            <a:endParaRPr lang="ar-SA"/>
+            <a:pPr algn="r">
+              <a:lnSpc>
+                <a:spcPct val="150000"/>
+              </a:lnSpc>
+            </a:pPr>
+            <a:r>
+              <a:rPr lang="ar-SA" sz="1800" dirty="0"/>
+              <a:t>أكثر شهر أصدر فيه الرجال تصاريح لزيارة الروضة الشريفة كان الشهر الثامن هجرياً بما يقارب ٥ مليون تصريح زيارة للروضة.</a:t>
+            </a:r>
           </a:p>
         </p:txBody>
       </p:sp>
     </p:spTree>
     <p:extLst>
       <p:ext uri="{BB962C8B-B14F-4D97-AF65-F5344CB8AC3E}">
-        <p14:creationId xmlns:p14="http://schemas.microsoft.com/office/powerpoint/2010/main" val="3396394277"/>
+        <p14:creationId xmlns:p14="http://schemas.microsoft.com/office/powerpoint/2010/main" val="3855739035"/>
       </p:ext>
     </p:extLst>
   </p:cSld>
